--- a/docs/Presentation/main.pptx
+++ b/docs/Presentation/main.pptx
@@ -5,7 +5,7 @@
     <p:sldMasterId id="2147483648" r:id="rId1"/>
   </p:sldMasterIdLst>
   <p:notesMasterIdLst>
-    <p:notesMasterId r:id="rId26"/>
+    <p:notesMasterId r:id="rId28"/>
   </p:notesMasterIdLst>
   <p:sldIdLst>
     <p:sldId id="256" r:id="rId2"/>
@@ -32,6 +32,8 @@
     <p:sldId id="278" r:id="rId23"/>
     <p:sldId id="279" r:id="rId24"/>
     <p:sldId id="280" r:id="rId25"/>
+    <p:sldId id="281" r:id="rId26"/>
+    <p:sldId id="282" r:id="rId27"/>
   </p:sldIdLst>
   <p:sldSz cx="12192000" cy="6858000"/>
   <p:notesSz cx="6858000" cy="9144000"/>
@@ -130,6 +132,11 @@
       </a:defRPr>
     </a:lvl9pPr>
   </p:defaultTextStyle>
+  <p:extLst>
+    <p:ext uri="{EFAFB233-063F-42B5-8137-9DF3F51BA10A}">
+      <p15:sldGuideLst xmlns:p15="http://schemas.microsoft.com/office/powerpoint/2012/main"/>
+    </p:ext>
+  </p:extLst>
 </p:presentation>
 </file>
 
@@ -4139,8 +4146,8 @@
           </a:p>
         </p:txBody>
       </p:sp>
-      <mc:AlternateContent xmlns:mc="http://schemas.openxmlformats.org/markup-compatibility/2006">
-        <mc:Choice xmlns:a14="http://schemas.microsoft.com/office/drawing/2010/main" Requires="a14">
+      <mc:AlternateContent xmlns:mc="http://schemas.openxmlformats.org/markup-compatibility/2006" xmlns:a14="http://schemas.microsoft.com/office/drawing/2010/main">
+        <mc:Choice Requires="a14">
           <p:sp>
             <p:nvSpPr>
               <p:cNvPr id="3" name="Content Placeholder 2">
@@ -4215,7 +4222,7 @@
             </p:txBody>
           </p:sp>
         </mc:Choice>
-        <mc:Fallback>
+        <mc:Fallback xmlns="">
           <p:sp>
             <p:nvSpPr>
               <p:cNvPr id="3" name="Content Placeholder 2">
@@ -4345,8 +4352,8 @@
           </a:p>
         </p:txBody>
       </p:sp>
-      <mc:AlternateContent xmlns:mc="http://schemas.openxmlformats.org/markup-compatibility/2006">
-        <mc:Choice xmlns:a14="http://schemas.microsoft.com/office/drawing/2010/main" Requires="a14">
+      <mc:AlternateContent xmlns:mc="http://schemas.openxmlformats.org/markup-compatibility/2006" xmlns:a14="http://schemas.microsoft.com/office/drawing/2010/main">
+        <mc:Choice Requires="a14">
           <p:graphicFrame>
             <p:nvGraphicFramePr>
               <p:cNvPr id="7" name="Table 6">
@@ -4582,7 +4589,7 @@
             </a:graphic>
           </p:graphicFrame>
         </mc:Choice>
-        <mc:Fallback>
+        <mc:Fallback xmlns="">
           <p:graphicFrame>
             <p:nvGraphicFramePr>
               <p:cNvPr id="7" name="Table 6">
@@ -8063,10 +8070,7 @@
             </a:r>
           </a:p>
           <a:p>
-            <a:r>
-              <a:rPr lang="en-US" dirty="0"/>
-              <a:t>Discussion.</a:t>
-            </a:r>
+            <a:endParaRPr lang="en-US" dirty="0"/>
           </a:p>
         </p:txBody>
       </p:sp>
@@ -8711,6 +8715,10 @@
             </a:r>
           </a:p>
           <a:p>
+            <a:pPr lvl="1"/>
+            <a:endParaRPr lang="en-US" dirty="0"/>
+          </a:p>
+          <a:p>
             <a:pPr lvl="2"/>
             <a:r>
               <a:rPr lang="en-US" dirty="0"/>
@@ -8809,6 +8817,36 @@
           </a:p>
         </p:txBody>
       </p:sp>
+      <p:pic>
+        <p:nvPicPr>
+          <p:cNvPr id="8" name="Picture 7">
+            <a:extLst>
+              <a:ext uri="{FF2B5EF4-FFF2-40B4-BE49-F238E27FC236}">
+                <a16:creationId xmlns:a16="http://schemas.microsoft.com/office/drawing/2014/main" id="{A4A5565F-2AFB-D7CD-690A-01666A052E26}"/>
+              </a:ext>
+            </a:extLst>
+          </p:cNvPr>
+          <p:cNvPicPr>
+            <a:picLocks noChangeAspect="1"/>
+          </p:cNvPicPr>
+          <p:nvPr/>
+        </p:nvPicPr>
+        <p:blipFill>
+          <a:blip r:embed="rId2"/>
+          <a:stretch>
+            <a:fillRect/>
+          </a:stretch>
+        </p:blipFill>
+        <p:spPr>
+          <a:xfrm>
+            <a:off x="6192448" y="3553792"/>
+            <a:ext cx="4836304" cy="1891362"/>
+          </a:xfrm>
+          <a:prstGeom prst="rect">
+            <a:avLst/>
+          </a:prstGeom>
+        </p:spPr>
+      </p:pic>
     </p:spTree>
     <p:extLst>
       <p:ext uri="{BB962C8B-B14F-4D97-AF65-F5344CB8AC3E}">
@@ -9054,7 +9092,22 @@
           <a:bodyPr/>
           <a:lstStyle/>
           <a:p>
-            <a:endParaRPr lang="en-US"/>
+            <a:r>
+              <a:rPr lang="en-US" dirty="0"/>
+              <a:t>End to End testing.</a:t>
+            </a:r>
+          </a:p>
+          <a:p>
+            <a:r>
+              <a:rPr lang="en-US" dirty="0"/>
+              <a:t>Parametrized testbench.</a:t>
+            </a:r>
+          </a:p>
+          <a:p>
+            <a:r>
+              <a:rPr lang="en-US" dirty="0"/>
+              <a:t>Self-checking.</a:t>
+            </a:r>
           </a:p>
         </p:txBody>
       </p:sp>
@@ -9141,10 +9194,492 @@
           </a:p>
         </p:txBody>
       </p:sp>
+      <p:pic>
+        <p:nvPicPr>
+          <p:cNvPr id="8" name="Picture 7">
+            <a:extLst>
+              <a:ext uri="{FF2B5EF4-FFF2-40B4-BE49-F238E27FC236}">
+                <a16:creationId xmlns:a16="http://schemas.microsoft.com/office/drawing/2014/main" id="{D69D10C7-A8BA-0BF3-B9AC-7F8A564EF2D1}"/>
+              </a:ext>
+            </a:extLst>
+          </p:cNvPr>
+          <p:cNvPicPr>
+            <a:picLocks noChangeAspect="1"/>
+          </p:cNvPicPr>
+          <p:nvPr/>
+        </p:nvPicPr>
+        <p:blipFill>
+          <a:blip r:embed="rId2">
+            <a:extLst>
+              <a:ext uri="{28A0092B-C50C-407E-A947-70E740481C1C}">
+                <a14:useLocalDpi xmlns:a14="http://schemas.microsoft.com/office/drawing/2010/main" val="0"/>
+              </a:ext>
+            </a:extLst>
+          </a:blip>
+          <a:stretch>
+            <a:fillRect/>
+          </a:stretch>
+        </p:blipFill>
+        <p:spPr>
+          <a:xfrm>
+            <a:off x="3343275" y="2887839"/>
+            <a:ext cx="8010525" cy="2933700"/>
+          </a:xfrm>
+          <a:prstGeom prst="rect">
+            <a:avLst/>
+          </a:prstGeom>
+        </p:spPr>
+      </p:pic>
     </p:spTree>
     <p:extLst>
       <p:ext uri="{BB962C8B-B14F-4D97-AF65-F5344CB8AC3E}">
         <p14:creationId xmlns:p14="http://schemas.microsoft.com/office/powerpoint/2010/main" val="2182196"/>
+      </p:ext>
+    </p:extLst>
+  </p:cSld>
+  <p:clrMapOvr>
+    <a:masterClrMapping/>
+  </p:clrMapOvr>
+</p:sld>
+</file>
+
+<file path=ppt/slides/slide25.xml><?xml version="1.0" encoding="utf-8"?>
+<p:sld xmlns:a="http://schemas.openxmlformats.org/drawingml/2006/main" xmlns:r="http://schemas.openxmlformats.org/officeDocument/2006/relationships" xmlns:p="http://schemas.openxmlformats.org/presentationml/2006/main">
+  <p:cSld>
+    <p:spTree>
+      <p:nvGrpSpPr>
+        <p:cNvPr id="1" name=""/>
+        <p:cNvGrpSpPr/>
+        <p:nvPr/>
+      </p:nvGrpSpPr>
+      <p:grpSpPr>
+        <a:xfrm>
+          <a:off x="0" y="0"/>
+          <a:ext cx="0" cy="0"/>
+          <a:chOff x="0" y="0"/>
+          <a:chExt cx="0" cy="0"/>
+        </a:xfrm>
+      </p:grpSpPr>
+      <p:sp>
+        <p:nvSpPr>
+          <p:cNvPr id="2" name="Title 1">
+            <a:extLst>
+              <a:ext uri="{FF2B5EF4-FFF2-40B4-BE49-F238E27FC236}">
+                <a16:creationId xmlns:a16="http://schemas.microsoft.com/office/drawing/2014/main" id="{A69C5278-1F91-4215-6D94-BDC2BD064437}"/>
+              </a:ext>
+            </a:extLst>
+          </p:cNvPr>
+          <p:cNvSpPr>
+            <a:spLocks noGrp="1"/>
+          </p:cNvSpPr>
+          <p:nvPr>
+            <p:ph type="title"/>
+          </p:nvPr>
+        </p:nvSpPr>
+        <p:spPr/>
+        <p:txBody>
+          <a:bodyPr/>
+          <a:lstStyle/>
+          <a:p>
+            <a:r>
+              <a:rPr lang="en-US" dirty="0"/>
+              <a:t>Testing</a:t>
+            </a:r>
+          </a:p>
+        </p:txBody>
+      </p:sp>
+      <p:sp>
+        <p:nvSpPr>
+          <p:cNvPr id="3" name="Content Placeholder 2">
+            <a:extLst>
+              <a:ext uri="{FF2B5EF4-FFF2-40B4-BE49-F238E27FC236}">
+                <a16:creationId xmlns:a16="http://schemas.microsoft.com/office/drawing/2014/main" id="{FE04D29F-4201-D327-D92D-468332CB16B8}"/>
+              </a:ext>
+            </a:extLst>
+          </p:cNvPr>
+          <p:cNvSpPr>
+            <a:spLocks noGrp="1"/>
+          </p:cNvSpPr>
+          <p:nvPr>
+            <p:ph idx="1"/>
+          </p:nvPr>
+        </p:nvSpPr>
+        <p:spPr/>
+        <p:txBody>
+          <a:bodyPr/>
+          <a:lstStyle/>
+          <a:p>
+            <a:r>
+              <a:rPr lang="en-US" dirty="0"/>
+              <a:t>The workings of the test environment can be summarized as follows:</a:t>
+            </a:r>
+          </a:p>
+          <a:p>
+            <a:pPr marL="971550" lvl="1" indent="-514350">
+              <a:buFont typeface="+mj-lt"/>
+              <a:buAutoNum type="arabicPeriod"/>
+            </a:pPr>
+            <a:r>
+              <a:rPr lang="en-US" dirty="0"/>
+              <a:t>Randomize a message.</a:t>
+            </a:r>
+          </a:p>
+          <a:p>
+            <a:pPr marL="971550" lvl="1" indent="-514350">
+              <a:buFont typeface="+mj-lt"/>
+              <a:buAutoNum type="arabicPeriod"/>
+            </a:pPr>
+            <a:r>
+              <a:rPr lang="en-US" dirty="0"/>
+              <a:t>Randomize spreading factor.</a:t>
+            </a:r>
+          </a:p>
+          <a:p>
+            <a:pPr marL="971550" lvl="1" indent="-514350">
+              <a:buFont typeface="+mj-lt"/>
+              <a:buAutoNum type="arabicPeriod"/>
+            </a:pPr>
+            <a:r>
+              <a:rPr lang="en-US" dirty="0"/>
+              <a:t>Push the message to the </a:t>
+            </a:r>
+            <a:r>
+              <a:rPr lang="en-US" b="1" dirty="0"/>
+              <a:t>TX queue</a:t>
+            </a:r>
+            <a:r>
+              <a:rPr lang="en-US" dirty="0"/>
+              <a:t>. Drive the TX module to send the message.</a:t>
+            </a:r>
+          </a:p>
+          <a:p>
+            <a:pPr marL="971550" lvl="1" indent="-514350">
+              <a:buFont typeface="+mj-lt"/>
+              <a:buAutoNum type="arabicPeriod"/>
+            </a:pPr>
+            <a:r>
+              <a:rPr lang="en-US" dirty="0"/>
+              <a:t>Iterate over the last three steps for a random amount.</a:t>
+            </a:r>
+          </a:p>
+          <a:p>
+            <a:pPr marL="971550" lvl="1" indent="-514350">
+              <a:buFont typeface="+mj-lt"/>
+              <a:buAutoNum type="arabicPeriod"/>
+            </a:pPr>
+            <a:r>
+              <a:rPr lang="en-US" dirty="0"/>
+              <a:t>Wait a random amount of clock cycles.</a:t>
+            </a:r>
+          </a:p>
+          <a:p>
+            <a:pPr marL="971550" lvl="1" indent="-514350">
+              <a:buFont typeface="+mj-lt"/>
+              <a:buAutoNum type="arabicPeriod"/>
+            </a:pPr>
+            <a:r>
+              <a:rPr lang="en-US" dirty="0"/>
+              <a:t>Monitor the </a:t>
+            </a:r>
+            <a:r>
+              <a:rPr lang="en-US" dirty="0" err="1">
+                <a:latin typeface="JetBrains Mono" panose="02000009000000000000" pitchFamily="49" charset="0"/>
+                <a:ea typeface="JetBrains Mono" panose="02000009000000000000" pitchFamily="49" charset="0"/>
+                <a:cs typeface="JetBrains Mono" panose="02000009000000000000" pitchFamily="49" charset="0"/>
+              </a:rPr>
+              <a:t>Valid_Data</a:t>
+            </a:r>
+            <a:r>
+              <a:rPr lang="en-US" dirty="0"/>
+              <a:t> output. On rising edge, pop the </a:t>
+            </a:r>
+            <a:r>
+              <a:rPr lang="en-US" b="1" dirty="0"/>
+              <a:t>TX queue </a:t>
+            </a:r>
+            <a:r>
+              <a:rPr lang="en-US" dirty="0"/>
+              <a:t>and</a:t>
+            </a:r>
+            <a:r>
+              <a:rPr lang="en-US" b="1" dirty="0"/>
+              <a:t> </a:t>
+            </a:r>
+            <a:r>
+              <a:rPr lang="en-US" dirty="0"/>
+              <a:t>compare the popped word with the demodulated word.</a:t>
+            </a:r>
+          </a:p>
+          <a:p>
+            <a:pPr marL="971550" lvl="1" indent="-514350">
+              <a:buFont typeface="+mj-lt"/>
+              <a:buAutoNum type="arabicPeriod"/>
+            </a:pPr>
+            <a:r>
+              <a:rPr lang="en-US" dirty="0"/>
+              <a:t>A match means that the system is operational.</a:t>
+            </a:r>
+          </a:p>
+        </p:txBody>
+      </p:sp>
+      <p:sp>
+        <p:nvSpPr>
+          <p:cNvPr id="4" name="Date Placeholder 3">
+            <a:extLst>
+              <a:ext uri="{FF2B5EF4-FFF2-40B4-BE49-F238E27FC236}">
+                <a16:creationId xmlns:a16="http://schemas.microsoft.com/office/drawing/2014/main" id="{DACFFF11-045D-6200-056C-47AB57403AAF}"/>
+              </a:ext>
+            </a:extLst>
+          </p:cNvPr>
+          <p:cNvSpPr>
+            <a:spLocks noGrp="1"/>
+          </p:cNvSpPr>
+          <p:nvPr>
+            <p:ph type="dt" sz="half" idx="10"/>
+          </p:nvPr>
+        </p:nvSpPr>
+        <p:spPr/>
+        <p:txBody>
+          <a:bodyPr/>
+          <a:lstStyle/>
+          <a:p>
+            <a:fld id="{E1B179BD-CB2C-43CC-9806-AEC24876569E}" type="datetime1">
+              <a:rPr lang="en-US" smtClean="0"/>
+              <a:t>12/13/2023</a:t>
+            </a:fld>
+            <a:endParaRPr lang="en-US"/>
+          </a:p>
+        </p:txBody>
+      </p:sp>
+      <p:sp>
+        <p:nvSpPr>
+          <p:cNvPr id="5" name="Footer Placeholder 4">
+            <a:extLst>
+              <a:ext uri="{FF2B5EF4-FFF2-40B4-BE49-F238E27FC236}">
+                <a16:creationId xmlns:a16="http://schemas.microsoft.com/office/drawing/2014/main" id="{867D2447-86D8-4CAD-2443-04ABC76F881E}"/>
+              </a:ext>
+            </a:extLst>
+          </p:cNvPr>
+          <p:cNvSpPr>
+            <a:spLocks noGrp="1"/>
+          </p:cNvSpPr>
+          <p:nvPr>
+            <p:ph type="ftr" sz="quarter" idx="11"/>
+          </p:nvPr>
+        </p:nvSpPr>
+        <p:spPr/>
+        <p:txBody>
+          <a:bodyPr/>
+          <a:lstStyle/>
+          <a:p>
+            <a:endParaRPr lang="en-US" dirty="0"/>
+          </a:p>
+        </p:txBody>
+      </p:sp>
+      <p:sp>
+        <p:nvSpPr>
+          <p:cNvPr id="6" name="Slide Number Placeholder 5">
+            <a:extLst>
+              <a:ext uri="{FF2B5EF4-FFF2-40B4-BE49-F238E27FC236}">
+                <a16:creationId xmlns:a16="http://schemas.microsoft.com/office/drawing/2014/main" id="{681A5A74-5722-6FCE-52FA-4D65851B9F4A}"/>
+              </a:ext>
+            </a:extLst>
+          </p:cNvPr>
+          <p:cNvSpPr>
+            <a:spLocks noGrp="1"/>
+          </p:cNvSpPr>
+          <p:nvPr>
+            <p:ph type="sldNum" sz="quarter" idx="12"/>
+          </p:nvPr>
+        </p:nvSpPr>
+        <p:spPr/>
+        <p:txBody>
+          <a:bodyPr/>
+          <a:lstStyle/>
+          <a:p>
+            <a:fld id="{B568D961-7C42-4AF1-A1CA-E4683A0210D6}" type="slidenum">
+              <a:rPr lang="en-US" smtClean="0"/>
+              <a:t>25</a:t>
+            </a:fld>
+            <a:endParaRPr lang="en-US" dirty="0"/>
+          </a:p>
+        </p:txBody>
+      </p:sp>
+    </p:spTree>
+    <p:extLst>
+      <p:ext uri="{BB962C8B-B14F-4D97-AF65-F5344CB8AC3E}">
+        <p14:creationId xmlns:p14="http://schemas.microsoft.com/office/powerpoint/2010/main" val="3447208760"/>
+      </p:ext>
+    </p:extLst>
+  </p:cSld>
+  <p:clrMapOvr>
+    <a:masterClrMapping/>
+  </p:clrMapOvr>
+</p:sld>
+</file>
+
+<file path=ppt/slides/slide26.xml><?xml version="1.0" encoding="utf-8"?>
+<p:sld xmlns:a="http://schemas.openxmlformats.org/drawingml/2006/main" xmlns:r="http://schemas.openxmlformats.org/officeDocument/2006/relationships" xmlns:p="http://schemas.openxmlformats.org/presentationml/2006/main">
+  <p:cSld>
+    <p:spTree>
+      <p:nvGrpSpPr>
+        <p:cNvPr id="1" name=""/>
+        <p:cNvGrpSpPr/>
+        <p:nvPr/>
+      </p:nvGrpSpPr>
+      <p:grpSpPr>
+        <a:xfrm>
+          <a:off x="0" y="0"/>
+          <a:ext cx="0" cy="0"/>
+          <a:chOff x="0" y="0"/>
+          <a:chExt cx="0" cy="0"/>
+        </a:xfrm>
+      </p:grpSpPr>
+      <p:sp>
+        <p:nvSpPr>
+          <p:cNvPr id="2" name="Title 1">
+            <a:extLst>
+              <a:ext uri="{FF2B5EF4-FFF2-40B4-BE49-F238E27FC236}">
+                <a16:creationId xmlns:a16="http://schemas.microsoft.com/office/drawing/2014/main" id="{7A444BF2-760E-ACFF-9D47-8CD55864F041}"/>
+              </a:ext>
+            </a:extLst>
+          </p:cNvPr>
+          <p:cNvSpPr>
+            <a:spLocks noGrp="1"/>
+          </p:cNvSpPr>
+          <p:nvPr>
+            <p:ph type="title"/>
+          </p:nvPr>
+        </p:nvSpPr>
+        <p:spPr/>
+        <p:txBody>
+          <a:bodyPr/>
+          <a:lstStyle/>
+          <a:p>
+            <a:r>
+              <a:rPr lang="en-US" dirty="0"/>
+              <a:t>Testing</a:t>
+            </a:r>
+          </a:p>
+        </p:txBody>
+      </p:sp>
+      <p:sp>
+        <p:nvSpPr>
+          <p:cNvPr id="4" name="Date Placeholder 3">
+            <a:extLst>
+              <a:ext uri="{FF2B5EF4-FFF2-40B4-BE49-F238E27FC236}">
+                <a16:creationId xmlns:a16="http://schemas.microsoft.com/office/drawing/2014/main" id="{3D007EBF-3EAA-5C86-41DB-7CFE928B1054}"/>
+              </a:ext>
+            </a:extLst>
+          </p:cNvPr>
+          <p:cNvSpPr>
+            <a:spLocks noGrp="1"/>
+          </p:cNvSpPr>
+          <p:nvPr>
+            <p:ph type="dt" sz="half" idx="10"/>
+          </p:nvPr>
+        </p:nvSpPr>
+        <p:spPr/>
+        <p:txBody>
+          <a:bodyPr/>
+          <a:lstStyle/>
+          <a:p>
+            <a:fld id="{E1B179BD-CB2C-43CC-9806-AEC24876569E}" type="datetime1">
+              <a:rPr lang="en-US" smtClean="0"/>
+              <a:t>12/13/2023</a:t>
+            </a:fld>
+            <a:endParaRPr lang="en-US"/>
+          </a:p>
+        </p:txBody>
+      </p:sp>
+      <p:sp>
+        <p:nvSpPr>
+          <p:cNvPr id="5" name="Footer Placeholder 4">
+            <a:extLst>
+              <a:ext uri="{FF2B5EF4-FFF2-40B4-BE49-F238E27FC236}">
+                <a16:creationId xmlns:a16="http://schemas.microsoft.com/office/drawing/2014/main" id="{1C4FAACC-EAAF-BE85-558B-4FEE4B5782B0}"/>
+              </a:ext>
+            </a:extLst>
+          </p:cNvPr>
+          <p:cNvSpPr>
+            <a:spLocks noGrp="1"/>
+          </p:cNvSpPr>
+          <p:nvPr>
+            <p:ph type="ftr" sz="quarter" idx="11"/>
+          </p:nvPr>
+        </p:nvSpPr>
+        <p:spPr/>
+        <p:txBody>
+          <a:bodyPr/>
+          <a:lstStyle/>
+          <a:p>
+            <a:endParaRPr lang="en-US" dirty="0"/>
+          </a:p>
+        </p:txBody>
+      </p:sp>
+      <p:sp>
+        <p:nvSpPr>
+          <p:cNvPr id="6" name="Slide Number Placeholder 5">
+            <a:extLst>
+              <a:ext uri="{FF2B5EF4-FFF2-40B4-BE49-F238E27FC236}">
+                <a16:creationId xmlns:a16="http://schemas.microsoft.com/office/drawing/2014/main" id="{2C87872F-CC2D-F7AC-347A-2DE84688AAA3}"/>
+              </a:ext>
+            </a:extLst>
+          </p:cNvPr>
+          <p:cNvSpPr>
+            <a:spLocks noGrp="1"/>
+          </p:cNvSpPr>
+          <p:nvPr>
+            <p:ph type="sldNum" sz="quarter" idx="12"/>
+          </p:nvPr>
+        </p:nvSpPr>
+        <p:spPr/>
+        <p:txBody>
+          <a:bodyPr/>
+          <a:lstStyle/>
+          <a:p>
+            <a:fld id="{B568D961-7C42-4AF1-A1CA-E4683A0210D6}" type="slidenum">
+              <a:rPr lang="en-US" smtClean="0"/>
+              <a:t>26</a:t>
+            </a:fld>
+            <a:endParaRPr lang="en-US" dirty="0"/>
+          </a:p>
+        </p:txBody>
+      </p:sp>
+      <p:pic>
+        <p:nvPicPr>
+          <p:cNvPr id="8" name="Picture 7">
+            <a:extLst>
+              <a:ext uri="{FF2B5EF4-FFF2-40B4-BE49-F238E27FC236}">
+                <a16:creationId xmlns:a16="http://schemas.microsoft.com/office/drawing/2014/main" id="{E0EE1872-21CF-20A2-A289-D5013BD17D2D}"/>
+              </a:ext>
+            </a:extLst>
+          </p:cNvPr>
+          <p:cNvPicPr>
+            <a:picLocks noChangeAspect="1"/>
+          </p:cNvPicPr>
+          <p:nvPr/>
+        </p:nvPicPr>
+        <p:blipFill>
+          <a:blip r:embed="rId2"/>
+          <a:stretch>
+            <a:fillRect/>
+          </a:stretch>
+        </p:blipFill>
+        <p:spPr>
+          <a:xfrm>
+            <a:off x="3080889" y="1893204"/>
+            <a:ext cx="6030222" cy="3820674"/>
+          </a:xfrm>
+          <a:prstGeom prst="rect">
+            <a:avLst/>
+          </a:prstGeom>
+        </p:spPr>
+      </p:pic>
+    </p:spTree>
+    <p:extLst>
+      <p:ext uri="{BB962C8B-B14F-4D97-AF65-F5344CB8AC3E}">
+        <p14:creationId xmlns:p14="http://schemas.microsoft.com/office/powerpoint/2010/main" val="2355148588"/>
       </p:ext>
     </p:extLst>
   </p:cSld>
@@ -9508,7 +10043,7 @@
                       <a:rPr lang="en-US" b="0" i="1" smtClean="0">
                         <a:latin typeface="Cambria Math" panose="02040503050406030204" pitchFamily="18" charset="0"/>
                       </a:rPr>
-                      <m:t>(</m:t>
+                      <m:t>(1−</m:t>
                     </m:r>
                     <m:sSub>
                       <m:sSubPr>
@@ -9539,7 +10074,7 @@
                       <a:rPr lang="en-US" b="0" i="1" smtClean="0">
                         <a:latin typeface="Cambria Math" panose="02040503050406030204" pitchFamily="18" charset="0"/>
                       </a:rPr>
-                      <m:t>−1)</m:t>
+                      <m:t>)</m:t>
                     </m:r>
                   </m:oMath>
                 </a14:m>
@@ -10731,8 +11266,8 @@
           </a:p>
         </p:txBody>
       </p:sp>
-      <mc:AlternateContent xmlns:mc="http://schemas.openxmlformats.org/markup-compatibility/2006">
-        <mc:Choice xmlns:a14="http://schemas.microsoft.com/office/drawing/2010/main" Requires="a14">
+      <mc:AlternateContent xmlns:mc="http://schemas.openxmlformats.org/markup-compatibility/2006" xmlns:a14="http://schemas.microsoft.com/office/drawing/2010/main">
+        <mc:Choice Requires="a14">
           <p:sp>
             <p:nvSpPr>
               <p:cNvPr id="3" name="Content Placeholder 2">
@@ -10924,7 +11459,13 @@
                             <a:rPr lang="en-US" b="0" i="1" smtClean="0">
                               <a:latin typeface="Cambria Math" panose="02040503050406030204" pitchFamily="18" charset="0"/>
                             </a:rPr>
-                            <m:t>𝑓𝑜𝑟</m:t>
+                            <m:t>𝑓</m:t>
+                          </m:r>
+                          <m:r>
+                            <a:rPr lang="en-US" b="0" i="1" smtClean="0">
+                              <a:latin typeface="Cambria Math" panose="02040503050406030204" pitchFamily="18" charset="0"/>
+                            </a:rPr>
+                            <m:t>𝑜𝑟</m:t>
                           </m:r>
                           <m:r>
                             <a:rPr lang="en-US" b="0" i="1" smtClean="0">
@@ -11248,7 +11789,7 @@
             </p:txBody>
           </p:sp>
         </mc:Choice>
-        <mc:Fallback>
+        <mc:Fallback xmlns="">
           <p:sp>
             <p:nvSpPr>
               <p:cNvPr id="3" name="Content Placeholder 2">

--- a/docs/Presentation/main.pptx
+++ b/docs/Presentation/main.pptx
@@ -4927,7 +4927,7 @@
           <a:p>
             <a:r>
               <a:rPr lang="en-US" dirty="0"/>
-              <a:t>This means that 1KB of data will be sent for an SF32 Message.</a:t>
+              <a:t>This means that 1Kbit of data will be sent for an SF32 Message.</a:t>
             </a:r>
           </a:p>
           <a:p>
@@ -7866,8 +7866,8 @@
           </a:p>
         </p:txBody>
       </p:sp>
-      <mc:AlternateContent xmlns:mc="http://schemas.openxmlformats.org/markup-compatibility/2006">
-        <mc:Choice xmlns:a14="http://schemas.microsoft.com/office/drawing/2010/main" Requires="a14">
+      <mc:AlternateContent xmlns:mc="http://schemas.openxmlformats.org/markup-compatibility/2006" xmlns:a14="http://schemas.microsoft.com/office/drawing/2010/main">
+        <mc:Choice Requires="a14">
           <p:sp>
             <p:nvSpPr>
               <p:cNvPr id="3" name="Content Placeholder 2">
@@ -7965,7 +7965,7 @@
             </p:txBody>
           </p:sp>
         </mc:Choice>
-        <mc:Fallback>
+        <mc:Fallback xmlns="">
           <p:sp>
             <p:nvSpPr>
               <p:cNvPr id="3" name="Content Placeholder 2">

--- a/docs/Presentation/main.pptx
+++ b/docs/Presentation/main.pptx
@@ -5,7 +5,7 @@
     <p:sldMasterId id="2147483648" r:id="rId1"/>
   </p:sldMasterIdLst>
   <p:notesMasterIdLst>
-    <p:notesMasterId r:id="rId38"/>
+    <p:notesMasterId r:id="rId42"/>
   </p:notesMasterIdLst>
   <p:sldIdLst>
     <p:sldId id="256" r:id="rId2"/>
@@ -35,15 +35,19 @@
     <p:sldId id="288" r:id="rId26"/>
     <p:sldId id="289" r:id="rId27"/>
     <p:sldId id="290" r:id="rId28"/>
-    <p:sldId id="280" r:id="rId29"/>
-    <p:sldId id="281" r:id="rId30"/>
-    <p:sldId id="282" r:id="rId31"/>
-    <p:sldId id="283" r:id="rId32"/>
-    <p:sldId id="284" r:id="rId33"/>
-    <p:sldId id="285" r:id="rId34"/>
-    <p:sldId id="286" r:id="rId35"/>
-    <p:sldId id="292" r:id="rId36"/>
-    <p:sldId id="287" r:id="rId37"/>
+    <p:sldId id="294" r:id="rId29"/>
+    <p:sldId id="280" r:id="rId30"/>
+    <p:sldId id="281" r:id="rId31"/>
+    <p:sldId id="282" r:id="rId32"/>
+    <p:sldId id="295" r:id="rId33"/>
+    <p:sldId id="283" r:id="rId34"/>
+    <p:sldId id="284" r:id="rId35"/>
+    <p:sldId id="285" r:id="rId36"/>
+    <p:sldId id="286" r:id="rId37"/>
+    <p:sldId id="292" r:id="rId38"/>
+    <p:sldId id="287" r:id="rId39"/>
+    <p:sldId id="296" r:id="rId40"/>
+    <p:sldId id="297" r:id="rId41"/>
   </p:sldIdLst>
   <p:sldSz cx="12192000" cy="6858000"/>
   <p:notesSz cx="6858000" cy="9144000"/>
@@ -232,7 +236,7 @@
           <a:p>
             <a:fld id="{97B9074F-F2D6-4963-B674-EEA49A88E15A}" type="datetimeFigureOut">
               <a:rPr lang="en-US" smtClean="0"/>
-              <a:t>12/14/2023</a:t>
+              <a:t>12/15/2023</a:t>
             </a:fld>
             <a:endParaRPr lang="en-US"/>
           </a:p>
@@ -644,9 +648,9 @@
           <a:bodyPr/>
           <a:lstStyle/>
           <a:p>
-            <a:fld id="{722FB500-0D99-4B93-87D4-3E4B0CA87958}" type="datetime1">
+            <a:fld id="{DC5B5AFF-BC09-46C6-95D6-18B18182C531}" type="datetime1">
               <a:rPr lang="en-US" smtClean="0"/>
-              <a:t>12/14/2023</a:t>
+              <a:t>12/15/2023</a:t>
             </a:fld>
             <a:endParaRPr lang="en-US"/>
           </a:p>
@@ -842,9 +846,9 @@
           <a:bodyPr/>
           <a:lstStyle/>
           <a:p>
-            <a:fld id="{6E50A859-996D-40B9-897B-DA4D9A163D10}" type="datetime1">
+            <a:fld id="{F149D0DA-7BD0-4BA6-A984-1F2691565526}" type="datetime1">
               <a:rPr lang="en-US" smtClean="0"/>
-              <a:t>12/14/2023</a:t>
+              <a:t>12/15/2023</a:t>
             </a:fld>
             <a:endParaRPr lang="en-US"/>
           </a:p>
@@ -1050,9 +1054,9 @@
           <a:bodyPr/>
           <a:lstStyle/>
           <a:p>
-            <a:fld id="{F9334828-B07B-4749-A1BF-077462B860C3}" type="datetime1">
+            <a:fld id="{304DB349-EBF0-41DF-8FF2-3555884F0CFB}" type="datetime1">
               <a:rPr lang="en-US" smtClean="0"/>
-              <a:t>12/14/2023</a:t>
+              <a:t>12/15/2023</a:t>
             </a:fld>
             <a:endParaRPr lang="en-US"/>
           </a:p>
@@ -1260,9 +1264,9 @@
           <a:bodyPr/>
           <a:lstStyle/>
           <a:p>
-            <a:fld id="{E1B179BD-CB2C-43CC-9806-AEC24876569E}" type="datetime1">
+            <a:fld id="{0956A547-ED38-45FC-9A8D-5613747A4C62}" type="datetime1">
               <a:rPr lang="en-US" smtClean="0"/>
-              <a:t>12/14/2023</a:t>
+              <a:t>12/15/2023</a:t>
             </a:fld>
             <a:endParaRPr lang="en-US"/>
           </a:p>
@@ -1542,9 +1546,9 @@
           <a:bodyPr/>
           <a:lstStyle/>
           <a:p>
-            <a:fld id="{F5C5917A-DA63-492C-ADDF-E59C661E1B0B}" type="datetime1">
+            <a:fld id="{5E495EDD-AF46-4F99-AFF8-9A32855DE174}" type="datetime1">
               <a:rPr lang="en-US" smtClean="0"/>
-              <a:t>12/14/2023</a:t>
+              <a:t>12/15/2023</a:t>
             </a:fld>
             <a:endParaRPr lang="en-US"/>
           </a:p>
@@ -1807,9 +1811,9 @@
           <a:bodyPr/>
           <a:lstStyle/>
           <a:p>
-            <a:fld id="{BF80F4A9-1C31-45D9-B241-10F2467047E7}" type="datetime1">
+            <a:fld id="{C5EC1C1E-DC9C-4FB9-AA9D-02D4EBEA58A5}" type="datetime1">
               <a:rPr lang="en-US" smtClean="0"/>
-              <a:t>12/14/2023</a:t>
+              <a:t>12/15/2023</a:t>
             </a:fld>
             <a:endParaRPr lang="en-US"/>
           </a:p>
@@ -2219,9 +2223,9 @@
           <a:bodyPr/>
           <a:lstStyle/>
           <a:p>
-            <a:fld id="{2D23531A-308A-40B5-B215-BB37B13D88DA}" type="datetime1">
+            <a:fld id="{57E915FC-466B-4401-A4DB-0FF797C35BC8}" type="datetime1">
               <a:rPr lang="en-US" smtClean="0"/>
-              <a:t>12/14/2023</a:t>
+              <a:t>12/15/2023</a:t>
             </a:fld>
             <a:endParaRPr lang="en-US"/>
           </a:p>
@@ -2360,9 +2364,9 @@
           <a:bodyPr/>
           <a:lstStyle/>
           <a:p>
-            <a:fld id="{5744AEFF-9270-4D45-939B-16459EE40A07}" type="datetime1">
+            <a:fld id="{72EE85AF-54B8-4BA5-A6F5-7CE2C64C5248}" type="datetime1">
               <a:rPr lang="en-US" smtClean="0"/>
-              <a:t>12/14/2023</a:t>
+              <a:t>12/15/2023</a:t>
             </a:fld>
             <a:endParaRPr lang="en-US"/>
           </a:p>
@@ -2473,9 +2477,9 @@
           <a:bodyPr/>
           <a:lstStyle/>
           <a:p>
-            <a:fld id="{6455649B-5729-4390-8636-8A221BBD8B4B}" type="datetime1">
+            <a:fld id="{CD63E833-931E-422F-B742-FFD447993B71}" type="datetime1">
               <a:rPr lang="en-US" smtClean="0"/>
-              <a:t>12/14/2023</a:t>
+              <a:t>12/15/2023</a:t>
             </a:fld>
             <a:endParaRPr lang="en-US"/>
           </a:p>
@@ -2784,9 +2788,9 @@
           <a:bodyPr/>
           <a:lstStyle/>
           <a:p>
-            <a:fld id="{D2C84236-7F57-405E-877A-3302C91D1A82}" type="datetime1">
+            <a:fld id="{664A2C14-1980-46F9-8ED7-52E01139247B}" type="datetime1">
               <a:rPr lang="en-US" smtClean="0"/>
-              <a:t>12/14/2023</a:t>
+              <a:t>12/15/2023</a:t>
             </a:fld>
             <a:endParaRPr lang="en-US"/>
           </a:p>
@@ -3072,9 +3076,9 @@
           <a:bodyPr/>
           <a:lstStyle/>
           <a:p>
-            <a:fld id="{2D4766E2-9EF5-48C1-9B48-B31BE2705993}" type="datetime1">
+            <a:fld id="{7843B4EA-FE82-4DB5-98D0-5678D05A6B12}" type="datetime1">
               <a:rPr lang="en-US" smtClean="0"/>
-              <a:t>12/14/2023</a:t>
+              <a:t>12/15/2023</a:t>
             </a:fld>
             <a:endParaRPr lang="en-US"/>
           </a:p>
@@ -3313,9 +3317,9 @@
             </a:lvl1pPr>
           </a:lstStyle>
           <a:p>
-            <a:fld id="{2301B671-82E3-4B5F-BBEE-0EA8DCA13B03}" type="datetime1">
+            <a:fld id="{1B3C9992-BB03-4855-80FE-99BCD6151846}" type="datetime1">
               <a:rPr lang="en-US" smtClean="0"/>
-              <a:t>12/14/2023</a:t>
+              <a:t>12/15/2023</a:t>
             </a:fld>
             <a:endParaRPr lang="en-US"/>
           </a:p>
@@ -4028,9 +4032,9 @@
           <a:bodyPr/>
           <a:lstStyle/>
           <a:p>
-            <a:fld id="{E1B179BD-CB2C-43CC-9806-AEC24876569E}" type="datetime1">
+            <a:fld id="{5240A535-0AB6-4B76-98A2-3EA03388E83E}" type="datetime1">
               <a:rPr lang="en-US" smtClean="0"/>
-              <a:t>12/14/2023</a:t>
+              <a:t>12/15/2023</a:t>
             </a:fld>
             <a:endParaRPr lang="en-US"/>
           </a:p>
@@ -4297,9 +4301,9 @@
           <a:bodyPr/>
           <a:lstStyle/>
           <a:p>
-            <a:fld id="{E1B179BD-CB2C-43CC-9806-AEC24876569E}" type="datetime1">
+            <a:fld id="{33CF10D5-6090-44F0-A0B1-BBA25D69F8E0}" type="datetime1">
               <a:rPr lang="en-US" smtClean="0"/>
-              <a:t>12/14/2023</a:t>
+              <a:t>12/15/2023</a:t>
             </a:fld>
             <a:endParaRPr lang="en-US"/>
           </a:p>
@@ -4979,9 +4983,9 @@
           <a:bodyPr/>
           <a:lstStyle/>
           <a:p>
-            <a:fld id="{E1B179BD-CB2C-43CC-9806-AEC24876569E}" type="datetime1">
+            <a:fld id="{321C7E60-4746-41D6-A625-624D6DECFD0F}" type="datetime1">
               <a:rPr lang="en-US" smtClean="0"/>
-              <a:t>12/14/2023</a:t>
+              <a:t>12/15/2023</a:t>
             </a:fld>
             <a:endParaRPr lang="en-US"/>
           </a:p>
@@ -5123,9 +5127,9 @@
           <a:bodyPr/>
           <a:lstStyle/>
           <a:p>
-            <a:fld id="{E1B179BD-CB2C-43CC-9806-AEC24876569E}" type="datetime1">
+            <a:fld id="{CD14346F-5CE2-4AE2-BE09-60848E09AC81}" type="datetime1">
               <a:rPr lang="en-US" smtClean="0"/>
-              <a:t>12/14/2023</a:t>
+              <a:t>12/15/2023</a:t>
             </a:fld>
             <a:endParaRPr lang="en-US"/>
           </a:p>
@@ -6071,9 +6075,9 @@
           <a:bodyPr/>
           <a:lstStyle/>
           <a:p>
-            <a:fld id="{E1B179BD-CB2C-43CC-9806-AEC24876569E}" type="datetime1">
+            <a:fld id="{EFD664B5-E26D-4743-AFC7-6A86DC168566}" type="datetime1">
               <a:rPr lang="en-US" smtClean="0"/>
-              <a:t>12/14/2023</a:t>
+              <a:t>12/15/2023</a:t>
             </a:fld>
             <a:endParaRPr lang="en-US"/>
           </a:p>
@@ -6100,7 +6104,10 @@
           <a:bodyPr/>
           <a:lstStyle/>
           <a:p>
-            <a:endParaRPr lang="en-US" dirty="0"/>
+            <a:r>
+              <a:rPr lang="en-US" dirty="0"/>
+              <a:t>Omar Amer</a:t>
+            </a:r>
           </a:p>
         </p:txBody>
       </p:sp>
@@ -6310,9 +6317,9 @@
           <a:bodyPr/>
           <a:lstStyle/>
           <a:p>
-            <a:fld id="{E1B179BD-CB2C-43CC-9806-AEC24876569E}" type="datetime1">
+            <a:fld id="{09AE73B6-BE33-444F-B102-B5C95097A627}" type="datetime1">
               <a:rPr lang="en-US" smtClean="0"/>
-              <a:t>12/14/2023</a:t>
+              <a:t>12/15/2023</a:t>
             </a:fld>
             <a:endParaRPr lang="en-US"/>
           </a:p>
@@ -6339,7 +6346,10 @@
           <a:bodyPr/>
           <a:lstStyle/>
           <a:p>
-            <a:endParaRPr lang="en-US" dirty="0"/>
+            <a:r>
+              <a:rPr lang="en-US" dirty="0"/>
+              <a:t>Omar Amer</a:t>
+            </a:r>
           </a:p>
         </p:txBody>
       </p:sp>
@@ -6520,9 +6530,9 @@
           <a:bodyPr/>
           <a:lstStyle/>
           <a:p>
-            <a:fld id="{E1B179BD-CB2C-43CC-9806-AEC24876569E}" type="datetime1">
+            <a:fld id="{AA6AB4A5-0634-4522-9AFE-768DA5A756BD}" type="datetime1">
               <a:rPr lang="en-US" smtClean="0"/>
-              <a:t>12/14/2023</a:t>
+              <a:t>12/15/2023</a:t>
             </a:fld>
             <a:endParaRPr lang="en-US"/>
           </a:p>
@@ -6549,7 +6559,10 @@
           <a:bodyPr/>
           <a:lstStyle/>
           <a:p>
-            <a:endParaRPr lang="en-US" dirty="0"/>
+            <a:r>
+              <a:rPr lang="en-US" dirty="0"/>
+              <a:t>Omar Amer</a:t>
+            </a:r>
           </a:p>
         </p:txBody>
       </p:sp>
@@ -6661,9 +6674,9 @@
           <a:bodyPr/>
           <a:lstStyle/>
           <a:p>
-            <a:fld id="{E1B179BD-CB2C-43CC-9806-AEC24876569E}" type="datetime1">
+            <a:fld id="{D7FBBE81-0C03-4C66-814D-7E969E7EF9FB}" type="datetime1">
               <a:rPr lang="en-US" smtClean="0"/>
-              <a:t>12/14/2023</a:t>
+              <a:t>12/15/2023</a:t>
             </a:fld>
             <a:endParaRPr lang="en-US"/>
           </a:p>
@@ -6690,7 +6703,10 @@
           <a:bodyPr/>
           <a:lstStyle/>
           <a:p>
-            <a:endParaRPr lang="en-US" dirty="0"/>
+            <a:r>
+              <a:rPr lang="en-US" dirty="0"/>
+              <a:t>Omar Amer</a:t>
+            </a:r>
           </a:p>
         </p:txBody>
       </p:sp>
@@ -7746,9 +7762,9 @@
           <a:bodyPr/>
           <a:lstStyle/>
           <a:p>
-            <a:fld id="{E1B179BD-CB2C-43CC-9806-AEC24876569E}" type="datetime1">
+            <a:fld id="{9D97ECED-A131-4A00-9931-67021DF151E1}" type="datetime1">
               <a:rPr lang="en-US" smtClean="0"/>
-              <a:t>12/14/2023</a:t>
+              <a:t>12/15/2023</a:t>
             </a:fld>
             <a:endParaRPr lang="en-US"/>
           </a:p>
@@ -7775,7 +7791,10 @@
           <a:bodyPr/>
           <a:lstStyle/>
           <a:p>
-            <a:endParaRPr lang="en-US" dirty="0"/>
+            <a:r>
+              <a:rPr lang="en-US" dirty="0"/>
+              <a:t>Omar Amer</a:t>
+            </a:r>
           </a:p>
         </p:txBody>
       </p:sp>
@@ -8026,9 +8045,9 @@
           <a:bodyPr/>
           <a:lstStyle/>
           <a:p>
-            <a:fld id="{E1B179BD-CB2C-43CC-9806-AEC24876569E}" type="datetime1">
+            <a:fld id="{C68961F1-6E5A-4A22-ACD6-679AD5D492F5}" type="datetime1">
               <a:rPr lang="en-US" smtClean="0"/>
-              <a:t>12/14/2023</a:t>
+              <a:t>12/15/2023</a:t>
             </a:fld>
             <a:endParaRPr lang="en-US"/>
           </a:p>
@@ -8055,7 +8074,10 @@
           <a:bodyPr/>
           <a:lstStyle/>
           <a:p>
-            <a:endParaRPr lang="en-US" dirty="0"/>
+            <a:r>
+              <a:rPr lang="en-US" dirty="0"/>
+              <a:t>Omar Amer</a:t>
+            </a:r>
           </a:p>
         </p:txBody>
       </p:sp>
@@ -8216,9 +8238,9 @@
           <a:bodyPr/>
           <a:lstStyle/>
           <a:p>
-            <a:fld id="{913D9E43-8EAE-4F3A-ADAD-796D99B655D2}" type="datetime1">
+            <a:fld id="{163111BD-33F6-452A-93C7-A858D111CC08}" type="datetime1">
               <a:rPr lang="en-US" smtClean="0"/>
-              <a:t>12/14/2023</a:t>
+              <a:t>12/15/2023</a:t>
             </a:fld>
             <a:endParaRPr lang="en-US"/>
           </a:p>
@@ -8392,9 +8414,9 @@
           <a:bodyPr/>
           <a:lstStyle/>
           <a:p>
-            <a:fld id="{E1B179BD-CB2C-43CC-9806-AEC24876569E}" type="datetime1">
+            <a:fld id="{C585F1C6-A3D3-4D04-99DD-A3220200AB6C}" type="datetime1">
               <a:rPr lang="en-US" smtClean="0"/>
-              <a:t>12/14/2023</a:t>
+              <a:t>12/15/2023</a:t>
             </a:fld>
             <a:endParaRPr lang="en-US"/>
           </a:p>
@@ -8416,12 +8438,20 @@
             <p:ph type="ftr" sz="quarter" idx="11"/>
           </p:nvPr>
         </p:nvSpPr>
-        <p:spPr/>
+        <p:spPr>
+          <a:xfrm>
+            <a:off x="4038600" y="6356350"/>
+            <a:ext cx="4114800" cy="365125"/>
+          </a:xfrm>
+        </p:spPr>
         <p:txBody>
           <a:bodyPr/>
           <a:lstStyle/>
           <a:p>
-            <a:endParaRPr lang="en-US" dirty="0"/>
+            <a:r>
+              <a:rPr lang="en-US" dirty="0"/>
+              <a:t>Omar Amer</a:t>
+            </a:r>
           </a:p>
         </p:txBody>
       </p:sp>
@@ -8612,9 +8642,9 @@
           <a:bodyPr/>
           <a:lstStyle/>
           <a:p>
-            <a:fld id="{E1B179BD-CB2C-43CC-9806-AEC24876569E}" type="datetime1">
+            <a:fld id="{2E0A924C-AD13-426B-B733-260F40BBDFA9}" type="datetime1">
               <a:rPr lang="en-US" smtClean="0"/>
-              <a:t>12/14/2023</a:t>
+              <a:t>12/15/2023</a:t>
             </a:fld>
             <a:endParaRPr lang="en-US"/>
           </a:p>
@@ -8641,7 +8671,10 @@
           <a:bodyPr/>
           <a:lstStyle/>
           <a:p>
-            <a:endParaRPr lang="en-US" dirty="0"/>
+            <a:r>
+              <a:rPr lang="en-US" dirty="0"/>
+              <a:t>Omar Amer</a:t>
+            </a:r>
           </a:p>
         </p:txBody>
       </p:sp>
@@ -8852,9 +8885,9 @@
           <a:bodyPr/>
           <a:lstStyle/>
           <a:p>
-            <a:fld id="{E1B179BD-CB2C-43CC-9806-AEC24876569E}" type="datetime1">
+            <a:fld id="{BB7D02DB-AD18-429F-B332-8486B599A19A}" type="datetime1">
               <a:rPr lang="en-US" smtClean="0"/>
-              <a:t>12/14/2023</a:t>
+              <a:t>12/15/2023</a:t>
             </a:fld>
             <a:endParaRPr lang="en-US"/>
           </a:p>
@@ -8881,7 +8914,10 @@
           <a:bodyPr/>
           <a:lstStyle/>
           <a:p>
-            <a:endParaRPr lang="en-US" dirty="0"/>
+            <a:r>
+              <a:rPr lang="en-US" dirty="0"/>
+              <a:t>Omar Amer</a:t>
+            </a:r>
           </a:p>
         </p:txBody>
       </p:sp>
@@ -9052,9 +9088,9 @@
           <a:bodyPr/>
           <a:lstStyle/>
           <a:p>
-            <a:fld id="{E1B179BD-CB2C-43CC-9806-AEC24876569E}" type="datetime1">
+            <a:fld id="{18D3FF95-6363-4042-9104-6A7447A69C8B}" type="datetime1">
               <a:rPr lang="en-US" smtClean="0"/>
-              <a:t>12/14/2023</a:t>
+              <a:t>12/15/2023</a:t>
             </a:fld>
             <a:endParaRPr lang="en-US"/>
           </a:p>
@@ -9081,7 +9117,10 @@
           <a:bodyPr/>
           <a:lstStyle/>
           <a:p>
-            <a:endParaRPr lang="en-US" dirty="0"/>
+            <a:r>
+              <a:rPr lang="en-US" dirty="0"/>
+              <a:t>Omar Amer</a:t>
+            </a:r>
           </a:p>
         </p:txBody>
       </p:sp>
@@ -9295,9 +9334,9 @@
           <a:bodyPr/>
           <a:lstStyle/>
           <a:p>
-            <a:fld id="{E1B179BD-CB2C-43CC-9806-AEC24876569E}" type="datetime1">
+            <a:fld id="{784B6403-72E5-4C81-BBE2-901D5C7CD968}" type="datetime1">
               <a:rPr lang="en-US" smtClean="0"/>
-              <a:t>12/14/2023</a:t>
+              <a:t>12/15/2023</a:t>
             </a:fld>
             <a:endParaRPr lang="en-US"/>
           </a:p>
@@ -9324,7 +9363,10 @@
           <a:bodyPr/>
           <a:lstStyle/>
           <a:p>
-            <a:endParaRPr lang="en-US" dirty="0"/>
+            <a:r>
+              <a:rPr lang="en-US" dirty="0"/>
+              <a:t>Omar Amer</a:t>
+            </a:r>
           </a:p>
         </p:txBody>
       </p:sp>
@@ -9709,10 +9751,10 @@
         </p:nvGrpSpPr>
         <p:grpSpPr>
           <a:xfrm>
-            <a:off x="5675316" y="4625078"/>
-            <a:ext cx="5028543" cy="1997461"/>
-            <a:chOff x="4137267" y="3743394"/>
-            <a:chExt cx="6984876" cy="2586075"/>
+            <a:off x="5208841" y="4691816"/>
+            <a:ext cx="5844267" cy="1366132"/>
+            <a:chOff x="2675541" y="3679125"/>
+            <a:chExt cx="9629296" cy="2650344"/>
           </a:xfrm>
         </p:grpSpPr>
         <p:grpSp>
@@ -9729,10 +9771,10 @@
           </p:nvGrpSpPr>
           <p:grpSpPr>
             <a:xfrm>
-              <a:off x="4137267" y="3743394"/>
-              <a:ext cx="4931548" cy="2586075"/>
-              <a:chOff x="4753989" y="3539517"/>
-              <a:chExt cx="4931548" cy="2586075"/>
+              <a:off x="2675541" y="3679125"/>
+              <a:ext cx="6393274" cy="2650344"/>
+              <a:chOff x="3292263" y="3475248"/>
+              <a:chExt cx="6393274" cy="2650344"/>
             </a:xfrm>
           </p:grpSpPr>
           <p:sp>
@@ -9916,7 +9958,7 @@
             </p:nvSpPr>
             <p:spPr>
               <a:xfrm>
-                <a:off x="4820575" y="3539517"/>
+                <a:off x="3292263" y="3475248"/>
                 <a:ext cx="1042273" cy="369332"/>
               </a:xfrm>
               <a:prstGeom prst="rect">
@@ -9952,7 +9994,7 @@
             </p:nvSpPr>
             <p:spPr>
               <a:xfrm>
-                <a:off x="4820574" y="4379476"/>
+                <a:off x="3292263" y="4305179"/>
                 <a:ext cx="674544" cy="369332"/>
               </a:xfrm>
               <a:prstGeom prst="rect">
@@ -9987,7 +10029,7 @@
             </p:nvSpPr>
             <p:spPr>
               <a:xfrm>
-                <a:off x="4753989" y="5174486"/>
+                <a:off x="3292263" y="5043095"/>
                 <a:ext cx="986167" cy="369332"/>
               </a:xfrm>
               <a:prstGeom prst="rect">
@@ -10182,7 +10224,7 @@
           </p:nvSpPr>
           <p:spPr>
             <a:xfrm>
-              <a:off x="9619809" y="3825939"/>
+              <a:off x="10802503" y="3866670"/>
               <a:ext cx="1502334" cy="369332"/>
             </a:xfrm>
             <a:prstGeom prst="rect">
@@ -10298,7 +10340,7 @@
           </p:nvSpPr>
           <p:spPr>
             <a:xfrm>
-              <a:off x="9497902" y="5267988"/>
+              <a:off x="10802503" y="5267989"/>
               <a:ext cx="1258037" cy="369332"/>
             </a:xfrm>
             <a:prstGeom prst="rect">
@@ -10353,6 +10395,92 @@
               <a:rPr lang="en-US" dirty="0"/>
               <a:t>Frame</a:t>
             </a:r>
+          </a:p>
+        </p:txBody>
+      </p:sp>
+      <p:sp>
+        <p:nvSpPr>
+          <p:cNvPr id="4" name="Date Placeholder 3">
+            <a:extLst>
+              <a:ext uri="{FF2B5EF4-FFF2-40B4-BE49-F238E27FC236}">
+                <a16:creationId xmlns:a16="http://schemas.microsoft.com/office/drawing/2014/main" id="{122F0027-CE6B-315C-3EFC-2B896C40B7F0}"/>
+              </a:ext>
+            </a:extLst>
+          </p:cNvPr>
+          <p:cNvSpPr>
+            <a:spLocks noGrp="1"/>
+          </p:cNvSpPr>
+          <p:nvPr>
+            <p:ph type="dt" sz="half" idx="10"/>
+          </p:nvPr>
+        </p:nvSpPr>
+        <p:spPr/>
+        <p:txBody>
+          <a:bodyPr/>
+          <a:lstStyle/>
+          <a:p>
+            <a:fld id="{4A550CCA-91FB-470C-B93F-4C663F07CEEF}" type="datetime1">
+              <a:rPr lang="en-US" smtClean="0"/>
+              <a:t>12/15/2023</a:t>
+            </a:fld>
+            <a:endParaRPr lang="en-US"/>
+          </a:p>
+        </p:txBody>
+      </p:sp>
+      <p:sp>
+        <p:nvSpPr>
+          <p:cNvPr id="7" name="Footer Placeholder 6">
+            <a:extLst>
+              <a:ext uri="{FF2B5EF4-FFF2-40B4-BE49-F238E27FC236}">
+                <a16:creationId xmlns:a16="http://schemas.microsoft.com/office/drawing/2014/main" id="{1E43E905-A251-FAEB-4D23-0E88C05A0A02}"/>
+              </a:ext>
+            </a:extLst>
+          </p:cNvPr>
+          <p:cNvSpPr>
+            <a:spLocks noGrp="1"/>
+          </p:cNvSpPr>
+          <p:nvPr>
+            <p:ph type="ftr" sz="quarter" idx="11"/>
+          </p:nvPr>
+        </p:nvSpPr>
+        <p:spPr/>
+        <p:txBody>
+          <a:bodyPr/>
+          <a:lstStyle/>
+          <a:p>
+            <a:r>
+              <a:rPr lang="en-US" dirty="0"/>
+              <a:t>Moustafa Darwish</a:t>
+            </a:r>
+          </a:p>
+        </p:txBody>
+      </p:sp>
+      <p:sp>
+        <p:nvSpPr>
+          <p:cNvPr id="12" name="Slide Number Placeholder 11">
+            <a:extLst>
+              <a:ext uri="{FF2B5EF4-FFF2-40B4-BE49-F238E27FC236}">
+                <a16:creationId xmlns:a16="http://schemas.microsoft.com/office/drawing/2014/main" id="{99C48506-E460-5F0B-98CF-BFA33B8880E4}"/>
+              </a:ext>
+            </a:extLst>
+          </p:cNvPr>
+          <p:cNvSpPr>
+            <a:spLocks noGrp="1"/>
+          </p:cNvSpPr>
+          <p:nvPr>
+            <p:ph type="sldNum" sz="quarter" idx="12"/>
+          </p:nvPr>
+        </p:nvSpPr>
+        <p:spPr/>
+        <p:txBody>
+          <a:bodyPr/>
+          <a:lstStyle/>
+          <a:p>
+            <a:fld id="{B568D961-7C42-4AF1-A1CA-E4683A0210D6}" type="slidenum">
+              <a:rPr lang="en-US" smtClean="0"/>
+              <a:t>25</a:t>
+            </a:fld>
+            <a:endParaRPr lang="en-US" dirty="0"/>
           </a:p>
         </p:txBody>
       </p:sp>
@@ -10740,7 +10868,7 @@
         </p:nvSpPr>
         <p:spPr>
           <a:xfrm rot="20429375">
-            <a:off x="5745661" y="4646114"/>
+            <a:off x="5982137" y="4333750"/>
             <a:ext cx="1163016" cy="375695"/>
           </a:xfrm>
           <a:prstGeom prst="rect">
@@ -10775,7 +10903,7 @@
         </p:nvSpPr>
         <p:spPr>
           <a:xfrm>
-            <a:off x="1471019" y="1766091"/>
+            <a:off x="1707495" y="1453727"/>
             <a:ext cx="1790386" cy="1628366"/>
           </a:xfrm>
           <a:prstGeom prst="ellipse">
@@ -10824,7 +10952,7 @@
         </p:nvSpPr>
         <p:spPr>
           <a:xfrm>
-            <a:off x="8374124" y="1766090"/>
+            <a:off x="8610600" y="1453726"/>
             <a:ext cx="1790386" cy="1628366"/>
           </a:xfrm>
           <a:prstGeom prst="ellipse">
@@ -10874,7 +11002,7 @@
         </p:nvSpPr>
         <p:spPr>
           <a:xfrm>
-            <a:off x="8374124" y="4793776"/>
+            <a:off x="8610600" y="4481412"/>
             <a:ext cx="1790386" cy="1628366"/>
           </a:xfrm>
           <a:prstGeom prst="ellipse">
@@ -10923,7 +11051,7 @@
         </p:nvSpPr>
         <p:spPr>
           <a:xfrm>
-            <a:off x="1471019" y="4793775"/>
+            <a:off x="1707495" y="4481411"/>
             <a:ext cx="1790386" cy="1628366"/>
           </a:xfrm>
           <a:prstGeom prst="ellipse">
@@ -10976,7 +11104,7 @@
         </p:nvCxnSpPr>
         <p:spPr>
           <a:xfrm rot="5400000" flipH="1" flipV="1">
-            <a:off x="5817764" y="-813996"/>
+            <a:off x="6054240" y="-1126360"/>
             <a:ext cx="1" cy="5637111"/>
           </a:xfrm>
           <a:prstGeom prst="curvedConnector3">
@@ -11021,7 +11149,7 @@
         </p:nvCxnSpPr>
         <p:spPr>
           <a:xfrm>
-            <a:off x="10164510" y="2580274"/>
+            <a:off x="10400986" y="2267910"/>
             <a:ext cx="11494" cy="3027686"/>
           </a:xfrm>
           <a:prstGeom prst="curvedConnector3">
@@ -11065,7 +11193,7 @@
         </p:nvCxnSpPr>
         <p:spPr>
           <a:xfrm rot="5400000" flipH="1">
-            <a:off x="5817763" y="3365118"/>
+            <a:off x="6054239" y="3052754"/>
             <a:ext cx="1" cy="5637111"/>
           </a:xfrm>
           <a:prstGeom prst="curvedConnector3">
@@ -11110,7 +11238,7 @@
         </p:nvCxnSpPr>
         <p:spPr>
           <a:xfrm rot="10800000">
-            <a:off x="1471019" y="2580274"/>
+            <a:off x="1707495" y="2267910"/>
             <a:ext cx="11494" cy="3027684"/>
           </a:xfrm>
           <a:prstGeom prst="curvedConnector3">
@@ -11155,7 +11283,7 @@
         </p:nvCxnSpPr>
         <p:spPr>
           <a:xfrm flipV="1">
-            <a:off x="3261404" y="3155988"/>
+            <a:off x="3497880" y="2843624"/>
             <a:ext cx="5374916" cy="2451971"/>
           </a:xfrm>
           <a:prstGeom prst="curvedConnector2">
@@ -11198,7 +11326,7 @@
         </p:nvCxnSpPr>
         <p:spPr>
           <a:xfrm rot="10800000" flipV="1">
-            <a:off x="2999209" y="2580274"/>
+            <a:off x="3235685" y="2267910"/>
             <a:ext cx="5374916" cy="575715"/>
           </a:xfrm>
           <a:prstGeom prst="curvedConnector4">
@@ -11240,7 +11368,7 @@
         </p:nvSpPr>
         <p:spPr>
           <a:xfrm>
-            <a:off x="5053133" y="1507047"/>
+            <a:off x="5289609" y="1194683"/>
             <a:ext cx="1029766" cy="312424"/>
           </a:xfrm>
           <a:prstGeom prst="rect">
@@ -11275,7 +11403,7 @@
         </p:nvSpPr>
         <p:spPr>
           <a:xfrm>
-            <a:off x="4919096" y="2999776"/>
+            <a:off x="5155572" y="2687412"/>
             <a:ext cx="1029766" cy="312424"/>
           </a:xfrm>
           <a:prstGeom prst="rect">
@@ -11310,7 +11438,7 @@
         </p:nvSpPr>
         <p:spPr>
           <a:xfrm rot="16200000">
-            <a:off x="10138587" y="3870780"/>
+            <a:off x="10375063" y="3558416"/>
             <a:ext cx="1511729" cy="334260"/>
           </a:xfrm>
           <a:prstGeom prst="rect">
@@ -11346,7 +11474,7 @@
         </p:nvSpPr>
         <p:spPr>
           <a:xfrm>
-            <a:off x="4919096" y="6265929"/>
+            <a:off x="5155572" y="5953565"/>
             <a:ext cx="1999121" cy="312424"/>
           </a:xfrm>
           <a:prstGeom prst="rect">
@@ -11382,7 +11510,7 @@
         </p:nvSpPr>
         <p:spPr>
           <a:xfrm rot="5400000">
-            <a:off x="662019" y="3926986"/>
+            <a:off x="898495" y="3614622"/>
             <a:ext cx="962493" cy="334260"/>
           </a:xfrm>
           <a:prstGeom prst="rect">
@@ -11420,12 +11548,12 @@
         </p:nvCxnSpPr>
         <p:spPr>
           <a:xfrm rot="16200000" flipH="1">
-            <a:off x="9466581" y="1568826"/>
+            <a:off x="9703057" y="1256462"/>
             <a:ext cx="238469" cy="632997"/>
           </a:xfrm>
           <a:prstGeom prst="curvedConnector3">
             <a:avLst>
-              <a:gd name="adj1" fmla="val -222805"/>
+              <a:gd name="adj1" fmla="val -71320"/>
             </a:avLst>
           </a:prstGeom>
           <a:ln>
@@ -11465,7 +11593,7 @@
         </p:nvCxnSpPr>
         <p:spPr>
           <a:xfrm rot="5400000">
-            <a:off x="9466582" y="5986409"/>
+            <a:off x="9703058" y="5674045"/>
             <a:ext cx="238469" cy="632997"/>
           </a:xfrm>
           <a:prstGeom prst="curvedConnector3">
@@ -11510,7 +11638,7 @@
         </p:nvCxnSpPr>
         <p:spPr>
           <a:xfrm rot="5400000" flipH="1" flipV="1">
-            <a:off x="1930478" y="1568827"/>
+            <a:off x="2166954" y="1256463"/>
             <a:ext cx="238469" cy="632997"/>
           </a:xfrm>
           <a:prstGeom prst="curvedConnector3">
@@ -11567,6 +11695,92 @@
               <a:rPr lang="en-US" dirty="0"/>
               <a:t>Demodulator FSM</a:t>
             </a:r>
+          </a:p>
+        </p:txBody>
+      </p:sp>
+      <p:sp>
+        <p:nvSpPr>
+          <p:cNvPr id="3" name="Date Placeholder 2">
+            <a:extLst>
+              <a:ext uri="{FF2B5EF4-FFF2-40B4-BE49-F238E27FC236}">
+                <a16:creationId xmlns:a16="http://schemas.microsoft.com/office/drawing/2014/main" id="{5A00B91C-4214-FDAB-68F5-785C59BDEB70}"/>
+              </a:ext>
+            </a:extLst>
+          </p:cNvPr>
+          <p:cNvSpPr>
+            <a:spLocks noGrp="1"/>
+          </p:cNvSpPr>
+          <p:nvPr>
+            <p:ph type="dt" sz="half" idx="10"/>
+          </p:nvPr>
+        </p:nvSpPr>
+        <p:spPr/>
+        <p:txBody>
+          <a:bodyPr/>
+          <a:lstStyle/>
+          <a:p>
+            <a:fld id="{64F9740D-B2F0-4822-8CD1-81C9D4FE0837}" type="datetime1">
+              <a:rPr lang="en-US" smtClean="0"/>
+              <a:t>12/15/2023</a:t>
+            </a:fld>
+            <a:endParaRPr lang="en-US"/>
+          </a:p>
+        </p:txBody>
+      </p:sp>
+      <p:sp>
+        <p:nvSpPr>
+          <p:cNvPr id="4" name="Footer Placeholder 3">
+            <a:extLst>
+              <a:ext uri="{FF2B5EF4-FFF2-40B4-BE49-F238E27FC236}">
+                <a16:creationId xmlns:a16="http://schemas.microsoft.com/office/drawing/2014/main" id="{C83D36E5-CFA2-281C-F4DA-5E0176388864}"/>
+              </a:ext>
+            </a:extLst>
+          </p:cNvPr>
+          <p:cNvSpPr>
+            <a:spLocks noGrp="1"/>
+          </p:cNvSpPr>
+          <p:nvPr>
+            <p:ph type="ftr" sz="quarter" idx="11"/>
+          </p:nvPr>
+        </p:nvSpPr>
+        <p:spPr/>
+        <p:txBody>
+          <a:bodyPr/>
+          <a:lstStyle/>
+          <a:p>
+            <a:r>
+              <a:rPr lang="en-US" dirty="0"/>
+              <a:t>Moustafa Darwish</a:t>
+            </a:r>
+          </a:p>
+        </p:txBody>
+      </p:sp>
+      <p:sp>
+        <p:nvSpPr>
+          <p:cNvPr id="5" name="Slide Number Placeholder 4">
+            <a:extLst>
+              <a:ext uri="{FF2B5EF4-FFF2-40B4-BE49-F238E27FC236}">
+                <a16:creationId xmlns:a16="http://schemas.microsoft.com/office/drawing/2014/main" id="{C3000575-2C3B-5712-7A57-4844F43D58F9}"/>
+              </a:ext>
+            </a:extLst>
+          </p:cNvPr>
+          <p:cNvSpPr>
+            <a:spLocks noGrp="1"/>
+          </p:cNvSpPr>
+          <p:nvPr>
+            <p:ph type="sldNum" sz="quarter" idx="12"/>
+          </p:nvPr>
+        </p:nvSpPr>
+        <p:spPr/>
+        <p:txBody>
+          <a:bodyPr/>
+          <a:lstStyle/>
+          <a:p>
+            <a:fld id="{B568D961-7C42-4AF1-A1CA-E4683A0210D6}" type="slidenum">
+              <a:rPr lang="en-US" smtClean="0"/>
+              <a:t>26</a:t>
+            </a:fld>
+            <a:endParaRPr lang="en-US" dirty="0"/>
           </a:p>
         </p:txBody>
       </p:sp>
@@ -13961,9 +14175,9 @@
         <p:grpSpPr>
           <a:xfrm>
             <a:off x="262629" y="1831474"/>
-            <a:ext cx="10300860" cy="4975220"/>
+            <a:ext cx="10499114" cy="4975220"/>
             <a:chOff x="262629" y="1831474"/>
-            <a:chExt cx="10300860" cy="4975220"/>
+            <a:chExt cx="10499114" cy="4975220"/>
           </a:xfrm>
         </p:grpSpPr>
         <p:cxnSp>
@@ -14022,9 +14236,9 @@
           <p:grpSpPr>
             <a:xfrm>
               <a:off x="262629" y="1831474"/>
-              <a:ext cx="10300860" cy="4975220"/>
+              <a:ext cx="10499114" cy="4975220"/>
               <a:chOff x="262629" y="1831474"/>
-              <a:chExt cx="10300860" cy="4975220"/>
+              <a:chExt cx="10499114" cy="4975220"/>
             </a:xfrm>
           </p:grpSpPr>
           <p:grpSp>
@@ -14042,9 +14256,9 @@
             <p:grpSpPr>
               <a:xfrm>
                 <a:off x="262629" y="1831474"/>
-                <a:ext cx="10300860" cy="4975220"/>
+                <a:ext cx="10499114" cy="4975220"/>
                 <a:chOff x="262629" y="1831474"/>
-                <a:chExt cx="10300860" cy="4975220"/>
+                <a:chExt cx="10499114" cy="4975220"/>
               </a:xfrm>
             </p:grpSpPr>
             <p:cxnSp>
@@ -14183,9 +14397,9 @@
               <p:grpSpPr>
                 <a:xfrm>
                   <a:off x="262629" y="1831474"/>
-                  <a:ext cx="10300860" cy="4858508"/>
+                  <a:ext cx="10499114" cy="4902199"/>
                   <a:chOff x="262629" y="1831474"/>
-                  <a:chExt cx="10300860" cy="4858508"/>
+                  <a:chExt cx="10499114" cy="4902199"/>
                 </a:xfrm>
               </p:grpSpPr>
               <p:cxnSp>
@@ -14318,9 +14532,9 @@
                 <p:grpSpPr>
                   <a:xfrm>
                     <a:off x="262629" y="1831474"/>
-                    <a:ext cx="10300860" cy="4858508"/>
+                    <a:ext cx="10499114" cy="4902199"/>
                     <a:chOff x="374921" y="1831474"/>
-                    <a:chExt cx="10300860" cy="4858508"/>
+                    <a:chExt cx="10499114" cy="4902199"/>
                   </a:xfrm>
                 </p:grpSpPr>
                 <p:grpSp>
@@ -15495,9 +15709,9 @@
                   <p:grpSpPr>
                     <a:xfrm>
                       <a:off x="374921" y="1831474"/>
-                      <a:ext cx="10300860" cy="4858508"/>
+                      <a:ext cx="10499114" cy="4902199"/>
                       <a:chOff x="374921" y="1831474"/>
-                      <a:chExt cx="10300860" cy="4858508"/>
+                      <a:chExt cx="10499114" cy="4902199"/>
                     </a:xfrm>
                   </p:grpSpPr>
                   <p:sp>
@@ -16158,7 +16372,7 @@
                     </p:nvSpPr>
                     <p:spPr>
                       <a:xfrm>
-                        <a:off x="8895742" y="6351428"/>
+                        <a:off x="9093996" y="6395119"/>
                         <a:ext cx="1780039" cy="338554"/>
                       </a:xfrm>
                       <a:prstGeom prst="rect">
@@ -18552,6 +18766,63 @@
               <a:rPr lang="en-US" dirty="0" err="1"/>
               <a:t>Demodulated_word</a:t>
             </a:r>
+            <a:endParaRPr lang="en-US" dirty="0"/>
+          </a:p>
+        </p:txBody>
+      </p:sp>
+      <p:sp>
+        <p:nvSpPr>
+          <p:cNvPr id="3" name="Footer Placeholder 2">
+            <a:extLst>
+              <a:ext uri="{FF2B5EF4-FFF2-40B4-BE49-F238E27FC236}">
+                <a16:creationId xmlns:a16="http://schemas.microsoft.com/office/drawing/2014/main" id="{0DA79DE0-4EF4-7649-4DEF-C52AC614E3C2}"/>
+              </a:ext>
+            </a:extLst>
+          </p:cNvPr>
+          <p:cNvSpPr>
+            <a:spLocks noGrp="1"/>
+          </p:cNvSpPr>
+          <p:nvPr>
+            <p:ph type="ftr" sz="quarter" idx="11"/>
+          </p:nvPr>
+        </p:nvSpPr>
+        <p:spPr/>
+        <p:txBody>
+          <a:bodyPr/>
+          <a:lstStyle/>
+          <a:p>
+            <a:r>
+              <a:rPr lang="en-US" dirty="0"/>
+              <a:t>Moustafa Darwish</a:t>
+            </a:r>
+          </a:p>
+        </p:txBody>
+      </p:sp>
+      <p:sp>
+        <p:nvSpPr>
+          <p:cNvPr id="5" name="Slide Number Placeholder 4">
+            <a:extLst>
+              <a:ext uri="{FF2B5EF4-FFF2-40B4-BE49-F238E27FC236}">
+                <a16:creationId xmlns:a16="http://schemas.microsoft.com/office/drawing/2014/main" id="{B3B1ECA9-6BB5-FF21-928B-911C36659CA7}"/>
+              </a:ext>
+            </a:extLst>
+          </p:cNvPr>
+          <p:cNvSpPr>
+            <a:spLocks noGrp="1"/>
+          </p:cNvSpPr>
+          <p:nvPr>
+            <p:ph type="sldNum" sz="quarter" idx="12"/>
+          </p:nvPr>
+        </p:nvSpPr>
+        <p:spPr/>
+        <p:txBody>
+          <a:bodyPr/>
+          <a:lstStyle/>
+          <a:p>
+            <a:fld id="{B568D961-7C42-4AF1-A1CA-E4683A0210D6}" type="slidenum">
+              <a:rPr lang="en-US" smtClean="0"/>
+              <a:t>27</a:t>
+            </a:fld>
             <a:endParaRPr lang="en-US" dirty="0"/>
           </a:p>
         </p:txBody>
@@ -21822,10 +22093,10 @@
       </p:grpSpPr>
       <p:sp>
         <p:nvSpPr>
-          <p:cNvPr id="2" name="Title 1">
-            <a:extLst>
-              <a:ext uri="{FF2B5EF4-FFF2-40B4-BE49-F238E27FC236}">
-                <a16:creationId xmlns:a16="http://schemas.microsoft.com/office/drawing/2014/main" id="{B009299D-71C7-5673-195C-29BB78C00692}"/>
+          <p:cNvPr id="7" name="Title 6">
+            <a:extLst>
+              <a:ext uri="{FF2B5EF4-FFF2-40B4-BE49-F238E27FC236}">
+                <a16:creationId xmlns:a16="http://schemas.microsoft.com/office/drawing/2014/main" id="{12CE0876-FC17-E251-72D3-50B2AC9A68E0}"/>
               </a:ext>
             </a:extLst>
           </p:cNvPr>
@@ -21850,6 +22121,175 @@
       </p:sp>
       <p:sp>
         <p:nvSpPr>
+          <p:cNvPr id="8" name="Text Placeholder 7">
+            <a:extLst>
+              <a:ext uri="{FF2B5EF4-FFF2-40B4-BE49-F238E27FC236}">
+                <a16:creationId xmlns:a16="http://schemas.microsoft.com/office/drawing/2014/main" id="{639BB5B0-F68C-F4A9-DC66-36977DCCCFDA}"/>
+              </a:ext>
+            </a:extLst>
+          </p:cNvPr>
+          <p:cNvSpPr>
+            <a:spLocks noGrp="1"/>
+          </p:cNvSpPr>
+          <p:nvPr>
+            <p:ph type="body" idx="1"/>
+          </p:nvPr>
+        </p:nvSpPr>
+        <p:spPr/>
+        <p:txBody>
+          <a:bodyPr/>
+          <a:lstStyle/>
+          <a:p>
+            <a:endParaRPr lang="en-US"/>
+          </a:p>
+        </p:txBody>
+      </p:sp>
+      <p:sp>
+        <p:nvSpPr>
+          <p:cNvPr id="4" name="Date Placeholder 3">
+            <a:extLst>
+              <a:ext uri="{FF2B5EF4-FFF2-40B4-BE49-F238E27FC236}">
+                <a16:creationId xmlns:a16="http://schemas.microsoft.com/office/drawing/2014/main" id="{5FD4649E-4782-5689-08D8-035244A86A36}"/>
+              </a:ext>
+            </a:extLst>
+          </p:cNvPr>
+          <p:cNvSpPr>
+            <a:spLocks noGrp="1"/>
+          </p:cNvSpPr>
+          <p:nvPr>
+            <p:ph type="dt" sz="half" idx="10"/>
+          </p:nvPr>
+        </p:nvSpPr>
+        <p:spPr/>
+        <p:txBody>
+          <a:bodyPr/>
+          <a:lstStyle/>
+          <a:p>
+            <a:fld id="{0956A547-ED38-45FC-9A8D-5613747A4C62}" type="datetime1">
+              <a:rPr lang="en-US" smtClean="0"/>
+              <a:t>12/15/2023</a:t>
+            </a:fld>
+            <a:endParaRPr lang="en-US"/>
+          </a:p>
+        </p:txBody>
+      </p:sp>
+      <p:sp>
+        <p:nvSpPr>
+          <p:cNvPr id="5" name="Footer Placeholder 4">
+            <a:extLst>
+              <a:ext uri="{FF2B5EF4-FFF2-40B4-BE49-F238E27FC236}">
+                <a16:creationId xmlns:a16="http://schemas.microsoft.com/office/drawing/2014/main" id="{E3F2D9D8-28B2-FCCC-AE3A-46E675147CEF}"/>
+              </a:ext>
+            </a:extLst>
+          </p:cNvPr>
+          <p:cNvSpPr>
+            <a:spLocks noGrp="1"/>
+          </p:cNvSpPr>
+          <p:nvPr>
+            <p:ph type="ftr" sz="quarter" idx="11"/>
+          </p:nvPr>
+        </p:nvSpPr>
+        <p:spPr/>
+        <p:txBody>
+          <a:bodyPr/>
+          <a:lstStyle/>
+          <a:p>
+            <a:r>
+              <a:rPr lang="en-US" dirty="0"/>
+              <a:t>Menna-tullah Ahmed</a:t>
+            </a:r>
+          </a:p>
+        </p:txBody>
+      </p:sp>
+      <p:sp>
+        <p:nvSpPr>
+          <p:cNvPr id="6" name="Slide Number Placeholder 5">
+            <a:extLst>
+              <a:ext uri="{FF2B5EF4-FFF2-40B4-BE49-F238E27FC236}">
+                <a16:creationId xmlns:a16="http://schemas.microsoft.com/office/drawing/2014/main" id="{FF31FCB2-334A-A009-BFB0-66BCE63F7837}"/>
+              </a:ext>
+            </a:extLst>
+          </p:cNvPr>
+          <p:cNvSpPr>
+            <a:spLocks noGrp="1"/>
+          </p:cNvSpPr>
+          <p:nvPr>
+            <p:ph type="sldNum" sz="quarter" idx="12"/>
+          </p:nvPr>
+        </p:nvSpPr>
+        <p:spPr/>
+        <p:txBody>
+          <a:bodyPr/>
+          <a:lstStyle/>
+          <a:p>
+            <a:fld id="{B568D961-7C42-4AF1-A1CA-E4683A0210D6}" type="slidenum">
+              <a:rPr lang="en-US" smtClean="0"/>
+              <a:t>28</a:t>
+            </a:fld>
+            <a:endParaRPr lang="en-US" dirty="0"/>
+          </a:p>
+        </p:txBody>
+      </p:sp>
+    </p:spTree>
+    <p:extLst>
+      <p:ext uri="{BB962C8B-B14F-4D97-AF65-F5344CB8AC3E}">
+        <p14:creationId xmlns:p14="http://schemas.microsoft.com/office/powerpoint/2010/main" val="2084684593"/>
+      </p:ext>
+    </p:extLst>
+  </p:cSld>
+  <p:clrMapOvr>
+    <a:masterClrMapping/>
+  </p:clrMapOvr>
+</p:sld>
+</file>
+
+<file path=ppt/slides/slide29.xml><?xml version="1.0" encoding="utf-8"?>
+<p:sld xmlns:a="http://schemas.openxmlformats.org/drawingml/2006/main" xmlns:r="http://schemas.openxmlformats.org/officeDocument/2006/relationships" xmlns:p="http://schemas.openxmlformats.org/presentationml/2006/main">
+  <p:cSld>
+    <p:spTree>
+      <p:nvGrpSpPr>
+        <p:cNvPr id="1" name=""/>
+        <p:cNvGrpSpPr/>
+        <p:nvPr/>
+      </p:nvGrpSpPr>
+      <p:grpSpPr>
+        <a:xfrm>
+          <a:off x="0" y="0"/>
+          <a:ext cx="0" cy="0"/>
+          <a:chOff x="0" y="0"/>
+          <a:chExt cx="0" cy="0"/>
+        </a:xfrm>
+      </p:grpSpPr>
+      <p:sp>
+        <p:nvSpPr>
+          <p:cNvPr id="2" name="Title 1">
+            <a:extLst>
+              <a:ext uri="{FF2B5EF4-FFF2-40B4-BE49-F238E27FC236}">
+                <a16:creationId xmlns:a16="http://schemas.microsoft.com/office/drawing/2014/main" id="{B009299D-71C7-5673-195C-29BB78C00692}"/>
+              </a:ext>
+            </a:extLst>
+          </p:cNvPr>
+          <p:cNvSpPr>
+            <a:spLocks noGrp="1"/>
+          </p:cNvSpPr>
+          <p:nvPr>
+            <p:ph type="title"/>
+          </p:nvPr>
+        </p:nvSpPr>
+        <p:spPr/>
+        <p:txBody>
+          <a:bodyPr/>
+          <a:lstStyle/>
+          <a:p>
+            <a:r>
+              <a:rPr lang="en-US" dirty="0"/>
+              <a:t>Testing</a:t>
+            </a:r>
+          </a:p>
+        </p:txBody>
+      </p:sp>
+      <p:sp>
+        <p:nvSpPr>
           <p:cNvPr id="3" name="Content Placeholder 2">
             <a:extLst>
               <a:ext uri="{FF2B5EF4-FFF2-40B4-BE49-F238E27FC236}">
@@ -21909,9 +22349,9 @@
           <a:bodyPr/>
           <a:lstStyle/>
           <a:p>
-            <a:fld id="{E1B179BD-CB2C-43CC-9806-AEC24876569E}" type="datetime1">
+            <a:fld id="{9E7A7AF0-B244-4AAF-829A-0692479F2505}" type="datetime1">
               <a:rPr lang="en-US" smtClean="0"/>
-              <a:t>12/14/2023</a:t>
+              <a:t>12/15/2023</a:t>
             </a:fld>
             <a:endParaRPr lang="en-US"/>
           </a:p>
@@ -21938,7 +22378,10 @@
           <a:bodyPr/>
           <a:lstStyle/>
           <a:p>
-            <a:endParaRPr lang="en-US" dirty="0"/>
+            <a:r>
+              <a:rPr lang="en-US" dirty="0"/>
+              <a:t>Menna-tullah Ahmed</a:t>
+            </a:r>
           </a:p>
         </p:txBody>
       </p:sp>
@@ -21965,7 +22408,7 @@
           <a:p>
             <a:fld id="{B568D961-7C42-4AF1-A1CA-E4683A0210D6}" type="slidenum">
               <a:rPr lang="en-US" smtClean="0"/>
-              <a:t>28</a:t>
+              <a:t>29</a:t>
             </a:fld>
             <a:endParaRPr lang="en-US" dirty="0"/>
           </a:p>
@@ -22020,281 +22463,6 @@
 </p:sld>
 </file>
 
-<file path=ppt/slides/slide29.xml><?xml version="1.0" encoding="utf-8"?>
-<p:sld xmlns:a="http://schemas.openxmlformats.org/drawingml/2006/main" xmlns:r="http://schemas.openxmlformats.org/officeDocument/2006/relationships" xmlns:p="http://schemas.openxmlformats.org/presentationml/2006/main">
-  <p:cSld>
-    <p:spTree>
-      <p:nvGrpSpPr>
-        <p:cNvPr id="1" name=""/>
-        <p:cNvGrpSpPr/>
-        <p:nvPr/>
-      </p:nvGrpSpPr>
-      <p:grpSpPr>
-        <a:xfrm>
-          <a:off x="0" y="0"/>
-          <a:ext cx="0" cy="0"/>
-          <a:chOff x="0" y="0"/>
-          <a:chExt cx="0" cy="0"/>
-        </a:xfrm>
-      </p:grpSpPr>
-      <p:sp>
-        <p:nvSpPr>
-          <p:cNvPr id="2" name="Title 1">
-            <a:extLst>
-              <a:ext uri="{FF2B5EF4-FFF2-40B4-BE49-F238E27FC236}">
-                <a16:creationId xmlns:a16="http://schemas.microsoft.com/office/drawing/2014/main" id="{A69C5278-1F91-4215-6D94-BDC2BD064437}"/>
-              </a:ext>
-            </a:extLst>
-          </p:cNvPr>
-          <p:cNvSpPr>
-            <a:spLocks noGrp="1"/>
-          </p:cNvSpPr>
-          <p:nvPr>
-            <p:ph type="title"/>
-          </p:nvPr>
-        </p:nvSpPr>
-        <p:spPr/>
-        <p:txBody>
-          <a:bodyPr/>
-          <a:lstStyle/>
-          <a:p>
-            <a:r>
-              <a:rPr lang="en-US" dirty="0"/>
-              <a:t>Testing</a:t>
-            </a:r>
-          </a:p>
-        </p:txBody>
-      </p:sp>
-      <p:sp>
-        <p:nvSpPr>
-          <p:cNvPr id="3" name="Content Placeholder 2">
-            <a:extLst>
-              <a:ext uri="{FF2B5EF4-FFF2-40B4-BE49-F238E27FC236}">
-                <a16:creationId xmlns:a16="http://schemas.microsoft.com/office/drawing/2014/main" id="{FE04D29F-4201-D327-D92D-468332CB16B8}"/>
-              </a:ext>
-            </a:extLst>
-          </p:cNvPr>
-          <p:cNvSpPr>
-            <a:spLocks noGrp="1"/>
-          </p:cNvSpPr>
-          <p:nvPr>
-            <p:ph idx="1"/>
-          </p:nvPr>
-        </p:nvSpPr>
-        <p:spPr/>
-        <p:txBody>
-          <a:bodyPr/>
-          <a:lstStyle/>
-          <a:p>
-            <a:r>
-              <a:rPr lang="en-US" dirty="0"/>
-              <a:t>The workings of the test environment can be summarized as follows:</a:t>
-            </a:r>
-          </a:p>
-          <a:p>
-            <a:pPr marL="971550" lvl="1" indent="-514350">
-              <a:buFont typeface="+mj-lt"/>
-              <a:buAutoNum type="arabicPeriod"/>
-            </a:pPr>
-            <a:r>
-              <a:rPr lang="en-US" dirty="0"/>
-              <a:t>Randomize a message.</a:t>
-            </a:r>
-          </a:p>
-          <a:p>
-            <a:pPr marL="971550" lvl="1" indent="-514350">
-              <a:buFont typeface="+mj-lt"/>
-              <a:buAutoNum type="arabicPeriod"/>
-            </a:pPr>
-            <a:r>
-              <a:rPr lang="en-US" dirty="0"/>
-              <a:t>Randomize spreading factor.</a:t>
-            </a:r>
-          </a:p>
-          <a:p>
-            <a:pPr marL="971550" lvl="1" indent="-514350">
-              <a:buFont typeface="+mj-lt"/>
-              <a:buAutoNum type="arabicPeriod"/>
-            </a:pPr>
-            <a:r>
-              <a:rPr lang="en-US" dirty="0"/>
-              <a:t>Push the message to the </a:t>
-            </a:r>
-            <a:r>
-              <a:rPr lang="en-US" b="1" dirty="0"/>
-              <a:t>TX queue</a:t>
-            </a:r>
-            <a:r>
-              <a:rPr lang="en-US" dirty="0"/>
-              <a:t>. Drive the TX module to send the message.</a:t>
-            </a:r>
-          </a:p>
-          <a:p>
-            <a:pPr marL="971550" lvl="1" indent="-514350">
-              <a:buFont typeface="+mj-lt"/>
-              <a:buAutoNum type="arabicPeriod"/>
-            </a:pPr>
-            <a:r>
-              <a:rPr lang="en-US" dirty="0"/>
-              <a:t>Iterate over the last three steps for a random amount.</a:t>
-            </a:r>
-          </a:p>
-          <a:p>
-            <a:pPr marL="971550" lvl="1" indent="-514350">
-              <a:buFont typeface="+mj-lt"/>
-              <a:buAutoNum type="arabicPeriod"/>
-            </a:pPr>
-            <a:r>
-              <a:rPr lang="en-US" dirty="0"/>
-              <a:t>Wait a random amount of clock cycles.</a:t>
-            </a:r>
-          </a:p>
-          <a:p>
-            <a:pPr marL="971550" lvl="1" indent="-514350">
-              <a:buFont typeface="+mj-lt"/>
-              <a:buAutoNum type="arabicPeriod"/>
-            </a:pPr>
-            <a:r>
-              <a:rPr lang="en-US" dirty="0"/>
-              <a:t>Monitor the </a:t>
-            </a:r>
-            <a:r>
-              <a:rPr lang="en-US" dirty="0" err="1">
-                <a:latin typeface="JetBrains Mono" panose="02000009000000000000" pitchFamily="49" charset="0"/>
-                <a:ea typeface="JetBrains Mono" panose="02000009000000000000" pitchFamily="49" charset="0"/>
-                <a:cs typeface="JetBrains Mono" panose="02000009000000000000" pitchFamily="49" charset="0"/>
-              </a:rPr>
-              <a:t>Valid_Data</a:t>
-            </a:r>
-            <a:r>
-              <a:rPr lang="en-US" dirty="0"/>
-              <a:t> output. On rising edge, pop the </a:t>
-            </a:r>
-            <a:r>
-              <a:rPr lang="en-US" b="1" dirty="0"/>
-              <a:t>TX queue </a:t>
-            </a:r>
-            <a:r>
-              <a:rPr lang="en-US" dirty="0"/>
-              <a:t>and</a:t>
-            </a:r>
-            <a:r>
-              <a:rPr lang="en-US" b="1" dirty="0"/>
-              <a:t> </a:t>
-            </a:r>
-            <a:r>
-              <a:rPr lang="en-US" dirty="0"/>
-              <a:t>compare the popped word with the demodulated word.</a:t>
-            </a:r>
-          </a:p>
-          <a:p>
-            <a:pPr marL="971550" lvl="1" indent="-514350">
-              <a:buFont typeface="+mj-lt"/>
-              <a:buAutoNum type="arabicPeriod"/>
-            </a:pPr>
-            <a:r>
-              <a:rPr lang="en-US" dirty="0"/>
-              <a:t>A match means that the system is operational.</a:t>
-            </a:r>
-          </a:p>
-        </p:txBody>
-      </p:sp>
-      <p:sp>
-        <p:nvSpPr>
-          <p:cNvPr id="4" name="Date Placeholder 3">
-            <a:extLst>
-              <a:ext uri="{FF2B5EF4-FFF2-40B4-BE49-F238E27FC236}">
-                <a16:creationId xmlns:a16="http://schemas.microsoft.com/office/drawing/2014/main" id="{DACFFF11-045D-6200-056C-47AB57403AAF}"/>
-              </a:ext>
-            </a:extLst>
-          </p:cNvPr>
-          <p:cNvSpPr>
-            <a:spLocks noGrp="1"/>
-          </p:cNvSpPr>
-          <p:nvPr>
-            <p:ph type="dt" sz="half" idx="10"/>
-          </p:nvPr>
-        </p:nvSpPr>
-        <p:spPr/>
-        <p:txBody>
-          <a:bodyPr/>
-          <a:lstStyle/>
-          <a:p>
-            <a:fld id="{E1B179BD-CB2C-43CC-9806-AEC24876569E}" type="datetime1">
-              <a:rPr lang="en-US" smtClean="0"/>
-              <a:t>12/14/2023</a:t>
-            </a:fld>
-            <a:endParaRPr lang="en-US"/>
-          </a:p>
-        </p:txBody>
-      </p:sp>
-      <p:sp>
-        <p:nvSpPr>
-          <p:cNvPr id="5" name="Footer Placeholder 4">
-            <a:extLst>
-              <a:ext uri="{FF2B5EF4-FFF2-40B4-BE49-F238E27FC236}">
-                <a16:creationId xmlns:a16="http://schemas.microsoft.com/office/drawing/2014/main" id="{867D2447-86D8-4CAD-2443-04ABC76F881E}"/>
-              </a:ext>
-            </a:extLst>
-          </p:cNvPr>
-          <p:cNvSpPr>
-            <a:spLocks noGrp="1"/>
-          </p:cNvSpPr>
-          <p:nvPr>
-            <p:ph type="ftr" sz="quarter" idx="11"/>
-          </p:nvPr>
-        </p:nvSpPr>
-        <p:spPr/>
-        <p:txBody>
-          <a:bodyPr/>
-          <a:lstStyle/>
-          <a:p>
-            <a:endParaRPr lang="en-US" dirty="0"/>
-          </a:p>
-        </p:txBody>
-      </p:sp>
-      <p:sp>
-        <p:nvSpPr>
-          <p:cNvPr id="6" name="Slide Number Placeholder 5">
-            <a:extLst>
-              <a:ext uri="{FF2B5EF4-FFF2-40B4-BE49-F238E27FC236}">
-                <a16:creationId xmlns:a16="http://schemas.microsoft.com/office/drawing/2014/main" id="{681A5A74-5722-6FCE-52FA-4D65851B9F4A}"/>
-              </a:ext>
-            </a:extLst>
-          </p:cNvPr>
-          <p:cNvSpPr>
-            <a:spLocks noGrp="1"/>
-          </p:cNvSpPr>
-          <p:nvPr>
-            <p:ph type="sldNum" sz="quarter" idx="12"/>
-          </p:nvPr>
-        </p:nvSpPr>
-        <p:spPr/>
-        <p:txBody>
-          <a:bodyPr/>
-          <a:lstStyle/>
-          <a:p>
-            <a:fld id="{B568D961-7C42-4AF1-A1CA-E4683A0210D6}" type="slidenum">
-              <a:rPr lang="en-US" smtClean="0"/>
-              <a:t>29</a:t>
-            </a:fld>
-            <a:endParaRPr lang="en-US" dirty="0"/>
-          </a:p>
-        </p:txBody>
-      </p:sp>
-    </p:spTree>
-    <p:extLst>
-      <p:ext uri="{BB962C8B-B14F-4D97-AF65-F5344CB8AC3E}">
-        <p14:creationId xmlns:p14="http://schemas.microsoft.com/office/powerpoint/2010/main" val="3447208760"/>
-      </p:ext>
-    </p:extLst>
-  </p:cSld>
-  <p:clrMapOvr>
-    <a:masterClrMapping/>
-  </p:clrMapOvr>
-</p:sld>
-</file>
-
 <file path=ppt/slides/slide3.xml><?xml version="1.0" encoding="utf-8"?>
 <p:sld xmlns:a="http://schemas.openxmlformats.org/drawingml/2006/main" xmlns:r="http://schemas.openxmlformats.org/officeDocument/2006/relationships" xmlns:p="http://schemas.openxmlformats.org/presentationml/2006/main">
   <p:cSld>
@@ -22403,9 +22571,9 @@
           <a:bodyPr/>
           <a:lstStyle/>
           <a:p>
-            <a:fld id="{F5C5917A-DA63-492C-ADDF-E59C661E1B0B}" type="datetime1">
+            <a:fld id="{578A2E4A-996F-4700-A2D1-6CD59954DD56}" type="datetime1">
               <a:rPr lang="en-US" smtClean="0"/>
-              <a:t>12/14/2023</a:t>
+              <a:t>12/15/2023</a:t>
             </a:fld>
             <a:endParaRPr lang="en-US"/>
           </a:p>
@@ -22434,7 +22602,7 @@
           <a:p>
             <a:r>
               <a:rPr lang="en-US" dirty="0"/>
-              <a:t>Omar Amer</a:t>
+              <a:t>Yahia Hatem</a:t>
             </a:r>
           </a:p>
         </p:txBody>
@@ -22503,7 +22671,7 @@
           <p:cNvPr id="2" name="Title 1">
             <a:extLst>
               <a:ext uri="{FF2B5EF4-FFF2-40B4-BE49-F238E27FC236}">
-                <a16:creationId xmlns:a16="http://schemas.microsoft.com/office/drawing/2014/main" id="{7A444BF2-760E-ACFF-9D47-8CD55864F041}"/>
+                <a16:creationId xmlns:a16="http://schemas.microsoft.com/office/drawing/2014/main" id="{A69C5278-1F91-4215-6D94-BDC2BD064437}"/>
               </a:ext>
             </a:extLst>
           </p:cNvPr>
@@ -22528,10 +22696,144 @@
       </p:sp>
       <p:sp>
         <p:nvSpPr>
+          <p:cNvPr id="3" name="Content Placeholder 2">
+            <a:extLst>
+              <a:ext uri="{FF2B5EF4-FFF2-40B4-BE49-F238E27FC236}">
+                <a16:creationId xmlns:a16="http://schemas.microsoft.com/office/drawing/2014/main" id="{FE04D29F-4201-D327-D92D-468332CB16B8}"/>
+              </a:ext>
+            </a:extLst>
+          </p:cNvPr>
+          <p:cNvSpPr>
+            <a:spLocks noGrp="1"/>
+          </p:cNvSpPr>
+          <p:nvPr>
+            <p:ph idx="1"/>
+          </p:nvPr>
+        </p:nvSpPr>
+        <p:spPr/>
+        <p:txBody>
+          <a:bodyPr/>
+          <a:lstStyle/>
+          <a:p>
+            <a:r>
+              <a:rPr lang="en-US" dirty="0"/>
+              <a:t>The workings of the test environment can be summarized as follows:</a:t>
+            </a:r>
+          </a:p>
+          <a:p>
+            <a:pPr marL="971550" lvl="1" indent="-514350">
+              <a:buFont typeface="+mj-lt"/>
+              <a:buAutoNum type="arabicPeriod"/>
+            </a:pPr>
+            <a:r>
+              <a:rPr lang="en-US" dirty="0"/>
+              <a:t>Randomize a message.</a:t>
+            </a:r>
+          </a:p>
+          <a:p>
+            <a:pPr marL="971550" lvl="1" indent="-514350">
+              <a:buFont typeface="+mj-lt"/>
+              <a:buAutoNum type="arabicPeriod"/>
+            </a:pPr>
+            <a:r>
+              <a:rPr lang="en-US" dirty="0"/>
+              <a:t>Randomize spreading factor.</a:t>
+            </a:r>
+          </a:p>
+          <a:p>
+            <a:pPr marL="971550" lvl="1" indent="-514350">
+              <a:buFont typeface="+mj-lt"/>
+              <a:buAutoNum type="arabicPeriod"/>
+            </a:pPr>
+            <a:r>
+              <a:rPr lang="en-US" dirty="0"/>
+              <a:t>Push the message to the </a:t>
+            </a:r>
+            <a:r>
+              <a:rPr lang="en-US" b="1" dirty="0"/>
+              <a:t>TX queue</a:t>
+            </a:r>
+            <a:r>
+              <a:rPr lang="en-US" dirty="0"/>
+              <a:t>. Drive the TX module to send the message.</a:t>
+            </a:r>
+          </a:p>
+          <a:p>
+            <a:pPr marL="971550" lvl="1" indent="-514350">
+              <a:buFont typeface="+mj-lt"/>
+              <a:buAutoNum type="arabicPeriod"/>
+            </a:pPr>
+            <a:r>
+              <a:rPr lang="en-US" dirty="0"/>
+              <a:t>Iterate over the last three steps for a random amount.</a:t>
+            </a:r>
+          </a:p>
+          <a:p>
+            <a:pPr marL="971550" lvl="1" indent="-514350">
+              <a:buFont typeface="+mj-lt"/>
+              <a:buAutoNum type="arabicPeriod"/>
+            </a:pPr>
+            <a:r>
+              <a:rPr lang="en-US" dirty="0"/>
+              <a:t>Wait a random amount of clock cycles.</a:t>
+            </a:r>
+          </a:p>
+          <a:p>
+            <a:pPr marL="971550" lvl="1" indent="-514350">
+              <a:buFont typeface="+mj-lt"/>
+              <a:buAutoNum type="arabicPeriod"/>
+            </a:pPr>
+            <a:r>
+              <a:rPr lang="en-US" dirty="0"/>
+              <a:t>Monitor the </a:t>
+            </a:r>
+            <a:r>
+              <a:rPr lang="en-US" dirty="0" err="1">
+                <a:latin typeface="JetBrains Mono" panose="02000009000000000000" pitchFamily="49" charset="0"/>
+                <a:ea typeface="JetBrains Mono" panose="02000009000000000000" pitchFamily="49" charset="0"/>
+                <a:cs typeface="JetBrains Mono" panose="02000009000000000000" pitchFamily="49" charset="0"/>
+              </a:rPr>
+              <a:t>Valid_Data</a:t>
+            </a:r>
+            <a:r>
+              <a:rPr lang="en-US" dirty="0"/>
+              <a:t> output. On rising edge, pop the </a:t>
+            </a:r>
+            <a:r>
+              <a:rPr lang="en-US" b="1" dirty="0"/>
+              <a:t>TX queue </a:t>
+            </a:r>
+            <a:r>
+              <a:rPr lang="en-US" dirty="0"/>
+              <a:t>and</a:t>
+            </a:r>
+            <a:r>
+              <a:rPr lang="en-US" b="1" dirty="0"/>
+              <a:t> </a:t>
+            </a:r>
+            <a:r>
+              <a:rPr lang="en-US" dirty="0"/>
+              <a:t>compare the popped word with the demodulated word.</a:t>
+            </a:r>
+          </a:p>
+          <a:p>
+            <a:pPr marL="971550" lvl="1" indent="-514350">
+              <a:buFont typeface="+mj-lt"/>
+              <a:buAutoNum type="arabicPeriod"/>
+            </a:pPr>
+            <a:r>
+              <a:rPr lang="en-US" dirty="0"/>
+              <a:t>A match means that the system is operational.</a:t>
+            </a:r>
+          </a:p>
+        </p:txBody>
+      </p:sp>
+      <p:sp>
+        <p:nvSpPr>
           <p:cNvPr id="4" name="Date Placeholder 3">
             <a:extLst>
               <a:ext uri="{FF2B5EF4-FFF2-40B4-BE49-F238E27FC236}">
-                <a16:creationId xmlns:a16="http://schemas.microsoft.com/office/drawing/2014/main" id="{3D007EBF-3EAA-5C86-41DB-7CFE928B1054}"/>
+                <a16:creationId xmlns:a16="http://schemas.microsoft.com/office/drawing/2014/main" id="{DACFFF11-045D-6200-056C-47AB57403AAF}"/>
               </a:ext>
             </a:extLst>
           </p:cNvPr>
@@ -22547,9 +22849,9 @@
           <a:bodyPr/>
           <a:lstStyle/>
           <a:p>
-            <a:fld id="{E1B179BD-CB2C-43CC-9806-AEC24876569E}" type="datetime1">
+            <a:fld id="{97624627-EF48-4BEB-924E-0BB5B9411C4C}" type="datetime1">
               <a:rPr lang="en-US" smtClean="0"/>
-              <a:t>12/14/2023</a:t>
+              <a:t>12/15/2023</a:t>
             </a:fld>
             <a:endParaRPr lang="en-US"/>
           </a:p>
@@ -22560,7 +22862,7 @@
           <p:cNvPr id="5" name="Footer Placeholder 4">
             <a:extLst>
               <a:ext uri="{FF2B5EF4-FFF2-40B4-BE49-F238E27FC236}">
-                <a16:creationId xmlns:a16="http://schemas.microsoft.com/office/drawing/2014/main" id="{1C4FAACC-EAAF-BE85-558B-4FEE4B5782B0}"/>
+                <a16:creationId xmlns:a16="http://schemas.microsoft.com/office/drawing/2014/main" id="{867D2447-86D8-4CAD-2443-04ABC76F881E}"/>
               </a:ext>
             </a:extLst>
           </p:cNvPr>
@@ -22576,7 +22878,10 @@
           <a:bodyPr/>
           <a:lstStyle/>
           <a:p>
-            <a:endParaRPr lang="en-US" dirty="0"/>
+            <a:r>
+              <a:rPr lang="en-US" dirty="0"/>
+              <a:t>Menna-tullah Ahmed</a:t>
+            </a:r>
           </a:p>
         </p:txBody>
       </p:sp>
@@ -22585,7 +22890,7 @@
           <p:cNvPr id="6" name="Slide Number Placeholder 5">
             <a:extLst>
               <a:ext uri="{FF2B5EF4-FFF2-40B4-BE49-F238E27FC236}">
-                <a16:creationId xmlns:a16="http://schemas.microsoft.com/office/drawing/2014/main" id="{2C87872F-CC2D-F7AC-347A-2DE84688AAA3}"/>
+                <a16:creationId xmlns:a16="http://schemas.microsoft.com/office/drawing/2014/main" id="{681A5A74-5722-6FCE-52FA-4D65851B9F4A}"/>
               </a:ext>
             </a:extLst>
           </p:cNvPr>
@@ -22604,6 +22909,150 @@
             <a:fld id="{B568D961-7C42-4AF1-A1CA-E4683A0210D6}" type="slidenum">
               <a:rPr lang="en-US" smtClean="0"/>
               <a:t>30</a:t>
+            </a:fld>
+            <a:endParaRPr lang="en-US" dirty="0"/>
+          </a:p>
+        </p:txBody>
+      </p:sp>
+    </p:spTree>
+    <p:extLst>
+      <p:ext uri="{BB962C8B-B14F-4D97-AF65-F5344CB8AC3E}">
+        <p14:creationId xmlns:p14="http://schemas.microsoft.com/office/powerpoint/2010/main" val="3447208760"/>
+      </p:ext>
+    </p:extLst>
+  </p:cSld>
+  <p:clrMapOvr>
+    <a:masterClrMapping/>
+  </p:clrMapOvr>
+</p:sld>
+</file>
+
+<file path=ppt/slides/slide31.xml><?xml version="1.0" encoding="utf-8"?>
+<p:sld xmlns:a="http://schemas.openxmlformats.org/drawingml/2006/main" xmlns:r="http://schemas.openxmlformats.org/officeDocument/2006/relationships" xmlns:p="http://schemas.openxmlformats.org/presentationml/2006/main">
+  <p:cSld>
+    <p:spTree>
+      <p:nvGrpSpPr>
+        <p:cNvPr id="1" name=""/>
+        <p:cNvGrpSpPr/>
+        <p:nvPr/>
+      </p:nvGrpSpPr>
+      <p:grpSpPr>
+        <a:xfrm>
+          <a:off x="0" y="0"/>
+          <a:ext cx="0" cy="0"/>
+          <a:chOff x="0" y="0"/>
+          <a:chExt cx="0" cy="0"/>
+        </a:xfrm>
+      </p:grpSpPr>
+      <p:sp>
+        <p:nvSpPr>
+          <p:cNvPr id="2" name="Title 1">
+            <a:extLst>
+              <a:ext uri="{FF2B5EF4-FFF2-40B4-BE49-F238E27FC236}">
+                <a16:creationId xmlns:a16="http://schemas.microsoft.com/office/drawing/2014/main" id="{7A444BF2-760E-ACFF-9D47-8CD55864F041}"/>
+              </a:ext>
+            </a:extLst>
+          </p:cNvPr>
+          <p:cNvSpPr>
+            <a:spLocks noGrp="1"/>
+          </p:cNvSpPr>
+          <p:nvPr>
+            <p:ph type="title"/>
+          </p:nvPr>
+        </p:nvSpPr>
+        <p:spPr/>
+        <p:txBody>
+          <a:bodyPr/>
+          <a:lstStyle/>
+          <a:p>
+            <a:r>
+              <a:rPr lang="en-US" dirty="0"/>
+              <a:t>Testing</a:t>
+            </a:r>
+          </a:p>
+        </p:txBody>
+      </p:sp>
+      <p:sp>
+        <p:nvSpPr>
+          <p:cNvPr id="4" name="Date Placeholder 3">
+            <a:extLst>
+              <a:ext uri="{FF2B5EF4-FFF2-40B4-BE49-F238E27FC236}">
+                <a16:creationId xmlns:a16="http://schemas.microsoft.com/office/drawing/2014/main" id="{3D007EBF-3EAA-5C86-41DB-7CFE928B1054}"/>
+              </a:ext>
+            </a:extLst>
+          </p:cNvPr>
+          <p:cNvSpPr>
+            <a:spLocks noGrp="1"/>
+          </p:cNvSpPr>
+          <p:nvPr>
+            <p:ph type="dt" sz="half" idx="10"/>
+          </p:nvPr>
+        </p:nvSpPr>
+        <p:spPr/>
+        <p:txBody>
+          <a:bodyPr/>
+          <a:lstStyle/>
+          <a:p>
+            <a:fld id="{F80D0F67-706E-4F75-BBA5-6710C842C9CA}" type="datetime1">
+              <a:rPr lang="en-US" smtClean="0"/>
+              <a:t>12/15/2023</a:t>
+            </a:fld>
+            <a:endParaRPr lang="en-US"/>
+          </a:p>
+        </p:txBody>
+      </p:sp>
+      <p:sp>
+        <p:nvSpPr>
+          <p:cNvPr id="5" name="Footer Placeholder 4">
+            <a:extLst>
+              <a:ext uri="{FF2B5EF4-FFF2-40B4-BE49-F238E27FC236}">
+                <a16:creationId xmlns:a16="http://schemas.microsoft.com/office/drawing/2014/main" id="{1C4FAACC-EAAF-BE85-558B-4FEE4B5782B0}"/>
+              </a:ext>
+            </a:extLst>
+          </p:cNvPr>
+          <p:cNvSpPr>
+            <a:spLocks noGrp="1"/>
+          </p:cNvSpPr>
+          <p:nvPr>
+            <p:ph type="ftr" sz="quarter" idx="11"/>
+          </p:nvPr>
+        </p:nvSpPr>
+        <p:spPr/>
+        <p:txBody>
+          <a:bodyPr/>
+          <a:lstStyle/>
+          <a:p>
+            <a:r>
+              <a:rPr lang="en-US" dirty="0"/>
+              <a:t>Menna-tullah Ahmed</a:t>
+            </a:r>
+          </a:p>
+        </p:txBody>
+      </p:sp>
+      <p:sp>
+        <p:nvSpPr>
+          <p:cNvPr id="6" name="Slide Number Placeholder 5">
+            <a:extLst>
+              <a:ext uri="{FF2B5EF4-FFF2-40B4-BE49-F238E27FC236}">
+                <a16:creationId xmlns:a16="http://schemas.microsoft.com/office/drawing/2014/main" id="{2C87872F-CC2D-F7AC-347A-2DE84688AAA3}"/>
+              </a:ext>
+            </a:extLst>
+          </p:cNvPr>
+          <p:cNvSpPr>
+            <a:spLocks noGrp="1"/>
+          </p:cNvSpPr>
+          <p:nvPr>
+            <p:ph type="sldNum" sz="quarter" idx="12"/>
+          </p:nvPr>
+        </p:nvSpPr>
+        <p:spPr/>
+        <p:txBody>
+          <a:bodyPr/>
+          <a:lstStyle/>
+          <a:p>
+            <a:fld id="{B568D961-7C42-4AF1-A1CA-E4683A0210D6}" type="slidenum">
+              <a:rPr lang="en-US" smtClean="0"/>
+              <a:t>31</a:t>
             </a:fld>
             <a:endParaRPr lang="en-US" dirty="0"/>
           </a:p>
@@ -22682,187 +23131,6 @@
 </p:sld>
 </file>
 
-<file path=ppt/slides/slide31.xml><?xml version="1.0" encoding="utf-8"?>
-<p:sld xmlns:a="http://schemas.openxmlformats.org/drawingml/2006/main" xmlns:r="http://schemas.openxmlformats.org/officeDocument/2006/relationships" xmlns:p="http://schemas.openxmlformats.org/presentationml/2006/main">
-  <p:cSld>
-    <p:spTree>
-      <p:nvGrpSpPr>
-        <p:cNvPr id="1" name=""/>
-        <p:cNvGrpSpPr/>
-        <p:nvPr/>
-      </p:nvGrpSpPr>
-      <p:grpSpPr>
-        <a:xfrm>
-          <a:off x="0" y="0"/>
-          <a:ext cx="0" cy="0"/>
-          <a:chOff x="0" y="0"/>
-          <a:chExt cx="0" cy="0"/>
-        </a:xfrm>
-      </p:grpSpPr>
-      <p:sp>
-        <p:nvSpPr>
-          <p:cNvPr id="2" name="Title 1">
-            <a:extLst>
-              <a:ext uri="{FF2B5EF4-FFF2-40B4-BE49-F238E27FC236}">
-                <a16:creationId xmlns:a16="http://schemas.microsoft.com/office/drawing/2014/main" id="{3709C759-DDB8-7925-52B4-B6D735F3024C}"/>
-              </a:ext>
-            </a:extLst>
-          </p:cNvPr>
-          <p:cNvSpPr>
-            <a:spLocks noGrp="1"/>
-          </p:cNvSpPr>
-          <p:nvPr>
-            <p:ph type="title"/>
-          </p:nvPr>
-        </p:nvSpPr>
-        <p:spPr/>
-        <p:txBody>
-          <a:bodyPr/>
-          <a:lstStyle/>
-          <a:p>
-            <a:r>
-              <a:rPr lang="en-US" dirty="0"/>
-              <a:t>Synthesis</a:t>
-            </a:r>
-          </a:p>
-        </p:txBody>
-      </p:sp>
-      <p:sp>
-        <p:nvSpPr>
-          <p:cNvPr id="3" name="Content Placeholder 2">
-            <a:extLst>
-              <a:ext uri="{FF2B5EF4-FFF2-40B4-BE49-F238E27FC236}">
-                <a16:creationId xmlns:a16="http://schemas.microsoft.com/office/drawing/2014/main" id="{D10480DA-16DB-23F8-1758-6DF823C57B10}"/>
-              </a:ext>
-            </a:extLst>
-          </p:cNvPr>
-          <p:cNvSpPr>
-            <a:spLocks noGrp="1"/>
-          </p:cNvSpPr>
-          <p:nvPr>
-            <p:ph idx="1"/>
-          </p:nvPr>
-        </p:nvSpPr>
-        <p:spPr/>
-        <p:txBody>
-          <a:bodyPr/>
-          <a:lstStyle/>
-          <a:p>
-            <a:r>
-              <a:rPr lang="en-US" dirty="0"/>
-              <a:t>Synthesis was performed on the Cyclone V FPGA (Chameleon96 Board).</a:t>
-            </a:r>
-          </a:p>
-          <a:p>
-            <a:r>
-              <a:rPr lang="en-US" dirty="0"/>
-              <a:t>Target Frequency :50 MHz.</a:t>
-            </a:r>
-          </a:p>
-          <a:p>
-            <a:r>
-              <a:rPr lang="en-US" dirty="0"/>
-              <a:t>Software: Quartus Prime Lite Edition.</a:t>
-            </a:r>
-          </a:p>
-        </p:txBody>
-      </p:sp>
-      <p:sp>
-        <p:nvSpPr>
-          <p:cNvPr id="4" name="Date Placeholder 3">
-            <a:extLst>
-              <a:ext uri="{FF2B5EF4-FFF2-40B4-BE49-F238E27FC236}">
-                <a16:creationId xmlns:a16="http://schemas.microsoft.com/office/drawing/2014/main" id="{859D9FEA-8953-52B4-05DF-FCCA5EF9F18C}"/>
-              </a:ext>
-            </a:extLst>
-          </p:cNvPr>
-          <p:cNvSpPr>
-            <a:spLocks noGrp="1"/>
-          </p:cNvSpPr>
-          <p:nvPr>
-            <p:ph type="dt" sz="half" idx="10"/>
-          </p:nvPr>
-        </p:nvSpPr>
-        <p:spPr/>
-        <p:txBody>
-          <a:bodyPr/>
-          <a:lstStyle/>
-          <a:p>
-            <a:fld id="{E1B179BD-CB2C-43CC-9806-AEC24876569E}" type="datetime1">
-              <a:rPr lang="en-US" smtClean="0"/>
-              <a:t>12/14/2023</a:t>
-            </a:fld>
-            <a:endParaRPr lang="en-US"/>
-          </a:p>
-        </p:txBody>
-      </p:sp>
-      <p:sp>
-        <p:nvSpPr>
-          <p:cNvPr id="5" name="Footer Placeholder 4">
-            <a:extLst>
-              <a:ext uri="{FF2B5EF4-FFF2-40B4-BE49-F238E27FC236}">
-                <a16:creationId xmlns:a16="http://schemas.microsoft.com/office/drawing/2014/main" id="{E65041E0-48D7-76B4-177E-A3A5282E6CE5}"/>
-              </a:ext>
-            </a:extLst>
-          </p:cNvPr>
-          <p:cNvSpPr>
-            <a:spLocks noGrp="1"/>
-          </p:cNvSpPr>
-          <p:nvPr>
-            <p:ph type="ftr" sz="quarter" idx="11"/>
-          </p:nvPr>
-        </p:nvSpPr>
-        <p:spPr/>
-        <p:txBody>
-          <a:bodyPr/>
-          <a:lstStyle/>
-          <a:p>
-            <a:endParaRPr lang="en-US" dirty="0"/>
-          </a:p>
-        </p:txBody>
-      </p:sp>
-      <p:sp>
-        <p:nvSpPr>
-          <p:cNvPr id="6" name="Slide Number Placeholder 5">
-            <a:extLst>
-              <a:ext uri="{FF2B5EF4-FFF2-40B4-BE49-F238E27FC236}">
-                <a16:creationId xmlns:a16="http://schemas.microsoft.com/office/drawing/2014/main" id="{4AAA283C-2221-1C8E-A600-5B2FC01ED4BA}"/>
-              </a:ext>
-            </a:extLst>
-          </p:cNvPr>
-          <p:cNvSpPr>
-            <a:spLocks noGrp="1"/>
-          </p:cNvSpPr>
-          <p:nvPr>
-            <p:ph type="sldNum" sz="quarter" idx="12"/>
-          </p:nvPr>
-        </p:nvSpPr>
-        <p:spPr/>
-        <p:txBody>
-          <a:bodyPr/>
-          <a:lstStyle/>
-          <a:p>
-            <a:fld id="{B568D961-7C42-4AF1-A1CA-E4683A0210D6}" type="slidenum">
-              <a:rPr lang="en-US" smtClean="0"/>
-              <a:t>31</a:t>
-            </a:fld>
-            <a:endParaRPr lang="en-US" dirty="0"/>
-          </a:p>
-        </p:txBody>
-      </p:sp>
-    </p:spTree>
-    <p:extLst>
-      <p:ext uri="{BB962C8B-B14F-4D97-AF65-F5344CB8AC3E}">
-        <p14:creationId xmlns:p14="http://schemas.microsoft.com/office/powerpoint/2010/main" val="3009849147"/>
-      </p:ext>
-    </p:extLst>
-  </p:cSld>
-  <p:clrMapOvr>
-    <a:masterClrMapping/>
-  </p:clrMapOvr>
-</p:sld>
-</file>
-
 <file path=ppt/slides/slide32.xml><?xml version="1.0" encoding="utf-8"?>
 <p:sld xmlns:a="http://schemas.openxmlformats.org/drawingml/2006/main" xmlns:r="http://schemas.openxmlformats.org/officeDocument/2006/relationships" xmlns:p="http://schemas.openxmlformats.org/presentationml/2006/main">
   <p:cSld>
@@ -22885,7 +23153,7 @@
           <p:cNvPr id="2" name="Title 1">
             <a:extLst>
               <a:ext uri="{FF2B5EF4-FFF2-40B4-BE49-F238E27FC236}">
-                <a16:creationId xmlns:a16="http://schemas.microsoft.com/office/drawing/2014/main" id="{5938BE7D-29BA-ECEB-8A97-4F12B3CA2F75}"/>
+                <a16:creationId xmlns:a16="http://schemas.microsoft.com/office/drawing/2014/main" id="{79C9C050-C382-7D65-0E89-B26D61B74ABC}"/>
               </a:ext>
             </a:extLst>
           </p:cNvPr>
@@ -22903,9 +23171,205 @@
           <a:p>
             <a:r>
               <a:rPr lang="en-US" dirty="0"/>
+              <a:t>Synthesis Results</a:t>
+            </a:r>
+          </a:p>
+        </p:txBody>
+      </p:sp>
+      <p:sp>
+        <p:nvSpPr>
+          <p:cNvPr id="3" name="Text Placeholder 2">
+            <a:extLst>
+              <a:ext uri="{FF2B5EF4-FFF2-40B4-BE49-F238E27FC236}">
+                <a16:creationId xmlns:a16="http://schemas.microsoft.com/office/drawing/2014/main" id="{838B935E-1EB0-454B-6788-EFD243C5CC98}"/>
+              </a:ext>
+            </a:extLst>
+          </p:cNvPr>
+          <p:cNvSpPr>
+            <a:spLocks noGrp="1"/>
+          </p:cNvSpPr>
+          <p:nvPr>
+            <p:ph type="body" idx="1"/>
+          </p:nvPr>
+        </p:nvSpPr>
+        <p:spPr/>
+        <p:txBody>
+          <a:bodyPr/>
+          <a:lstStyle/>
+          <a:p>
+            <a:pPr marL="342900" indent="-342900">
+              <a:buFont typeface="Arial" panose="020B0604020202020204" pitchFamily="34" charset="0"/>
+              <a:buChar char="•"/>
+            </a:pPr>
+            <a:r>
+              <a:rPr lang="en-US" dirty="0"/>
               <a:t>Timing Analysis</a:t>
             </a:r>
           </a:p>
+          <a:p>
+            <a:pPr marL="342900" indent="-342900">
+              <a:buFont typeface="Arial" panose="020B0604020202020204" pitchFamily="34" charset="0"/>
+              <a:buChar char="•"/>
+            </a:pPr>
+            <a:r>
+              <a:rPr lang="en-US" dirty="0"/>
+              <a:t>Resource Usage</a:t>
+            </a:r>
+          </a:p>
+          <a:p>
+            <a:pPr marL="342900" indent="-342900">
+              <a:buFont typeface="Arial" panose="020B0604020202020204" pitchFamily="34" charset="0"/>
+              <a:buChar char="•"/>
+            </a:pPr>
+            <a:r>
+              <a:rPr lang="en-US" dirty="0"/>
+              <a:t>Power Dissipation</a:t>
+            </a:r>
+          </a:p>
+        </p:txBody>
+      </p:sp>
+      <p:sp>
+        <p:nvSpPr>
+          <p:cNvPr id="4" name="Date Placeholder 3">
+            <a:extLst>
+              <a:ext uri="{FF2B5EF4-FFF2-40B4-BE49-F238E27FC236}">
+                <a16:creationId xmlns:a16="http://schemas.microsoft.com/office/drawing/2014/main" id="{8ABBE5E6-FAA3-62E5-FC3A-21937CEDF645}"/>
+              </a:ext>
+            </a:extLst>
+          </p:cNvPr>
+          <p:cNvSpPr>
+            <a:spLocks noGrp="1"/>
+          </p:cNvSpPr>
+          <p:nvPr>
+            <p:ph type="dt" sz="half" idx="10"/>
+          </p:nvPr>
+        </p:nvSpPr>
+        <p:spPr/>
+        <p:txBody>
+          <a:bodyPr/>
+          <a:lstStyle/>
+          <a:p>
+            <a:fld id="{5E495EDD-AF46-4F99-AFF8-9A32855DE174}" type="datetime1">
+              <a:rPr lang="en-US" smtClean="0"/>
+              <a:t>12/15/2023</a:t>
+            </a:fld>
+            <a:endParaRPr lang="en-US"/>
+          </a:p>
+        </p:txBody>
+      </p:sp>
+      <p:sp>
+        <p:nvSpPr>
+          <p:cNvPr id="5" name="Footer Placeholder 4">
+            <a:extLst>
+              <a:ext uri="{FF2B5EF4-FFF2-40B4-BE49-F238E27FC236}">
+                <a16:creationId xmlns:a16="http://schemas.microsoft.com/office/drawing/2014/main" id="{DE6CB572-DCE0-CB91-949B-2D909B1FB406}"/>
+              </a:ext>
+            </a:extLst>
+          </p:cNvPr>
+          <p:cNvSpPr>
+            <a:spLocks noGrp="1"/>
+          </p:cNvSpPr>
+          <p:nvPr>
+            <p:ph type="ftr" sz="quarter" idx="11"/>
+          </p:nvPr>
+        </p:nvSpPr>
+        <p:spPr/>
+        <p:txBody>
+          <a:bodyPr/>
+          <a:lstStyle/>
+          <a:p>
+            <a:r>
+              <a:rPr lang="en-US" dirty="0"/>
+              <a:t>Menna-tullah Ahmed</a:t>
+            </a:r>
+          </a:p>
+        </p:txBody>
+      </p:sp>
+      <p:sp>
+        <p:nvSpPr>
+          <p:cNvPr id="6" name="Slide Number Placeholder 5">
+            <a:extLst>
+              <a:ext uri="{FF2B5EF4-FFF2-40B4-BE49-F238E27FC236}">
+                <a16:creationId xmlns:a16="http://schemas.microsoft.com/office/drawing/2014/main" id="{681C6383-51C3-1C53-F64D-5349AC8D5E3D}"/>
+              </a:ext>
+            </a:extLst>
+          </p:cNvPr>
+          <p:cNvSpPr>
+            <a:spLocks noGrp="1"/>
+          </p:cNvSpPr>
+          <p:nvPr>
+            <p:ph type="sldNum" sz="quarter" idx="12"/>
+          </p:nvPr>
+        </p:nvSpPr>
+        <p:spPr/>
+        <p:txBody>
+          <a:bodyPr/>
+          <a:lstStyle/>
+          <a:p>
+            <a:fld id="{B568D961-7C42-4AF1-A1CA-E4683A0210D6}" type="slidenum">
+              <a:rPr lang="en-US" smtClean="0"/>
+              <a:t>32</a:t>
+            </a:fld>
+            <a:endParaRPr lang="en-US"/>
+          </a:p>
+        </p:txBody>
+      </p:sp>
+    </p:spTree>
+    <p:extLst>
+      <p:ext uri="{BB962C8B-B14F-4D97-AF65-F5344CB8AC3E}">
+        <p14:creationId xmlns:p14="http://schemas.microsoft.com/office/powerpoint/2010/main" val="1521706751"/>
+      </p:ext>
+    </p:extLst>
+  </p:cSld>
+  <p:clrMapOvr>
+    <a:masterClrMapping/>
+  </p:clrMapOvr>
+</p:sld>
+</file>
+
+<file path=ppt/slides/slide33.xml><?xml version="1.0" encoding="utf-8"?>
+<p:sld xmlns:a="http://schemas.openxmlformats.org/drawingml/2006/main" xmlns:r="http://schemas.openxmlformats.org/officeDocument/2006/relationships" xmlns:p="http://schemas.openxmlformats.org/presentationml/2006/main">
+  <p:cSld>
+    <p:spTree>
+      <p:nvGrpSpPr>
+        <p:cNvPr id="1" name=""/>
+        <p:cNvGrpSpPr/>
+        <p:nvPr/>
+      </p:nvGrpSpPr>
+      <p:grpSpPr>
+        <a:xfrm>
+          <a:off x="0" y="0"/>
+          <a:ext cx="0" cy="0"/>
+          <a:chOff x="0" y="0"/>
+          <a:chExt cx="0" cy="0"/>
+        </a:xfrm>
+      </p:grpSpPr>
+      <p:sp>
+        <p:nvSpPr>
+          <p:cNvPr id="2" name="Title 1">
+            <a:extLst>
+              <a:ext uri="{FF2B5EF4-FFF2-40B4-BE49-F238E27FC236}">
+                <a16:creationId xmlns:a16="http://schemas.microsoft.com/office/drawing/2014/main" id="{3709C759-DDB8-7925-52B4-B6D735F3024C}"/>
+              </a:ext>
+            </a:extLst>
+          </p:cNvPr>
+          <p:cNvSpPr>
+            <a:spLocks noGrp="1"/>
+          </p:cNvSpPr>
+          <p:nvPr>
+            <p:ph type="title"/>
+          </p:nvPr>
+        </p:nvSpPr>
+        <p:spPr/>
+        <p:txBody>
+          <a:bodyPr/>
+          <a:lstStyle/>
+          <a:p>
+            <a:r>
+              <a:rPr lang="en-US" dirty="0"/>
+              <a:t>Synthesis</a:t>
+            </a:r>
+          </a:p>
         </p:txBody>
       </p:sp>
       <p:sp>
@@ -22913,7 +23377,7 @@
           <p:cNvPr id="3" name="Content Placeholder 2">
             <a:extLst>
               <a:ext uri="{FF2B5EF4-FFF2-40B4-BE49-F238E27FC236}">
-                <a16:creationId xmlns:a16="http://schemas.microsoft.com/office/drawing/2014/main" id="{B75354F0-84DE-A157-064D-2434DE71946C}"/>
+                <a16:creationId xmlns:a16="http://schemas.microsoft.com/office/drawing/2014/main" id="{D10480DA-16DB-23F8-1758-6DF823C57B10}"/>
               </a:ext>
             </a:extLst>
           </p:cNvPr>
@@ -22931,47 +23395,19 @@
           <a:p>
             <a:r>
               <a:rPr lang="en-US" dirty="0"/>
-              <a:t>MCMM was run on the following corners:</a:t>
-            </a:r>
-          </a:p>
-          <a:p>
-            <a:pPr lvl="1"/>
-            <a:r>
-              <a:rPr lang="en-US" b="0" i="0" dirty="0">
-                <a:effectLst/>
-                <a:latin typeface="Arial" panose="020B0604020202020204" pitchFamily="34" charset="0"/>
-              </a:rPr>
-              <a:t>Slow 1100mV 100C</a:t>
-            </a:r>
-          </a:p>
-          <a:p>
-            <a:pPr lvl="1"/>
-            <a:r>
-              <a:rPr lang="en-US" b="0" i="0" dirty="0">
-                <a:effectLst/>
-                <a:latin typeface="Arial" panose="020B0604020202020204" pitchFamily="34" charset="0"/>
-              </a:rPr>
-              <a:t>Slow 1100mV -40C</a:t>
-            </a:r>
-          </a:p>
-          <a:p>
-            <a:pPr lvl="1"/>
-            <a:r>
-              <a:rPr lang="en-US" b="0" i="0" dirty="0">
-                <a:effectLst/>
-                <a:latin typeface="Arial" panose="020B0604020202020204" pitchFamily="34" charset="0"/>
-              </a:rPr>
-              <a:t>Fast 1100mV 100C</a:t>
-            </a:r>
-          </a:p>
-          <a:p>
-            <a:pPr lvl="1"/>
-            <a:r>
-              <a:rPr lang="en-US" b="0" i="0" dirty="0">
-                <a:effectLst/>
-                <a:latin typeface="Arial" panose="020B0604020202020204" pitchFamily="34" charset="0"/>
-              </a:rPr>
-              <a:t>Fast 1100mV -40C</a:t>
+              <a:t>Synthesis was performed on the Cyclone V FPGA (Chameleon96 Board).</a:t>
+            </a:r>
+          </a:p>
+          <a:p>
+            <a:r>
+              <a:rPr lang="en-US" dirty="0"/>
+              <a:t>Target Frequency :50 MHz.</a:t>
+            </a:r>
+          </a:p>
+          <a:p>
+            <a:r>
+              <a:rPr lang="en-US" dirty="0"/>
+              <a:t>Software: Quartus Prime Lite Edition.</a:t>
             </a:r>
           </a:p>
         </p:txBody>
@@ -22981,7 +23417,7 @@
           <p:cNvPr id="4" name="Date Placeholder 3">
             <a:extLst>
               <a:ext uri="{FF2B5EF4-FFF2-40B4-BE49-F238E27FC236}">
-                <a16:creationId xmlns:a16="http://schemas.microsoft.com/office/drawing/2014/main" id="{18AE466F-D529-5A52-84A9-6C26B2861688}"/>
+                <a16:creationId xmlns:a16="http://schemas.microsoft.com/office/drawing/2014/main" id="{859D9FEA-8953-52B4-05DF-FCCA5EF9F18C}"/>
               </a:ext>
             </a:extLst>
           </p:cNvPr>
@@ -22997,9 +23433,9 @@
           <a:bodyPr/>
           <a:lstStyle/>
           <a:p>
-            <a:fld id="{E1B179BD-CB2C-43CC-9806-AEC24876569E}" type="datetime1">
+            <a:fld id="{99C80060-31A3-4DBB-AD15-73834FE08C5D}" type="datetime1">
               <a:rPr lang="en-US" smtClean="0"/>
-              <a:t>12/14/2023</a:t>
+              <a:t>12/15/2023</a:t>
             </a:fld>
             <a:endParaRPr lang="en-US"/>
           </a:p>
@@ -23010,7 +23446,7 @@
           <p:cNvPr id="5" name="Footer Placeholder 4">
             <a:extLst>
               <a:ext uri="{FF2B5EF4-FFF2-40B4-BE49-F238E27FC236}">
-                <a16:creationId xmlns:a16="http://schemas.microsoft.com/office/drawing/2014/main" id="{E7901CCB-02CD-8877-5EEF-63EE5558BAF8}"/>
+                <a16:creationId xmlns:a16="http://schemas.microsoft.com/office/drawing/2014/main" id="{E65041E0-48D7-76B4-177E-A3A5282E6CE5}"/>
               </a:ext>
             </a:extLst>
           </p:cNvPr>
@@ -23026,7 +23462,10 @@
           <a:bodyPr/>
           <a:lstStyle/>
           <a:p>
-            <a:endParaRPr lang="en-US" dirty="0"/>
+            <a:r>
+              <a:rPr lang="en-US" dirty="0"/>
+              <a:t>Menna-tullah Ahmed</a:t>
+            </a:r>
           </a:p>
         </p:txBody>
       </p:sp>
@@ -23035,7 +23474,7 @@
           <p:cNvPr id="6" name="Slide Number Placeholder 5">
             <a:extLst>
               <a:ext uri="{FF2B5EF4-FFF2-40B4-BE49-F238E27FC236}">
-                <a16:creationId xmlns:a16="http://schemas.microsoft.com/office/drawing/2014/main" id="{9208B8C5-C7FD-F70F-51FC-2E1F95DBDA49}"/>
+                <a16:creationId xmlns:a16="http://schemas.microsoft.com/office/drawing/2014/main" id="{4AAA283C-2221-1C8E-A600-5B2FC01ED4BA}"/>
               </a:ext>
             </a:extLst>
           </p:cNvPr>
@@ -23053,7 +23492,219 @@
           <a:p>
             <a:fld id="{B568D961-7C42-4AF1-A1CA-E4683A0210D6}" type="slidenum">
               <a:rPr lang="en-US" smtClean="0"/>
-              <a:t>32</a:t>
+              <a:t>33</a:t>
+            </a:fld>
+            <a:endParaRPr lang="en-US" dirty="0"/>
+          </a:p>
+        </p:txBody>
+      </p:sp>
+    </p:spTree>
+    <p:extLst>
+      <p:ext uri="{BB962C8B-B14F-4D97-AF65-F5344CB8AC3E}">
+        <p14:creationId xmlns:p14="http://schemas.microsoft.com/office/powerpoint/2010/main" val="3009849147"/>
+      </p:ext>
+    </p:extLst>
+  </p:cSld>
+  <p:clrMapOvr>
+    <a:masterClrMapping/>
+  </p:clrMapOvr>
+</p:sld>
+</file>
+
+<file path=ppt/slides/slide34.xml><?xml version="1.0" encoding="utf-8"?>
+<p:sld xmlns:a="http://schemas.openxmlformats.org/drawingml/2006/main" xmlns:r="http://schemas.openxmlformats.org/officeDocument/2006/relationships" xmlns:p="http://schemas.openxmlformats.org/presentationml/2006/main">
+  <p:cSld>
+    <p:spTree>
+      <p:nvGrpSpPr>
+        <p:cNvPr id="1" name=""/>
+        <p:cNvGrpSpPr/>
+        <p:nvPr/>
+      </p:nvGrpSpPr>
+      <p:grpSpPr>
+        <a:xfrm>
+          <a:off x="0" y="0"/>
+          <a:ext cx="0" cy="0"/>
+          <a:chOff x="0" y="0"/>
+          <a:chExt cx="0" cy="0"/>
+        </a:xfrm>
+      </p:grpSpPr>
+      <p:sp>
+        <p:nvSpPr>
+          <p:cNvPr id="2" name="Title 1">
+            <a:extLst>
+              <a:ext uri="{FF2B5EF4-FFF2-40B4-BE49-F238E27FC236}">
+                <a16:creationId xmlns:a16="http://schemas.microsoft.com/office/drawing/2014/main" id="{5938BE7D-29BA-ECEB-8A97-4F12B3CA2F75}"/>
+              </a:ext>
+            </a:extLst>
+          </p:cNvPr>
+          <p:cNvSpPr>
+            <a:spLocks noGrp="1"/>
+          </p:cNvSpPr>
+          <p:nvPr>
+            <p:ph type="title"/>
+          </p:nvPr>
+        </p:nvSpPr>
+        <p:spPr/>
+        <p:txBody>
+          <a:bodyPr/>
+          <a:lstStyle/>
+          <a:p>
+            <a:r>
+              <a:rPr lang="en-US" dirty="0"/>
+              <a:t>Timing Analysis</a:t>
+            </a:r>
+          </a:p>
+        </p:txBody>
+      </p:sp>
+      <p:sp>
+        <p:nvSpPr>
+          <p:cNvPr id="3" name="Content Placeholder 2">
+            <a:extLst>
+              <a:ext uri="{FF2B5EF4-FFF2-40B4-BE49-F238E27FC236}">
+                <a16:creationId xmlns:a16="http://schemas.microsoft.com/office/drawing/2014/main" id="{B75354F0-84DE-A157-064D-2434DE71946C}"/>
+              </a:ext>
+            </a:extLst>
+          </p:cNvPr>
+          <p:cNvSpPr>
+            <a:spLocks noGrp="1"/>
+          </p:cNvSpPr>
+          <p:nvPr>
+            <p:ph idx="1"/>
+          </p:nvPr>
+        </p:nvSpPr>
+        <p:spPr/>
+        <p:txBody>
+          <a:bodyPr/>
+          <a:lstStyle/>
+          <a:p>
+            <a:r>
+              <a:rPr lang="en-US" dirty="0"/>
+              <a:t>MCMM was run on the following corners:</a:t>
+            </a:r>
+          </a:p>
+          <a:p>
+            <a:pPr lvl="1"/>
+            <a:r>
+              <a:rPr lang="en-US" b="0" i="0" dirty="0">
+                <a:effectLst/>
+                <a:latin typeface="Arial" panose="020B0604020202020204" pitchFamily="34" charset="0"/>
+              </a:rPr>
+              <a:t>Slow 1100mV 100C</a:t>
+            </a:r>
+          </a:p>
+          <a:p>
+            <a:pPr lvl="1"/>
+            <a:r>
+              <a:rPr lang="en-US" b="0" i="0" dirty="0">
+                <a:effectLst/>
+                <a:latin typeface="Arial" panose="020B0604020202020204" pitchFamily="34" charset="0"/>
+              </a:rPr>
+              <a:t>Slow 1100mV -40C</a:t>
+            </a:r>
+          </a:p>
+          <a:p>
+            <a:pPr lvl="1"/>
+            <a:r>
+              <a:rPr lang="en-US" b="0" i="0" dirty="0">
+                <a:effectLst/>
+                <a:latin typeface="Arial" panose="020B0604020202020204" pitchFamily="34" charset="0"/>
+              </a:rPr>
+              <a:t>Fast 1100mV 100C</a:t>
+            </a:r>
+          </a:p>
+          <a:p>
+            <a:pPr lvl="1"/>
+            <a:r>
+              <a:rPr lang="en-US" b="0" i="0" dirty="0">
+                <a:effectLst/>
+                <a:latin typeface="Arial" panose="020B0604020202020204" pitchFamily="34" charset="0"/>
+              </a:rPr>
+              <a:t>Fast 1100mV -40C</a:t>
+            </a:r>
+          </a:p>
+        </p:txBody>
+      </p:sp>
+      <p:sp>
+        <p:nvSpPr>
+          <p:cNvPr id="4" name="Date Placeholder 3">
+            <a:extLst>
+              <a:ext uri="{FF2B5EF4-FFF2-40B4-BE49-F238E27FC236}">
+                <a16:creationId xmlns:a16="http://schemas.microsoft.com/office/drawing/2014/main" id="{18AE466F-D529-5A52-84A9-6C26B2861688}"/>
+              </a:ext>
+            </a:extLst>
+          </p:cNvPr>
+          <p:cNvSpPr>
+            <a:spLocks noGrp="1"/>
+          </p:cNvSpPr>
+          <p:nvPr>
+            <p:ph type="dt" sz="half" idx="10"/>
+          </p:nvPr>
+        </p:nvSpPr>
+        <p:spPr/>
+        <p:txBody>
+          <a:bodyPr/>
+          <a:lstStyle/>
+          <a:p>
+            <a:fld id="{DE50D714-E128-4456-8BE1-E9ADADCF80D0}" type="datetime1">
+              <a:rPr lang="en-US" smtClean="0"/>
+              <a:t>12/15/2023</a:t>
+            </a:fld>
+            <a:endParaRPr lang="en-US"/>
+          </a:p>
+        </p:txBody>
+      </p:sp>
+      <p:sp>
+        <p:nvSpPr>
+          <p:cNvPr id="5" name="Footer Placeholder 4">
+            <a:extLst>
+              <a:ext uri="{FF2B5EF4-FFF2-40B4-BE49-F238E27FC236}">
+                <a16:creationId xmlns:a16="http://schemas.microsoft.com/office/drawing/2014/main" id="{E7901CCB-02CD-8877-5EEF-63EE5558BAF8}"/>
+              </a:ext>
+            </a:extLst>
+          </p:cNvPr>
+          <p:cNvSpPr>
+            <a:spLocks noGrp="1"/>
+          </p:cNvSpPr>
+          <p:nvPr>
+            <p:ph type="ftr" sz="quarter" idx="11"/>
+          </p:nvPr>
+        </p:nvSpPr>
+        <p:spPr/>
+        <p:txBody>
+          <a:bodyPr/>
+          <a:lstStyle/>
+          <a:p>
+            <a:r>
+              <a:rPr lang="en-US" dirty="0"/>
+              <a:t>Menna-tullah Ahmed</a:t>
+            </a:r>
+          </a:p>
+        </p:txBody>
+      </p:sp>
+      <p:sp>
+        <p:nvSpPr>
+          <p:cNvPr id="6" name="Slide Number Placeholder 5">
+            <a:extLst>
+              <a:ext uri="{FF2B5EF4-FFF2-40B4-BE49-F238E27FC236}">
+                <a16:creationId xmlns:a16="http://schemas.microsoft.com/office/drawing/2014/main" id="{9208B8C5-C7FD-F70F-51FC-2E1F95DBDA49}"/>
+              </a:ext>
+            </a:extLst>
+          </p:cNvPr>
+          <p:cNvSpPr>
+            <a:spLocks noGrp="1"/>
+          </p:cNvSpPr>
+          <p:nvPr>
+            <p:ph type="sldNum" sz="quarter" idx="12"/>
+          </p:nvPr>
+        </p:nvSpPr>
+        <p:spPr/>
+        <p:txBody>
+          <a:bodyPr/>
+          <a:lstStyle/>
+          <a:p>
+            <a:fld id="{B568D961-7C42-4AF1-A1CA-E4683A0210D6}" type="slidenum">
+              <a:rPr lang="en-US" smtClean="0"/>
+              <a:t>34</a:t>
             </a:fld>
             <a:endParaRPr lang="en-US" dirty="0"/>
           </a:p>
@@ -23072,7 +23723,7 @@
 </p:sld>
 </file>
 
-<file path=ppt/slides/slide33.xml><?xml version="1.0" encoding="utf-8"?>
+<file path=ppt/slides/slide35.xml><?xml version="1.0" encoding="utf-8"?>
 <p:sld xmlns:a="http://schemas.openxmlformats.org/drawingml/2006/main" xmlns:r="http://schemas.openxmlformats.org/officeDocument/2006/relationships" xmlns:p="http://schemas.openxmlformats.org/presentationml/2006/main">
   <p:cSld>
     <p:spTree>
@@ -23576,9 +24227,9 @@
           <a:bodyPr/>
           <a:lstStyle/>
           <a:p>
-            <a:fld id="{E1B179BD-CB2C-43CC-9806-AEC24876569E}" type="datetime1">
+            <a:fld id="{A4DAA60C-438E-4B49-BCBF-40F5449BC7BD}" type="datetime1">
               <a:rPr lang="en-US" smtClean="0"/>
-              <a:t>12/14/2023</a:t>
+              <a:t>12/15/2023</a:t>
             </a:fld>
             <a:endParaRPr lang="en-US"/>
           </a:p>
@@ -23605,7 +24256,10 @@
           <a:bodyPr/>
           <a:lstStyle/>
           <a:p>
-            <a:endParaRPr lang="en-US" dirty="0"/>
+            <a:r>
+              <a:rPr lang="en-US" dirty="0"/>
+              <a:t>Menna-tullah Ahmed</a:t>
+            </a:r>
           </a:p>
         </p:txBody>
       </p:sp>
@@ -23632,7 +24286,7 @@
           <a:p>
             <a:fld id="{B568D961-7C42-4AF1-A1CA-E4683A0210D6}" type="slidenum">
               <a:rPr lang="en-US" smtClean="0"/>
-              <a:t>33</a:t>
+              <a:t>35</a:t>
             </a:fld>
             <a:endParaRPr lang="en-US" dirty="0"/>
           </a:p>
@@ -23651,7 +24305,7 @@
 </p:sld>
 </file>
 
-<file path=ppt/slides/slide34.xml><?xml version="1.0" encoding="utf-8"?>
+<file path=ppt/slides/slide36.xml><?xml version="1.0" encoding="utf-8"?>
 <p:sld xmlns:a="http://schemas.openxmlformats.org/drawingml/2006/main" xmlns:r="http://schemas.openxmlformats.org/officeDocument/2006/relationships" xmlns:p="http://schemas.openxmlformats.org/presentationml/2006/main">
   <p:cSld>
     <p:spTree>
@@ -24302,9 +24956,9 @@
           <a:bodyPr/>
           <a:lstStyle/>
           <a:p>
-            <a:fld id="{E1B179BD-CB2C-43CC-9806-AEC24876569E}" type="datetime1">
+            <a:fld id="{C64E60A4-0631-453C-9C97-BC940C9EAF4B}" type="datetime1">
               <a:rPr lang="en-US" smtClean="0"/>
-              <a:t>12/14/2023</a:t>
+              <a:t>12/15/2023</a:t>
             </a:fld>
             <a:endParaRPr lang="en-US"/>
           </a:p>
@@ -24331,7 +24985,10 @@
           <a:bodyPr/>
           <a:lstStyle/>
           <a:p>
-            <a:endParaRPr lang="en-US" dirty="0"/>
+            <a:r>
+              <a:rPr lang="en-US" dirty="0"/>
+              <a:t>Menna-tullah Ahmed</a:t>
+            </a:r>
           </a:p>
         </p:txBody>
       </p:sp>
@@ -24358,7 +25015,7 @@
           <a:p>
             <a:fld id="{B568D961-7C42-4AF1-A1CA-E4683A0210D6}" type="slidenum">
               <a:rPr lang="en-US" smtClean="0"/>
-              <a:t>34</a:t>
+              <a:t>36</a:t>
             </a:fld>
             <a:endParaRPr lang="en-US" dirty="0"/>
           </a:p>
@@ -24377,7 +25034,7 @@
 </p:sld>
 </file>
 
-<file path=ppt/slides/slide35.xml><?xml version="1.0" encoding="utf-8"?>
+<file path=ppt/slides/slide37.xml><?xml version="1.0" encoding="utf-8"?>
 <p:sld xmlns:a="http://schemas.openxmlformats.org/drawingml/2006/main" xmlns:r="http://schemas.openxmlformats.org/officeDocument/2006/relationships" xmlns:p="http://schemas.openxmlformats.org/presentationml/2006/main">
   <p:cSld>
     <p:spTree>
@@ -24824,9 +25481,9 @@
           <a:bodyPr/>
           <a:lstStyle/>
           <a:p>
-            <a:fld id="{E1B179BD-CB2C-43CC-9806-AEC24876569E}" type="datetime1">
+            <a:fld id="{1AA6CC1F-0980-4889-BF49-126B558EBE06}" type="datetime1">
               <a:rPr lang="en-US" smtClean="0"/>
-              <a:t>12/14/2023</a:t>
+              <a:t>12/15/2023</a:t>
             </a:fld>
             <a:endParaRPr lang="en-US"/>
           </a:p>
@@ -24853,7 +25510,10 @@
           <a:bodyPr/>
           <a:lstStyle/>
           <a:p>
-            <a:endParaRPr lang="en-US" dirty="0"/>
+            <a:r>
+              <a:rPr lang="en-US" dirty="0"/>
+              <a:t>Menna-tullah Ahmed</a:t>
+            </a:r>
           </a:p>
         </p:txBody>
       </p:sp>
@@ -24880,7 +25540,7 @@
           <a:p>
             <a:fld id="{B568D961-7C42-4AF1-A1CA-E4683A0210D6}" type="slidenum">
               <a:rPr lang="en-US" smtClean="0"/>
-              <a:t>35</a:t>
+              <a:t>37</a:t>
             </a:fld>
             <a:endParaRPr lang="en-US" dirty="0"/>
           </a:p>
@@ -24899,7 +25559,7 @@
 </p:sld>
 </file>
 
-<file path=ppt/slides/slide36.xml><?xml version="1.0" encoding="utf-8"?>
+<file path=ppt/slides/slide38.xml><?xml version="1.0" encoding="utf-8"?>
 <p:sld xmlns:a="http://schemas.openxmlformats.org/drawingml/2006/main" xmlns:r="http://schemas.openxmlformats.org/officeDocument/2006/relationships" xmlns:p="http://schemas.openxmlformats.org/presentationml/2006/main">
   <p:cSld>
     <p:spTree>
@@ -25014,9 +25674,9 @@
           <a:bodyPr/>
           <a:lstStyle/>
           <a:p>
-            <a:fld id="{E1B179BD-CB2C-43CC-9806-AEC24876569E}" type="datetime1">
+            <a:fld id="{679789AB-8FB8-4244-BCD0-CC09235E30B0}" type="datetime1">
               <a:rPr lang="en-US" smtClean="0"/>
-              <a:t>12/14/2023</a:t>
+              <a:t>12/15/2023</a:t>
             </a:fld>
             <a:endParaRPr lang="en-US"/>
           </a:p>
@@ -25043,7 +25703,10 @@
           <a:bodyPr/>
           <a:lstStyle/>
           <a:p>
-            <a:endParaRPr lang="en-US" dirty="0"/>
+            <a:r>
+              <a:rPr lang="en-US" dirty="0"/>
+              <a:t>Menna-tullah Ahmed</a:t>
+            </a:r>
           </a:p>
         </p:txBody>
       </p:sp>
@@ -25070,7 +25733,7 @@
           <a:p>
             <a:fld id="{B568D961-7C42-4AF1-A1CA-E4683A0210D6}" type="slidenum">
               <a:rPr lang="en-US" smtClean="0"/>
-              <a:t>36</a:t>
+              <a:t>38</a:t>
             </a:fld>
             <a:endParaRPr lang="en-US" dirty="0"/>
           </a:p>
@@ -25080,6 +25743,173 @@
     <p:extLst>
       <p:ext uri="{BB962C8B-B14F-4D97-AF65-F5344CB8AC3E}">
         <p14:creationId xmlns:p14="http://schemas.microsoft.com/office/powerpoint/2010/main" val="1495212035"/>
+      </p:ext>
+    </p:extLst>
+  </p:cSld>
+  <p:clrMapOvr>
+    <a:masterClrMapping/>
+  </p:clrMapOvr>
+</p:sld>
+</file>
+
+<file path=ppt/slides/slide39.xml><?xml version="1.0" encoding="utf-8"?>
+<p:sld xmlns:a="http://schemas.openxmlformats.org/drawingml/2006/main" xmlns:r="http://schemas.openxmlformats.org/officeDocument/2006/relationships" xmlns:p="http://schemas.openxmlformats.org/presentationml/2006/main">
+  <p:cSld>
+    <p:spTree>
+      <p:nvGrpSpPr>
+        <p:cNvPr id="1" name=""/>
+        <p:cNvGrpSpPr/>
+        <p:nvPr/>
+      </p:nvGrpSpPr>
+      <p:grpSpPr>
+        <a:xfrm>
+          <a:off x="0" y="0"/>
+          <a:ext cx="0" cy="0"/>
+          <a:chOff x="0" y="0"/>
+          <a:chExt cx="0" cy="0"/>
+        </a:xfrm>
+      </p:grpSpPr>
+      <p:sp>
+        <p:nvSpPr>
+          <p:cNvPr id="2" name="Title 1">
+            <a:extLst>
+              <a:ext uri="{FF2B5EF4-FFF2-40B4-BE49-F238E27FC236}">
+                <a16:creationId xmlns:a16="http://schemas.microsoft.com/office/drawing/2014/main" id="{BF69405A-A11B-7AB8-3923-8531B438C512}"/>
+              </a:ext>
+            </a:extLst>
+          </p:cNvPr>
+          <p:cNvSpPr>
+            <a:spLocks noGrp="1"/>
+          </p:cNvSpPr>
+          <p:nvPr>
+            <p:ph type="title"/>
+          </p:nvPr>
+        </p:nvSpPr>
+        <p:spPr/>
+        <p:txBody>
+          <a:bodyPr/>
+          <a:lstStyle/>
+          <a:p>
+            <a:r>
+              <a:rPr lang="en-US" dirty="0" err="1"/>
+              <a:t>Disscussion</a:t>
+            </a:r>
+            <a:endParaRPr lang="en-US" dirty="0"/>
+          </a:p>
+        </p:txBody>
+      </p:sp>
+      <p:sp>
+        <p:nvSpPr>
+          <p:cNvPr id="3" name="Text Placeholder 2">
+            <a:extLst>
+              <a:ext uri="{FF2B5EF4-FFF2-40B4-BE49-F238E27FC236}">
+                <a16:creationId xmlns:a16="http://schemas.microsoft.com/office/drawing/2014/main" id="{D6557350-26FB-48C1-E07F-38881063DFFC}"/>
+              </a:ext>
+            </a:extLst>
+          </p:cNvPr>
+          <p:cNvSpPr>
+            <a:spLocks noGrp="1"/>
+          </p:cNvSpPr>
+          <p:nvPr>
+            <p:ph type="body" idx="1"/>
+          </p:nvPr>
+        </p:nvSpPr>
+        <p:spPr/>
+        <p:txBody>
+          <a:bodyPr/>
+          <a:lstStyle/>
+          <a:p>
+            <a:endParaRPr lang="en-US"/>
+          </a:p>
+        </p:txBody>
+      </p:sp>
+      <p:sp>
+        <p:nvSpPr>
+          <p:cNvPr id="4" name="Date Placeholder 3">
+            <a:extLst>
+              <a:ext uri="{FF2B5EF4-FFF2-40B4-BE49-F238E27FC236}">
+                <a16:creationId xmlns:a16="http://schemas.microsoft.com/office/drawing/2014/main" id="{397DEFA8-8874-0001-552A-9DFD7ED6DF09}"/>
+              </a:ext>
+            </a:extLst>
+          </p:cNvPr>
+          <p:cNvSpPr>
+            <a:spLocks noGrp="1"/>
+          </p:cNvSpPr>
+          <p:nvPr>
+            <p:ph type="dt" sz="half" idx="10"/>
+          </p:nvPr>
+        </p:nvSpPr>
+        <p:spPr/>
+        <p:txBody>
+          <a:bodyPr/>
+          <a:lstStyle/>
+          <a:p>
+            <a:fld id="{5E495EDD-AF46-4F99-AFF8-9A32855DE174}" type="datetime1">
+              <a:rPr lang="en-US" smtClean="0"/>
+              <a:t>12/15/2023</a:t>
+            </a:fld>
+            <a:endParaRPr lang="en-US"/>
+          </a:p>
+        </p:txBody>
+      </p:sp>
+      <p:sp>
+        <p:nvSpPr>
+          <p:cNvPr id="5" name="Footer Placeholder 4">
+            <a:extLst>
+              <a:ext uri="{FF2B5EF4-FFF2-40B4-BE49-F238E27FC236}">
+                <a16:creationId xmlns:a16="http://schemas.microsoft.com/office/drawing/2014/main" id="{A09DE8BB-BDE2-800B-A576-1FE1BD9B0F27}"/>
+              </a:ext>
+            </a:extLst>
+          </p:cNvPr>
+          <p:cNvSpPr>
+            <a:spLocks noGrp="1"/>
+          </p:cNvSpPr>
+          <p:nvPr>
+            <p:ph type="ftr" sz="quarter" idx="11"/>
+          </p:nvPr>
+        </p:nvSpPr>
+        <p:spPr/>
+        <p:txBody>
+          <a:bodyPr/>
+          <a:lstStyle/>
+          <a:p>
+            <a:endParaRPr lang="en-US"/>
+          </a:p>
+        </p:txBody>
+      </p:sp>
+      <p:sp>
+        <p:nvSpPr>
+          <p:cNvPr id="6" name="Slide Number Placeholder 5">
+            <a:extLst>
+              <a:ext uri="{FF2B5EF4-FFF2-40B4-BE49-F238E27FC236}">
+                <a16:creationId xmlns:a16="http://schemas.microsoft.com/office/drawing/2014/main" id="{21FE30FA-FBDB-C3A3-1184-EDA2BE85B7D6}"/>
+              </a:ext>
+            </a:extLst>
+          </p:cNvPr>
+          <p:cNvSpPr>
+            <a:spLocks noGrp="1"/>
+          </p:cNvSpPr>
+          <p:nvPr>
+            <p:ph type="sldNum" sz="quarter" idx="12"/>
+          </p:nvPr>
+        </p:nvSpPr>
+        <p:spPr/>
+        <p:txBody>
+          <a:bodyPr/>
+          <a:lstStyle/>
+          <a:p>
+            <a:fld id="{B568D961-7C42-4AF1-A1CA-E4683A0210D6}" type="slidenum">
+              <a:rPr lang="en-US" smtClean="0"/>
+              <a:t>39</a:t>
+            </a:fld>
+            <a:endParaRPr lang="en-US"/>
+          </a:p>
+        </p:txBody>
+      </p:sp>
+    </p:spTree>
+    <p:extLst>
+      <p:ext uri="{BB962C8B-B14F-4D97-AF65-F5344CB8AC3E}">
+        <p14:creationId xmlns:p14="http://schemas.microsoft.com/office/powerpoint/2010/main" val="95228057"/>
       </p:ext>
     </p:extLst>
   </p:cSld>
@@ -25358,9 +26188,9 @@
           <a:bodyPr/>
           <a:lstStyle/>
           <a:p>
-            <a:fld id="{E1B179BD-CB2C-43CC-9806-AEC24876569E}" type="datetime1">
+            <a:fld id="{31245B37-4992-42F4-B4A9-D14C81DD274A}" type="datetime1">
               <a:rPr lang="en-US" smtClean="0"/>
-              <a:t>12/14/2023</a:t>
+              <a:t>12/15/2023</a:t>
             </a:fld>
             <a:endParaRPr lang="en-US"/>
           </a:p>
@@ -25389,7 +26219,7 @@
           <a:p>
             <a:r>
               <a:rPr lang="en-US" dirty="0"/>
-              <a:t>Omar Amer</a:t>
+              <a:t>Yahia Hatem</a:t>
             </a:r>
           </a:p>
         </p:txBody>
@@ -25427,6 +26257,172 @@
     <p:extLst>
       <p:ext uri="{BB962C8B-B14F-4D97-AF65-F5344CB8AC3E}">
         <p14:creationId xmlns:p14="http://schemas.microsoft.com/office/powerpoint/2010/main" val="3251884751"/>
+      </p:ext>
+    </p:extLst>
+  </p:cSld>
+  <p:clrMapOvr>
+    <a:masterClrMapping/>
+  </p:clrMapOvr>
+</p:sld>
+</file>
+
+<file path=ppt/slides/slide40.xml><?xml version="1.0" encoding="utf-8"?>
+<p:sld xmlns:a="http://schemas.openxmlformats.org/drawingml/2006/main" xmlns:r="http://schemas.openxmlformats.org/officeDocument/2006/relationships" xmlns:p="http://schemas.openxmlformats.org/presentationml/2006/main">
+  <p:cSld>
+    <p:spTree>
+      <p:nvGrpSpPr>
+        <p:cNvPr id="1" name=""/>
+        <p:cNvGrpSpPr/>
+        <p:nvPr/>
+      </p:nvGrpSpPr>
+      <p:grpSpPr>
+        <a:xfrm>
+          <a:off x="0" y="0"/>
+          <a:ext cx="0" cy="0"/>
+          <a:chOff x="0" y="0"/>
+          <a:chExt cx="0" cy="0"/>
+        </a:xfrm>
+      </p:grpSpPr>
+      <p:sp>
+        <p:nvSpPr>
+          <p:cNvPr id="2" name="Title 1">
+            <a:extLst>
+              <a:ext uri="{FF2B5EF4-FFF2-40B4-BE49-F238E27FC236}">
+                <a16:creationId xmlns:a16="http://schemas.microsoft.com/office/drawing/2014/main" id="{BDD76807-87DD-B5AB-E13B-CA4ACEC885E6}"/>
+              </a:ext>
+            </a:extLst>
+          </p:cNvPr>
+          <p:cNvSpPr>
+            <a:spLocks noGrp="1"/>
+          </p:cNvSpPr>
+          <p:nvPr>
+            <p:ph type="title"/>
+          </p:nvPr>
+        </p:nvSpPr>
+        <p:spPr/>
+        <p:txBody>
+          <a:bodyPr/>
+          <a:lstStyle/>
+          <a:p>
+            <a:r>
+              <a:rPr lang="en-US" dirty="0"/>
+              <a:t>Thank You.</a:t>
+            </a:r>
+          </a:p>
+        </p:txBody>
+      </p:sp>
+      <p:sp>
+        <p:nvSpPr>
+          <p:cNvPr id="3" name="Text Placeholder 2">
+            <a:extLst>
+              <a:ext uri="{FF2B5EF4-FFF2-40B4-BE49-F238E27FC236}">
+                <a16:creationId xmlns:a16="http://schemas.microsoft.com/office/drawing/2014/main" id="{0CC5AA1C-230F-A176-C33F-FDED67A19FA3}"/>
+              </a:ext>
+            </a:extLst>
+          </p:cNvPr>
+          <p:cNvSpPr>
+            <a:spLocks noGrp="1"/>
+          </p:cNvSpPr>
+          <p:nvPr>
+            <p:ph type="body" idx="1"/>
+          </p:nvPr>
+        </p:nvSpPr>
+        <p:spPr/>
+        <p:txBody>
+          <a:bodyPr/>
+          <a:lstStyle/>
+          <a:p>
+            <a:endParaRPr lang="en-US"/>
+          </a:p>
+        </p:txBody>
+      </p:sp>
+      <p:sp>
+        <p:nvSpPr>
+          <p:cNvPr id="4" name="Date Placeholder 3">
+            <a:extLst>
+              <a:ext uri="{FF2B5EF4-FFF2-40B4-BE49-F238E27FC236}">
+                <a16:creationId xmlns:a16="http://schemas.microsoft.com/office/drawing/2014/main" id="{DDDAD611-A69E-C160-4E14-13477289769B}"/>
+              </a:ext>
+            </a:extLst>
+          </p:cNvPr>
+          <p:cNvSpPr>
+            <a:spLocks noGrp="1"/>
+          </p:cNvSpPr>
+          <p:nvPr>
+            <p:ph type="dt" sz="half" idx="10"/>
+          </p:nvPr>
+        </p:nvSpPr>
+        <p:spPr/>
+        <p:txBody>
+          <a:bodyPr/>
+          <a:lstStyle/>
+          <a:p>
+            <a:fld id="{5E495EDD-AF46-4F99-AFF8-9A32855DE174}" type="datetime1">
+              <a:rPr lang="en-US" smtClean="0"/>
+              <a:t>12/15/2023</a:t>
+            </a:fld>
+            <a:endParaRPr lang="en-US"/>
+          </a:p>
+        </p:txBody>
+      </p:sp>
+      <p:sp>
+        <p:nvSpPr>
+          <p:cNvPr id="5" name="Footer Placeholder 4">
+            <a:extLst>
+              <a:ext uri="{FF2B5EF4-FFF2-40B4-BE49-F238E27FC236}">
+                <a16:creationId xmlns:a16="http://schemas.microsoft.com/office/drawing/2014/main" id="{D288CA18-D1A6-C935-6D5D-2203581425C2}"/>
+              </a:ext>
+            </a:extLst>
+          </p:cNvPr>
+          <p:cNvSpPr>
+            <a:spLocks noGrp="1"/>
+          </p:cNvSpPr>
+          <p:nvPr>
+            <p:ph type="ftr" sz="quarter" idx="11"/>
+          </p:nvPr>
+        </p:nvSpPr>
+        <p:spPr/>
+        <p:txBody>
+          <a:bodyPr/>
+          <a:lstStyle/>
+          <a:p>
+            <a:endParaRPr lang="en-US"/>
+          </a:p>
+        </p:txBody>
+      </p:sp>
+      <p:sp>
+        <p:nvSpPr>
+          <p:cNvPr id="6" name="Slide Number Placeholder 5">
+            <a:extLst>
+              <a:ext uri="{FF2B5EF4-FFF2-40B4-BE49-F238E27FC236}">
+                <a16:creationId xmlns:a16="http://schemas.microsoft.com/office/drawing/2014/main" id="{0EF36C3C-947C-8005-7026-0144A6AEE028}"/>
+              </a:ext>
+            </a:extLst>
+          </p:cNvPr>
+          <p:cNvSpPr>
+            <a:spLocks noGrp="1"/>
+          </p:cNvSpPr>
+          <p:nvPr>
+            <p:ph type="sldNum" sz="quarter" idx="12"/>
+          </p:nvPr>
+        </p:nvSpPr>
+        <p:spPr/>
+        <p:txBody>
+          <a:bodyPr/>
+          <a:lstStyle/>
+          <a:p>
+            <a:fld id="{B568D961-7C42-4AF1-A1CA-E4683A0210D6}" type="slidenum">
+              <a:rPr lang="en-US" smtClean="0"/>
+              <a:t>40</a:t>
+            </a:fld>
+            <a:endParaRPr lang="en-US"/>
+          </a:p>
+        </p:txBody>
+      </p:sp>
+    </p:spTree>
+    <p:extLst>
+      <p:ext uri="{BB962C8B-B14F-4D97-AF65-F5344CB8AC3E}">
+        <p14:creationId xmlns:p14="http://schemas.microsoft.com/office/powerpoint/2010/main" val="990284259"/>
       </p:ext>
     </p:extLst>
   </p:cSld>
@@ -25502,9 +26498,9 @@
           <a:bodyPr/>
           <a:lstStyle/>
           <a:p>
-            <a:fld id="{E1B179BD-CB2C-43CC-9806-AEC24876569E}" type="datetime1">
+            <a:fld id="{E6D21B73-67A0-44A4-99D5-19602444272E}" type="datetime1">
               <a:rPr lang="en-US" smtClean="0"/>
-              <a:t>12/14/2023</a:t>
+              <a:t>12/15/2023</a:t>
             </a:fld>
             <a:endParaRPr lang="en-US"/>
           </a:p>
@@ -25533,7 +26529,7 @@
           <a:p>
             <a:r>
               <a:rPr lang="en-US" dirty="0"/>
-              <a:t>Omar Amer</a:t>
+              <a:t>Yahia Hatem</a:t>
             </a:r>
           </a:p>
         </p:txBody>
@@ -25740,9 +26736,9 @@
           <a:bodyPr/>
           <a:lstStyle/>
           <a:p>
-            <a:fld id="{E1B179BD-CB2C-43CC-9806-AEC24876569E}" type="datetime1">
+            <a:fld id="{3E35DDB6-0D75-40FD-ADD6-2546B75FA50A}" type="datetime1">
               <a:rPr lang="en-US" smtClean="0"/>
-              <a:t>12/14/2023</a:t>
+              <a:t>12/15/2023</a:t>
             </a:fld>
             <a:endParaRPr lang="en-US"/>
           </a:p>
@@ -25771,7 +26767,7 @@
           <a:p>
             <a:r>
               <a:rPr lang="en-US" dirty="0"/>
-              <a:t>Omar Amer</a:t>
+              <a:t>Yahia Hatem</a:t>
             </a:r>
           </a:p>
         </p:txBody>
@@ -27064,9 +28060,9 @@
           <a:bodyPr/>
           <a:lstStyle/>
           <a:p>
-            <a:fld id="{E1B179BD-CB2C-43CC-9806-AEC24876569E}" type="datetime1">
+            <a:fld id="{714A5101-5EF4-4DE3-B4D6-5509DE3384DD}" type="datetime1">
               <a:rPr lang="en-US" smtClean="0"/>
-              <a:t>12/14/2023</a:t>
+              <a:t>12/15/2023</a:t>
             </a:fld>
             <a:endParaRPr lang="en-US"/>
           </a:p>
@@ -27095,7 +28091,7 @@
           <a:p>
             <a:r>
               <a:rPr lang="en-US" dirty="0"/>
-              <a:t>Omar Amer</a:t>
+              <a:t>Yahia Hatem</a:t>
             </a:r>
           </a:p>
         </p:txBody>
@@ -27233,9 +28229,9 @@
           <a:bodyPr/>
           <a:lstStyle/>
           <a:p>
-            <a:fld id="{F5C5917A-DA63-492C-ADDF-E59C661E1B0B}" type="datetime1">
+            <a:fld id="{ED14CD23-B93B-4376-BF87-BA5BE92A1D38}" type="datetime1">
               <a:rPr lang="en-US" smtClean="0"/>
-              <a:t>12/14/2023</a:t>
+              <a:t>12/15/2023</a:t>
             </a:fld>
             <a:endParaRPr lang="en-US"/>
           </a:p>
@@ -27264,7 +28260,7 @@
           <a:p>
             <a:r>
               <a:rPr lang="en-US" dirty="0"/>
-              <a:t>Omar Amer</a:t>
+              <a:t>Omar Amer &amp; Moustafa Darwish</a:t>
             </a:r>
           </a:p>
         </p:txBody>
@@ -27452,9 +28448,9 @@
           <a:bodyPr/>
           <a:lstStyle/>
           <a:p>
-            <a:fld id="{E1B179BD-CB2C-43CC-9806-AEC24876569E}" type="datetime1">
+            <a:fld id="{45A11FC6-E8D5-4C93-995D-5EB567D0714D}" type="datetime1">
               <a:rPr lang="en-US" smtClean="0"/>
-              <a:t>12/14/2023</a:t>
+              <a:t>12/15/2023</a:t>
             </a:fld>
             <a:endParaRPr lang="en-US"/>
           </a:p>

--- a/docs/Presentation/main.pptx
+++ b/docs/Presentation/main.pptx
@@ -24,14 +24,14 @@
     <p:sldId id="270" r:id="rId15"/>
     <p:sldId id="271" r:id="rId16"/>
     <p:sldId id="272" r:id="rId17"/>
-    <p:sldId id="273" r:id="rId18"/>
-    <p:sldId id="274" r:id="rId19"/>
-    <p:sldId id="275" r:id="rId20"/>
-    <p:sldId id="291" r:id="rId21"/>
-    <p:sldId id="276" r:id="rId22"/>
-    <p:sldId id="277" r:id="rId23"/>
-    <p:sldId id="278" r:id="rId24"/>
-    <p:sldId id="293" r:id="rId25"/>
+    <p:sldId id="274" r:id="rId18"/>
+    <p:sldId id="275" r:id="rId19"/>
+    <p:sldId id="291" r:id="rId20"/>
+    <p:sldId id="276" r:id="rId21"/>
+    <p:sldId id="277" r:id="rId22"/>
+    <p:sldId id="278" r:id="rId23"/>
+    <p:sldId id="293" r:id="rId24"/>
+    <p:sldId id="273" r:id="rId25"/>
     <p:sldId id="288" r:id="rId26"/>
     <p:sldId id="289" r:id="rId27"/>
     <p:sldId id="290" r:id="rId28"/>
@@ -3901,6 +3901,18 @@
   <p:clrMapOvr>
     <a:masterClrMapping/>
   </p:clrMapOvr>
+  <mc:AlternateContent xmlns:mc="http://schemas.openxmlformats.org/markup-compatibility/2006">
+    <mc:Choice xmlns:p14="http://schemas.microsoft.com/office/powerpoint/2010/main" Requires="p14">
+      <p:transition spd="med" p14:dur="700">
+        <p:fade/>
+      </p:transition>
+    </mc:Choice>
+    <mc:Fallback>
+      <p:transition spd="med">
+        <p:fade/>
+      </p:transition>
+    </mc:Fallback>
+  </mc:AlternateContent>
 </p:sld>
 </file>
 
@@ -3972,6 +3984,12 @@
           <a:p>
             <a:r>
               <a:rPr lang="en-US" dirty="0"/>
+              <a:t>32-Bit Message</a:t>
+            </a:r>
+          </a:p>
+          <a:p>
+            <a:r>
+              <a:rPr lang="en-US" dirty="0"/>
               <a:t>Modem supports four spreading factors:</a:t>
             </a:r>
           </a:p>
@@ -4112,11 +4130,23 @@
   <p:clrMapOvr>
     <a:masterClrMapping/>
   </p:clrMapOvr>
+  <mc:AlternateContent xmlns:mc="http://schemas.openxmlformats.org/markup-compatibility/2006">
+    <mc:Choice xmlns:p14="http://schemas.microsoft.com/office/powerpoint/2010/main" Requires="p14">
+      <p:transition spd="med" p14:dur="700">
+        <p:fade/>
+      </p:transition>
+    </mc:Choice>
+    <mc:Fallback>
+      <p:transition spd="med">
+        <p:fade/>
+      </p:transition>
+    </mc:Fallback>
+  </mc:AlternateContent>
 </p:sld>
 </file>
 
 <file path=ppt/slides/slide11.xml><?xml version="1.0" encoding="utf-8"?>
-<p:sld xmlns:a="http://schemas.openxmlformats.org/drawingml/2006/main" xmlns:r="http://schemas.openxmlformats.org/officeDocument/2006/relationships" xmlns:p="http://schemas.openxmlformats.org/presentationml/2006/main">
+<p:sld xmlns:a="http://schemas.openxmlformats.org/drawingml/2006/main" xmlns:r="http://schemas.openxmlformats.org/officeDocument/2006/relationships" xmlns:p="http://schemas.openxmlformats.org/presentationml/2006/main" show="0">
   <p:cSld>
     <p:spTree>
       <p:nvGrpSpPr>
@@ -4841,11 +4871,23 @@
   <p:clrMapOvr>
     <a:masterClrMapping/>
   </p:clrMapOvr>
+  <mc:AlternateContent xmlns:mc="http://schemas.openxmlformats.org/markup-compatibility/2006">
+    <mc:Choice xmlns:p14="http://schemas.microsoft.com/office/powerpoint/2010/main" Requires="p14">
+      <p:transition spd="med" p14:dur="700">
+        <p:fade/>
+      </p:transition>
+    </mc:Choice>
+    <mc:Fallback>
+      <p:transition spd="med">
+        <p:fade/>
+      </p:transition>
+    </mc:Fallback>
+  </mc:AlternateContent>
 </p:sld>
 </file>
 
 <file path=ppt/slides/slide12.xml><?xml version="1.0" encoding="utf-8"?>
-<p:sld xmlns:a="http://schemas.openxmlformats.org/drawingml/2006/main" xmlns:r="http://schemas.openxmlformats.org/officeDocument/2006/relationships" xmlns:p="http://schemas.openxmlformats.org/presentationml/2006/main">
+<p:sld xmlns:a="http://schemas.openxmlformats.org/drawingml/2006/main" xmlns:r="http://schemas.openxmlformats.org/officeDocument/2006/relationships" xmlns:p="http://schemas.openxmlformats.org/presentationml/2006/main" show="0">
   <p:cSld>
     <p:spTree>
       <p:nvGrpSpPr>
@@ -5058,11 +5100,23 @@
   <p:clrMapOvr>
     <a:masterClrMapping/>
   </p:clrMapOvr>
+  <mc:AlternateContent xmlns:mc="http://schemas.openxmlformats.org/markup-compatibility/2006">
+    <mc:Choice xmlns:p14="http://schemas.microsoft.com/office/powerpoint/2010/main" Requires="p14">
+      <p:transition spd="med" p14:dur="700">
+        <p:fade/>
+      </p:transition>
+    </mc:Choice>
+    <mc:Fallback>
+      <p:transition spd="med">
+        <p:fade/>
+      </p:transition>
+    </mc:Fallback>
+  </mc:AlternateContent>
 </p:sld>
 </file>
 
 <file path=ppt/slides/slide13.xml><?xml version="1.0" encoding="utf-8"?>
-<p:sld xmlns:a="http://schemas.openxmlformats.org/drawingml/2006/main" xmlns:r="http://schemas.openxmlformats.org/officeDocument/2006/relationships" xmlns:p="http://schemas.openxmlformats.org/presentationml/2006/main">
+<p:sld xmlns:a="http://schemas.openxmlformats.org/drawingml/2006/main" xmlns:r="http://schemas.openxmlformats.org/officeDocument/2006/relationships" xmlns:p="http://schemas.openxmlformats.org/presentationml/2006/main" show="0">
   <p:cSld>
     <p:spTree>
       <p:nvGrpSpPr>
@@ -5952,6 +6006,18 @@
   <p:clrMapOvr>
     <a:masterClrMapping/>
   </p:clrMapOvr>
+  <mc:AlternateContent xmlns:mc="http://schemas.openxmlformats.org/markup-compatibility/2006">
+    <mc:Choice xmlns:p14="http://schemas.microsoft.com/office/powerpoint/2010/main" Requires="p14">
+      <p:transition spd="med" p14:dur="700">
+        <p:fade/>
+      </p:transition>
+    </mc:Choice>
+    <mc:Fallback>
+      <p:transition spd="med">
+        <p:fade/>
+      </p:transition>
+    </mc:Fallback>
+  </mc:AlternateContent>
 </p:sld>
 </file>
 
@@ -6042,7 +6108,7 @@
           <a:p>
             <a:r>
               <a:rPr lang="en-US" dirty="0"/>
-              <a:t>Use the MSB of the bit index to detect the current half of the frame.</a:t>
+              <a:t>Use the MSB of the chip index to detect the current half of the frame.</a:t>
             </a:r>
           </a:p>
           <a:p>
@@ -6186,11 +6252,23 @@
   <p:clrMapOvr>
     <a:masterClrMapping/>
   </p:clrMapOvr>
+  <mc:AlternateContent xmlns:mc="http://schemas.openxmlformats.org/markup-compatibility/2006">
+    <mc:Choice xmlns:p14="http://schemas.microsoft.com/office/powerpoint/2010/main" Requires="p14">
+      <p:transition spd="med" p14:dur="700">
+        <p:fade/>
+      </p:transition>
+    </mc:Choice>
+    <mc:Fallback>
+      <p:transition spd="med">
+        <p:fade/>
+      </p:transition>
+    </mc:Fallback>
+  </mc:AlternateContent>
 </p:sld>
 </file>
 
 <file path=ppt/slides/slide15.xml><?xml version="1.0" encoding="utf-8"?>
-<p:sld xmlns:a="http://schemas.openxmlformats.org/drawingml/2006/main" xmlns:r="http://schemas.openxmlformats.org/officeDocument/2006/relationships" xmlns:p="http://schemas.openxmlformats.org/presentationml/2006/main">
+<p:sld xmlns:a="http://schemas.openxmlformats.org/drawingml/2006/main" xmlns:r="http://schemas.openxmlformats.org/officeDocument/2006/relationships" xmlns:p="http://schemas.openxmlformats.org/presentationml/2006/main" show="0">
   <p:cSld>
     <p:spTree>
       <p:nvGrpSpPr>
@@ -6392,11 +6470,23 @@
   <p:clrMapOvr>
     <a:masterClrMapping/>
   </p:clrMapOvr>
+  <mc:AlternateContent xmlns:mc="http://schemas.openxmlformats.org/markup-compatibility/2006">
+    <mc:Choice xmlns:p14="http://schemas.microsoft.com/office/powerpoint/2010/main" Requires="p14">
+      <p:transition spd="med" p14:dur="700">
+        <p:fade/>
+      </p:transition>
+    </mc:Choice>
+    <mc:Fallback>
+      <p:transition spd="med">
+        <p:fade/>
+      </p:transition>
+    </mc:Fallback>
+  </mc:AlternateContent>
 </p:sld>
 </file>
 
 <file path=ppt/slides/slide16.xml><?xml version="1.0" encoding="utf-8"?>
-<p:sld xmlns:a="http://schemas.openxmlformats.org/drawingml/2006/main" xmlns:r="http://schemas.openxmlformats.org/officeDocument/2006/relationships" xmlns:p="http://schemas.openxmlformats.org/presentationml/2006/main">
+<p:sld xmlns:a="http://schemas.openxmlformats.org/drawingml/2006/main" xmlns:r="http://schemas.openxmlformats.org/officeDocument/2006/relationships" xmlns:p="http://schemas.openxmlformats.org/presentationml/2006/main" show="0">
   <p:cSld>
     <p:spTree>
       <p:nvGrpSpPr>
@@ -6605,6 +6695,18 @@
   <p:clrMapOvr>
     <a:masterClrMapping/>
   </p:clrMapOvr>
+  <mc:AlternateContent xmlns:mc="http://schemas.openxmlformats.org/markup-compatibility/2006">
+    <mc:Choice xmlns:p14="http://schemas.microsoft.com/office/powerpoint/2010/main" Requires="p14">
+      <p:transition spd="med" p14:dur="700">
+        <p:fade/>
+      </p:transition>
+    </mc:Choice>
+    <mc:Fallback>
+      <p:transition spd="med">
+        <p:fade/>
+      </p:transition>
+    </mc:Fallback>
+  </mc:AlternateContent>
 </p:sld>
 </file>
 
@@ -6630,7 +6732,7 @@
           <p:cNvPr id="2" name="Title 1">
             <a:extLst>
               <a:ext uri="{FF2B5EF4-FFF2-40B4-BE49-F238E27FC236}">
-                <a16:creationId xmlns:a16="http://schemas.microsoft.com/office/drawing/2014/main" id="{391E5194-60CA-4690-D444-057DB7360240}"/>
+                <a16:creationId xmlns:a16="http://schemas.microsoft.com/office/drawing/2014/main" id="{568CDA5D-0AAA-AE5C-C233-ECF1E91392D7}"/>
               </a:ext>
             </a:extLst>
           </p:cNvPr>
@@ -6648,7 +6750,62 @@
           <a:p>
             <a:r>
               <a:rPr lang="en-US" dirty="0"/>
-              <a:t>Modulator</a:t>
+              <a:t>Chaos Generator</a:t>
+            </a:r>
+          </a:p>
+        </p:txBody>
+      </p:sp>
+      <p:sp>
+        <p:nvSpPr>
+          <p:cNvPr id="3" name="Content Placeholder 2">
+            <a:extLst>
+              <a:ext uri="{FF2B5EF4-FFF2-40B4-BE49-F238E27FC236}">
+                <a16:creationId xmlns:a16="http://schemas.microsoft.com/office/drawing/2014/main" id="{69CF16D8-1951-2E42-12D6-73D0CB1E0AF0}"/>
+              </a:ext>
+            </a:extLst>
+          </p:cNvPr>
+          <p:cNvSpPr>
+            <a:spLocks noGrp="1"/>
+          </p:cNvSpPr>
+          <p:nvPr>
+            <p:ph idx="1"/>
+          </p:nvPr>
+        </p:nvSpPr>
+        <p:spPr/>
+        <p:txBody>
+          <a:bodyPr/>
+          <a:lstStyle/>
+          <a:p>
+            <a:r>
+              <a:rPr lang="en-US" dirty="0"/>
+              <a:t>This module generates the required chaos bits for modulation.</a:t>
+            </a:r>
+          </a:p>
+          <a:p>
+            <a:r>
+              <a:rPr lang="en-US" dirty="0"/>
+              <a:t>It consists of three main parts:</a:t>
+            </a:r>
+          </a:p>
+          <a:p>
+            <a:pPr lvl="1"/>
+            <a:r>
+              <a:rPr lang="en-US" dirty="0"/>
+              <a:t>16-bit chaotic sequence generator.</a:t>
+            </a:r>
+          </a:p>
+          <a:p>
+            <a:pPr lvl="1"/>
+            <a:r>
+              <a:rPr lang="en-US" dirty="0"/>
+              <a:t>16-bit to 256-bit chaos expander.</a:t>
+            </a:r>
+          </a:p>
+          <a:p>
+            <a:pPr lvl="1"/>
+            <a:r>
+              <a:rPr lang="en-US" dirty="0"/>
+              <a:t>Chaos PISO.</a:t>
             </a:r>
           </a:p>
         </p:txBody>
@@ -6658,7 +6815,7 @@
           <p:cNvPr id="4" name="Date Placeholder 3">
             <a:extLst>
               <a:ext uri="{FF2B5EF4-FFF2-40B4-BE49-F238E27FC236}">
-                <a16:creationId xmlns:a16="http://schemas.microsoft.com/office/drawing/2014/main" id="{13CDCBEE-6BC5-DEE0-8FF1-268F3CB3F8B0}"/>
+                <a16:creationId xmlns:a16="http://schemas.microsoft.com/office/drawing/2014/main" id="{FDB66CFD-8EF0-6D84-8983-36DA750C1695}"/>
               </a:ext>
             </a:extLst>
           </p:cNvPr>
@@ -6674,7 +6831,7 @@
           <a:bodyPr/>
           <a:lstStyle/>
           <a:p>
-            <a:fld id="{D7FBBE81-0C03-4C66-814D-7E969E7EF9FB}" type="datetime1">
+            <a:fld id="{9D97ECED-A131-4A00-9931-67021DF151E1}" type="datetime1">
               <a:rPr lang="en-US" smtClean="0"/>
               <a:t>12/15/2023</a:t>
             </a:fld>
@@ -6687,7 +6844,7 @@
           <p:cNvPr id="5" name="Footer Placeholder 4">
             <a:extLst>
               <a:ext uri="{FF2B5EF4-FFF2-40B4-BE49-F238E27FC236}">
-                <a16:creationId xmlns:a16="http://schemas.microsoft.com/office/drawing/2014/main" id="{0C41E427-7A16-6F57-A7E2-4C33F2372CC9}"/>
+                <a16:creationId xmlns:a16="http://schemas.microsoft.com/office/drawing/2014/main" id="{933D3539-10E5-15C6-0761-C01FFA7F754E}"/>
               </a:ext>
             </a:extLst>
           </p:cNvPr>
@@ -6715,7 +6872,7 @@
           <p:cNvPr id="6" name="Slide Number Placeholder 5">
             <a:extLst>
               <a:ext uri="{FF2B5EF4-FFF2-40B4-BE49-F238E27FC236}">
-                <a16:creationId xmlns:a16="http://schemas.microsoft.com/office/drawing/2014/main" id="{19DC9A80-1A2F-AD7C-68A5-FDC39DB86280}"/>
+                <a16:creationId xmlns:a16="http://schemas.microsoft.com/office/drawing/2014/main" id="{843998B4-2CA2-A961-47A0-FF4166C5F64E}"/>
               </a:ext>
             </a:extLst>
           </p:cNvPr>
@@ -6734,6 +6891,1818 @@
             <a:fld id="{B568D961-7C42-4AF1-A1CA-E4683A0210D6}" type="slidenum">
               <a:rPr lang="en-US" smtClean="0"/>
               <a:t>17</a:t>
+            </a:fld>
+            <a:endParaRPr lang="en-US" dirty="0"/>
+          </a:p>
+        </p:txBody>
+      </p:sp>
+    </p:spTree>
+    <p:extLst>
+      <p:ext uri="{BB962C8B-B14F-4D97-AF65-F5344CB8AC3E}">
+        <p14:creationId xmlns:p14="http://schemas.microsoft.com/office/powerpoint/2010/main" val="535700942"/>
+      </p:ext>
+    </p:extLst>
+  </p:cSld>
+  <p:clrMapOvr>
+    <a:masterClrMapping/>
+  </p:clrMapOvr>
+  <mc:AlternateContent xmlns:mc="http://schemas.openxmlformats.org/markup-compatibility/2006">
+    <mc:Choice xmlns:p14="http://schemas.microsoft.com/office/powerpoint/2010/main" Requires="p14">
+      <p:transition spd="med" p14:dur="700">
+        <p:fade/>
+      </p:transition>
+    </mc:Choice>
+    <mc:Fallback>
+      <p:transition spd="med">
+        <p:fade/>
+      </p:transition>
+    </mc:Fallback>
+  </mc:AlternateContent>
+</p:sld>
+</file>
+
+<file path=ppt/slides/slide18.xml><?xml version="1.0" encoding="utf-8"?>
+<p:sld xmlns:a="http://schemas.openxmlformats.org/drawingml/2006/main" xmlns:r="http://schemas.openxmlformats.org/officeDocument/2006/relationships" xmlns:p="http://schemas.openxmlformats.org/presentationml/2006/main">
+  <p:cSld>
+    <p:spTree>
+      <p:nvGrpSpPr>
+        <p:cNvPr id="1" name=""/>
+        <p:cNvGrpSpPr/>
+        <p:nvPr/>
+      </p:nvGrpSpPr>
+      <p:grpSpPr>
+        <a:xfrm>
+          <a:off x="0" y="0"/>
+          <a:ext cx="0" cy="0"/>
+          <a:chOff x="0" y="0"/>
+          <a:chExt cx="0" cy="0"/>
+        </a:xfrm>
+      </p:grpSpPr>
+      <p:sp>
+        <p:nvSpPr>
+          <p:cNvPr id="2" name="Title 1">
+            <a:extLst>
+              <a:ext uri="{FF2B5EF4-FFF2-40B4-BE49-F238E27FC236}">
+                <a16:creationId xmlns:a16="http://schemas.microsoft.com/office/drawing/2014/main" id="{6C75114B-D463-C2E0-4C81-21FFB61B606F}"/>
+              </a:ext>
+            </a:extLst>
+          </p:cNvPr>
+          <p:cNvSpPr>
+            <a:spLocks noGrp="1"/>
+          </p:cNvSpPr>
+          <p:nvPr>
+            <p:ph type="title"/>
+          </p:nvPr>
+        </p:nvSpPr>
+        <p:spPr/>
+        <p:txBody>
+          <a:bodyPr/>
+          <a:lstStyle/>
+          <a:p>
+            <a:r>
+              <a:rPr lang="en-US" dirty="0"/>
+              <a:t>Sequence Generator</a:t>
+            </a:r>
+          </a:p>
+        </p:txBody>
+      </p:sp>
+      <mc:AlternateContent xmlns:mc="http://schemas.openxmlformats.org/markup-compatibility/2006" xmlns:a14="http://schemas.microsoft.com/office/drawing/2010/main">
+        <mc:Choice Requires="a14">
+          <p:sp>
+            <p:nvSpPr>
+              <p:cNvPr id="3" name="Content Placeholder 2">
+                <a:extLst>
+                  <a:ext uri="{FF2B5EF4-FFF2-40B4-BE49-F238E27FC236}">
+                    <a16:creationId xmlns:a16="http://schemas.microsoft.com/office/drawing/2014/main" id="{64637142-D330-05FC-D31E-2A651ACF3CFD}"/>
+                  </a:ext>
+                </a:extLst>
+              </p:cNvPr>
+              <p:cNvSpPr>
+                <a:spLocks noGrp="1"/>
+              </p:cNvSpPr>
+              <p:nvPr>
+                <p:ph idx="1"/>
+              </p:nvPr>
+            </p:nvSpPr>
+            <p:spPr/>
+            <p:txBody>
+              <a:bodyPr/>
+              <a:lstStyle/>
+              <a:p>
+                <a:r>
+                  <a:rPr lang="en-US" dirty="0"/>
+                  <a:t>The sequence generator is built on a fixed-point model of the logistic map.</a:t>
+                </a:r>
+              </a:p>
+              <a:p>
+                <a:pPr lvl="1"/>
+                <a:r>
+                  <a:rPr lang="en-US" dirty="0"/>
+                  <a:t>The input is Q0.8. The output is Q0.16. </a:t>
+                </a:r>
+              </a:p>
+              <a:p>
+                <a:r>
+                  <a:rPr lang="en-US" dirty="0"/>
+                  <a:t>The growth value, </a:t>
+                </a:r>
+                <a14:m>
+                  <m:oMath xmlns:m="http://schemas.openxmlformats.org/officeDocument/2006/math">
+                    <m:r>
+                      <a:rPr lang="en-US" b="0" i="1" smtClean="0">
+                        <a:latin typeface="Cambria Math" panose="02040503050406030204" pitchFamily="18" charset="0"/>
+                      </a:rPr>
+                      <m:t>𝑟</m:t>
+                    </m:r>
+                  </m:oMath>
+                </a14:m>
+                <a:r>
+                  <a:rPr lang="en-US" dirty="0"/>
+                  <a:t>, is chosen to be four.</a:t>
+                </a:r>
+              </a:p>
+              <a:p>
+                <a:pPr lvl="1"/>
+                <a:r>
+                  <a:rPr lang="en-US" dirty="0"/>
+                  <a:t>This means that we now multiply by a power of two.</a:t>
+                </a:r>
+              </a:p>
+              <a:p>
+                <a:pPr lvl="1"/>
+                <a:r>
+                  <a:rPr lang="en-US" dirty="0"/>
+                  <a:t>We can use two logical left shifts instead. This saves power, area, and performance.</a:t>
+                </a:r>
+              </a:p>
+              <a:p>
+                <a:r>
+                  <a:rPr lang="en-US" dirty="0"/>
+                  <a:t>Multiplication is performed using a </a:t>
+                </a:r>
+                <a:r>
+                  <a:rPr lang="en-US" i="1" dirty="0"/>
+                  <a:t>Radix-4 Booth Multiplier</a:t>
+                </a:r>
+                <a:r>
+                  <a:rPr lang="en-US" dirty="0"/>
+                  <a:t>.</a:t>
+                </a:r>
+              </a:p>
+              <a:p>
+                <a:pPr lvl="1"/>
+                <a:r>
+                  <a:rPr lang="en-US" dirty="0"/>
+                  <a:t>Reduces the number of partial products to four. Saves area and performance.</a:t>
+                </a:r>
+              </a:p>
+              <a:p>
+                <a:pPr marL="0" indent="0">
+                  <a:buNone/>
+                </a:pPr>
+                <a:endParaRPr lang="en-US" dirty="0"/>
+              </a:p>
+            </p:txBody>
+          </p:sp>
+        </mc:Choice>
+        <mc:Fallback xmlns="">
+          <p:sp>
+            <p:nvSpPr>
+              <p:cNvPr id="3" name="Content Placeholder 2">
+                <a:extLst>
+                  <a:ext uri="{FF2B5EF4-FFF2-40B4-BE49-F238E27FC236}">
+                    <a16:creationId xmlns:a16="http://schemas.microsoft.com/office/drawing/2014/main" id="{64637142-D330-05FC-D31E-2A651ACF3CFD}"/>
+                  </a:ext>
+                </a:extLst>
+              </p:cNvPr>
+              <p:cNvSpPr>
+                <a:spLocks noGrp="1" noRot="1" noChangeAspect="1" noMove="1" noResize="1" noEditPoints="1" noAdjustHandles="1" noChangeArrowheads="1" noChangeShapeType="1" noTextEdit="1"/>
+              </p:cNvSpPr>
+              <p:nvPr>
+                <p:ph idx="1"/>
+              </p:nvPr>
+            </p:nvSpPr>
+            <p:spPr>
+              <a:blipFill>
+                <a:blip r:embed="rId2"/>
+                <a:stretch>
+                  <a:fillRect l="-1043" t="-2241" r="-58"/>
+                </a:stretch>
+              </a:blipFill>
+            </p:spPr>
+            <p:txBody>
+              <a:bodyPr/>
+              <a:lstStyle/>
+              <a:p>
+                <a:r>
+                  <a:rPr lang="en-US">
+                    <a:noFill/>
+                  </a:rPr>
+                  <a:t> </a:t>
+                </a:r>
+              </a:p>
+            </p:txBody>
+          </p:sp>
+        </mc:Fallback>
+      </mc:AlternateContent>
+      <p:sp>
+        <p:nvSpPr>
+          <p:cNvPr id="4" name="Date Placeholder 3">
+            <a:extLst>
+              <a:ext uri="{FF2B5EF4-FFF2-40B4-BE49-F238E27FC236}">
+                <a16:creationId xmlns:a16="http://schemas.microsoft.com/office/drawing/2014/main" id="{FC1D0109-5483-1D2D-0725-E710EE1C579F}"/>
+              </a:ext>
+            </a:extLst>
+          </p:cNvPr>
+          <p:cNvSpPr>
+            <a:spLocks noGrp="1"/>
+          </p:cNvSpPr>
+          <p:nvPr>
+            <p:ph type="dt" sz="half" idx="10"/>
+          </p:nvPr>
+        </p:nvSpPr>
+        <p:spPr/>
+        <p:txBody>
+          <a:bodyPr/>
+          <a:lstStyle/>
+          <a:p>
+            <a:fld id="{C68961F1-6E5A-4A22-ACD6-679AD5D492F5}" type="datetime1">
+              <a:rPr lang="en-US" smtClean="0"/>
+              <a:t>12/15/2023</a:t>
+            </a:fld>
+            <a:endParaRPr lang="en-US"/>
+          </a:p>
+        </p:txBody>
+      </p:sp>
+      <p:sp>
+        <p:nvSpPr>
+          <p:cNvPr id="5" name="Footer Placeholder 4">
+            <a:extLst>
+              <a:ext uri="{FF2B5EF4-FFF2-40B4-BE49-F238E27FC236}">
+                <a16:creationId xmlns:a16="http://schemas.microsoft.com/office/drawing/2014/main" id="{9776685D-1295-8D58-AD6D-A26DC4AB0361}"/>
+              </a:ext>
+            </a:extLst>
+          </p:cNvPr>
+          <p:cNvSpPr>
+            <a:spLocks noGrp="1"/>
+          </p:cNvSpPr>
+          <p:nvPr>
+            <p:ph type="ftr" sz="quarter" idx="11"/>
+          </p:nvPr>
+        </p:nvSpPr>
+        <p:spPr/>
+        <p:txBody>
+          <a:bodyPr/>
+          <a:lstStyle/>
+          <a:p>
+            <a:r>
+              <a:rPr lang="en-US" dirty="0"/>
+              <a:t>Omar Amer</a:t>
+            </a:r>
+          </a:p>
+        </p:txBody>
+      </p:sp>
+      <p:sp>
+        <p:nvSpPr>
+          <p:cNvPr id="6" name="Slide Number Placeholder 5">
+            <a:extLst>
+              <a:ext uri="{FF2B5EF4-FFF2-40B4-BE49-F238E27FC236}">
+                <a16:creationId xmlns:a16="http://schemas.microsoft.com/office/drawing/2014/main" id="{BE6CC078-7DBA-2A57-AD3A-41F5BAC6EF45}"/>
+              </a:ext>
+            </a:extLst>
+          </p:cNvPr>
+          <p:cNvSpPr>
+            <a:spLocks noGrp="1"/>
+          </p:cNvSpPr>
+          <p:nvPr>
+            <p:ph type="sldNum" sz="quarter" idx="12"/>
+          </p:nvPr>
+        </p:nvSpPr>
+        <p:spPr/>
+        <p:txBody>
+          <a:bodyPr/>
+          <a:lstStyle/>
+          <a:p>
+            <a:fld id="{B568D961-7C42-4AF1-A1CA-E4683A0210D6}" type="slidenum">
+              <a:rPr lang="en-US" smtClean="0"/>
+              <a:t>18</a:t>
+            </a:fld>
+            <a:endParaRPr lang="en-US" dirty="0"/>
+          </a:p>
+        </p:txBody>
+      </p:sp>
+    </p:spTree>
+    <p:extLst>
+      <p:ext uri="{BB962C8B-B14F-4D97-AF65-F5344CB8AC3E}">
+        <p14:creationId xmlns:p14="http://schemas.microsoft.com/office/powerpoint/2010/main" val="4214586525"/>
+      </p:ext>
+    </p:extLst>
+  </p:cSld>
+  <p:clrMapOvr>
+    <a:masterClrMapping/>
+  </p:clrMapOvr>
+  <mc:AlternateContent xmlns:mc="http://schemas.openxmlformats.org/markup-compatibility/2006">
+    <mc:Choice xmlns:p14="http://schemas.microsoft.com/office/powerpoint/2010/main" Requires="p14">
+      <p:transition spd="med" p14:dur="700">
+        <p:fade/>
+      </p:transition>
+    </mc:Choice>
+    <mc:Fallback>
+      <p:transition spd="med">
+        <p:fade/>
+      </p:transition>
+    </mc:Fallback>
+  </mc:AlternateContent>
+</p:sld>
+</file>
+
+<file path=ppt/slides/slide19.xml><?xml version="1.0" encoding="utf-8"?>
+<p:sld xmlns:a="http://schemas.openxmlformats.org/drawingml/2006/main" xmlns:r="http://schemas.openxmlformats.org/officeDocument/2006/relationships" xmlns:p="http://schemas.openxmlformats.org/presentationml/2006/main" show="0">
+  <p:cSld>
+    <p:spTree>
+      <p:nvGrpSpPr>
+        <p:cNvPr id="1" name=""/>
+        <p:cNvGrpSpPr/>
+        <p:nvPr/>
+      </p:nvGrpSpPr>
+      <p:grpSpPr>
+        <a:xfrm>
+          <a:off x="0" y="0"/>
+          <a:ext cx="0" cy="0"/>
+          <a:chOff x="0" y="0"/>
+          <a:chExt cx="0" cy="0"/>
+        </a:xfrm>
+      </p:grpSpPr>
+      <p:sp>
+        <p:nvSpPr>
+          <p:cNvPr id="2" name="Title 1">
+            <a:extLst>
+              <a:ext uri="{FF2B5EF4-FFF2-40B4-BE49-F238E27FC236}">
+                <a16:creationId xmlns:a16="http://schemas.microsoft.com/office/drawing/2014/main" id="{9551C9D2-32AF-5AA3-CCE1-EF73D7E17A14}"/>
+              </a:ext>
+            </a:extLst>
+          </p:cNvPr>
+          <p:cNvSpPr>
+            <a:spLocks noGrp="1"/>
+          </p:cNvSpPr>
+          <p:nvPr>
+            <p:ph type="title"/>
+          </p:nvPr>
+        </p:nvSpPr>
+        <p:spPr/>
+        <p:txBody>
+          <a:bodyPr/>
+          <a:lstStyle/>
+          <a:p>
+            <a:r>
+              <a:rPr lang="en-US" dirty="0"/>
+              <a:t>Radix-4 Booth Multiplier</a:t>
+            </a:r>
+          </a:p>
+        </p:txBody>
+      </p:sp>
+      <p:pic>
+        <p:nvPicPr>
+          <p:cNvPr id="8" name="Content Placeholder 7">
+            <a:extLst>
+              <a:ext uri="{FF2B5EF4-FFF2-40B4-BE49-F238E27FC236}">
+                <a16:creationId xmlns:a16="http://schemas.microsoft.com/office/drawing/2014/main" id="{840F590B-AC60-4764-A490-28A2084EC2F4}"/>
+              </a:ext>
+            </a:extLst>
+          </p:cNvPr>
+          <p:cNvPicPr>
+            <a:picLocks noGrp="1" noChangeAspect="1"/>
+          </p:cNvPicPr>
+          <p:nvPr>
+            <p:ph idx="1"/>
+          </p:nvPr>
+        </p:nvPicPr>
+        <p:blipFill>
+          <a:blip r:embed="rId2">
+            <a:extLst>
+              <a:ext uri="{28A0092B-C50C-407E-A947-70E740481C1C}">
+                <a14:useLocalDpi xmlns:a14="http://schemas.microsoft.com/office/drawing/2010/main" val="0"/>
+              </a:ext>
+            </a:extLst>
+          </a:blip>
+          <a:stretch>
+            <a:fillRect/>
+          </a:stretch>
+        </p:blipFill>
+        <p:spPr>
+          <a:xfrm>
+            <a:off x="2977302" y="1825625"/>
+            <a:ext cx="6237396" cy="4351338"/>
+          </a:xfrm>
+        </p:spPr>
+      </p:pic>
+      <p:sp>
+        <p:nvSpPr>
+          <p:cNvPr id="4" name="Date Placeholder 3">
+            <a:extLst>
+              <a:ext uri="{FF2B5EF4-FFF2-40B4-BE49-F238E27FC236}">
+                <a16:creationId xmlns:a16="http://schemas.microsoft.com/office/drawing/2014/main" id="{157CCF8C-4043-FFC4-3D78-C55355490319}"/>
+              </a:ext>
+            </a:extLst>
+          </p:cNvPr>
+          <p:cNvSpPr>
+            <a:spLocks noGrp="1"/>
+          </p:cNvSpPr>
+          <p:nvPr>
+            <p:ph type="dt" sz="half" idx="10"/>
+          </p:nvPr>
+        </p:nvSpPr>
+        <p:spPr/>
+        <p:txBody>
+          <a:bodyPr/>
+          <a:lstStyle/>
+          <a:p>
+            <a:fld id="{C585F1C6-A3D3-4D04-99DD-A3220200AB6C}" type="datetime1">
+              <a:rPr lang="en-US" smtClean="0"/>
+              <a:t>12/15/2023</a:t>
+            </a:fld>
+            <a:endParaRPr lang="en-US"/>
+          </a:p>
+        </p:txBody>
+      </p:sp>
+      <p:sp>
+        <p:nvSpPr>
+          <p:cNvPr id="5" name="Footer Placeholder 4">
+            <a:extLst>
+              <a:ext uri="{FF2B5EF4-FFF2-40B4-BE49-F238E27FC236}">
+                <a16:creationId xmlns:a16="http://schemas.microsoft.com/office/drawing/2014/main" id="{E4F939EE-68DF-8F30-7A64-23A682CEC828}"/>
+              </a:ext>
+            </a:extLst>
+          </p:cNvPr>
+          <p:cNvSpPr>
+            <a:spLocks noGrp="1"/>
+          </p:cNvSpPr>
+          <p:nvPr>
+            <p:ph type="ftr" sz="quarter" idx="11"/>
+          </p:nvPr>
+        </p:nvSpPr>
+        <p:spPr>
+          <a:xfrm>
+            <a:off x="4038600" y="6356350"/>
+            <a:ext cx="4114800" cy="365125"/>
+          </a:xfrm>
+        </p:spPr>
+        <p:txBody>
+          <a:bodyPr/>
+          <a:lstStyle/>
+          <a:p>
+            <a:r>
+              <a:rPr lang="en-US" dirty="0"/>
+              <a:t>Omar Amer</a:t>
+            </a:r>
+          </a:p>
+        </p:txBody>
+      </p:sp>
+      <p:sp>
+        <p:nvSpPr>
+          <p:cNvPr id="6" name="Slide Number Placeholder 5">
+            <a:extLst>
+              <a:ext uri="{FF2B5EF4-FFF2-40B4-BE49-F238E27FC236}">
+                <a16:creationId xmlns:a16="http://schemas.microsoft.com/office/drawing/2014/main" id="{229645FC-79E4-3BA5-68CC-54870C08F2E9}"/>
+              </a:ext>
+            </a:extLst>
+          </p:cNvPr>
+          <p:cNvSpPr>
+            <a:spLocks noGrp="1"/>
+          </p:cNvSpPr>
+          <p:nvPr>
+            <p:ph type="sldNum" sz="quarter" idx="12"/>
+          </p:nvPr>
+        </p:nvSpPr>
+        <p:spPr/>
+        <p:txBody>
+          <a:bodyPr/>
+          <a:lstStyle/>
+          <a:p>
+            <a:fld id="{B568D961-7C42-4AF1-A1CA-E4683A0210D6}" type="slidenum">
+              <a:rPr lang="en-US" smtClean="0"/>
+              <a:t>19</a:t>
+            </a:fld>
+            <a:endParaRPr lang="en-US" dirty="0"/>
+          </a:p>
+        </p:txBody>
+      </p:sp>
+    </p:spTree>
+    <p:extLst>
+      <p:ext uri="{BB962C8B-B14F-4D97-AF65-F5344CB8AC3E}">
+        <p14:creationId xmlns:p14="http://schemas.microsoft.com/office/powerpoint/2010/main" val="1955068161"/>
+      </p:ext>
+    </p:extLst>
+  </p:cSld>
+  <p:clrMapOvr>
+    <a:masterClrMapping/>
+  </p:clrMapOvr>
+  <mc:AlternateContent xmlns:mc="http://schemas.openxmlformats.org/markup-compatibility/2006">
+    <mc:Choice xmlns:p14="http://schemas.microsoft.com/office/powerpoint/2010/main" Requires="p14">
+      <p:transition spd="med" p14:dur="700">
+        <p:fade/>
+      </p:transition>
+    </mc:Choice>
+    <mc:Fallback>
+      <p:transition spd="med">
+        <p:fade/>
+      </p:transition>
+    </mc:Fallback>
+  </mc:AlternateContent>
+</p:sld>
+</file>
+
+<file path=ppt/slides/slide2.xml><?xml version="1.0" encoding="utf-8"?>
+<p:sld xmlns:a="http://schemas.openxmlformats.org/drawingml/2006/main" xmlns:r="http://schemas.openxmlformats.org/officeDocument/2006/relationships" xmlns:p="http://schemas.openxmlformats.org/presentationml/2006/main">
+  <p:cSld>
+    <p:spTree>
+      <p:nvGrpSpPr>
+        <p:cNvPr id="1" name=""/>
+        <p:cNvGrpSpPr/>
+        <p:nvPr/>
+      </p:nvGrpSpPr>
+      <p:grpSpPr>
+        <a:xfrm>
+          <a:off x="0" y="0"/>
+          <a:ext cx="0" cy="0"/>
+          <a:chOff x="0" y="0"/>
+          <a:chExt cx="0" cy="0"/>
+        </a:xfrm>
+      </p:grpSpPr>
+      <p:sp>
+        <p:nvSpPr>
+          <p:cNvPr id="2" name="Title 1">
+            <a:extLst>
+              <a:ext uri="{FF2B5EF4-FFF2-40B4-BE49-F238E27FC236}">
+                <a16:creationId xmlns:a16="http://schemas.microsoft.com/office/drawing/2014/main" id="{377D7670-6E4D-07EC-9EAC-3D133083B4C8}"/>
+              </a:ext>
+            </a:extLst>
+          </p:cNvPr>
+          <p:cNvSpPr>
+            <a:spLocks noGrp="1"/>
+          </p:cNvSpPr>
+          <p:nvPr>
+            <p:ph type="title"/>
+          </p:nvPr>
+        </p:nvSpPr>
+        <p:spPr/>
+        <p:txBody>
+          <a:bodyPr/>
+          <a:lstStyle/>
+          <a:p>
+            <a:r>
+              <a:rPr lang="en-US" dirty="0"/>
+              <a:t>Agenda</a:t>
+            </a:r>
+          </a:p>
+        </p:txBody>
+      </p:sp>
+      <p:sp>
+        <p:nvSpPr>
+          <p:cNvPr id="3" name="Content Placeholder 2">
+            <a:extLst>
+              <a:ext uri="{FF2B5EF4-FFF2-40B4-BE49-F238E27FC236}">
+                <a16:creationId xmlns:a16="http://schemas.microsoft.com/office/drawing/2014/main" id="{49CD3A4F-A931-D247-C805-AA27770CC549}"/>
+              </a:ext>
+            </a:extLst>
+          </p:cNvPr>
+          <p:cNvSpPr>
+            <a:spLocks noGrp="1"/>
+          </p:cNvSpPr>
+          <p:nvPr>
+            <p:ph idx="1"/>
+          </p:nvPr>
+        </p:nvSpPr>
+        <p:spPr/>
+        <p:txBody>
+          <a:bodyPr/>
+          <a:lstStyle/>
+          <a:p>
+            <a:r>
+              <a:rPr lang="en-US" dirty="0"/>
+              <a:t>Introduction to DCSK.</a:t>
+            </a:r>
+          </a:p>
+          <a:p>
+            <a:r>
+              <a:rPr lang="en-US" dirty="0"/>
+              <a:t>Proposed Architecture.</a:t>
+            </a:r>
+          </a:p>
+          <a:p>
+            <a:r>
+              <a:rPr lang="en-US" dirty="0"/>
+              <a:t>Testing Environment.</a:t>
+            </a:r>
+          </a:p>
+          <a:p>
+            <a:r>
+              <a:rPr lang="en-US" dirty="0"/>
+              <a:t>Synthesis Results.</a:t>
+            </a:r>
+          </a:p>
+          <a:p>
+            <a:endParaRPr lang="en-US" dirty="0"/>
+          </a:p>
+        </p:txBody>
+      </p:sp>
+      <p:sp>
+        <p:nvSpPr>
+          <p:cNvPr id="4" name="Date Placeholder 3">
+            <a:extLst>
+              <a:ext uri="{FF2B5EF4-FFF2-40B4-BE49-F238E27FC236}">
+                <a16:creationId xmlns:a16="http://schemas.microsoft.com/office/drawing/2014/main" id="{6575B8A1-0929-AF33-9F1A-1A4A0EBA5DA2}"/>
+              </a:ext>
+            </a:extLst>
+          </p:cNvPr>
+          <p:cNvSpPr>
+            <a:spLocks noGrp="1"/>
+          </p:cNvSpPr>
+          <p:nvPr>
+            <p:ph type="dt" sz="half" idx="10"/>
+          </p:nvPr>
+        </p:nvSpPr>
+        <p:spPr/>
+        <p:txBody>
+          <a:bodyPr/>
+          <a:lstStyle/>
+          <a:p>
+            <a:fld id="{163111BD-33F6-452A-93C7-A858D111CC08}" type="datetime1">
+              <a:rPr lang="en-US" smtClean="0"/>
+              <a:t>12/15/2023</a:t>
+            </a:fld>
+            <a:endParaRPr lang="en-US"/>
+          </a:p>
+        </p:txBody>
+      </p:sp>
+      <p:sp>
+        <p:nvSpPr>
+          <p:cNvPr id="5" name="Footer Placeholder 4">
+            <a:extLst>
+              <a:ext uri="{FF2B5EF4-FFF2-40B4-BE49-F238E27FC236}">
+                <a16:creationId xmlns:a16="http://schemas.microsoft.com/office/drawing/2014/main" id="{86F1B574-EB45-8734-8867-A6F566D443F7}"/>
+              </a:ext>
+            </a:extLst>
+          </p:cNvPr>
+          <p:cNvSpPr>
+            <a:spLocks noGrp="1"/>
+          </p:cNvSpPr>
+          <p:nvPr>
+            <p:ph type="ftr" sz="quarter" idx="11"/>
+          </p:nvPr>
+        </p:nvSpPr>
+        <p:spPr/>
+        <p:txBody>
+          <a:bodyPr/>
+          <a:lstStyle/>
+          <a:p>
+            <a:endParaRPr lang="en-US" dirty="0"/>
+          </a:p>
+        </p:txBody>
+      </p:sp>
+      <p:sp>
+        <p:nvSpPr>
+          <p:cNvPr id="6" name="Slide Number Placeholder 5">
+            <a:extLst>
+              <a:ext uri="{FF2B5EF4-FFF2-40B4-BE49-F238E27FC236}">
+                <a16:creationId xmlns:a16="http://schemas.microsoft.com/office/drawing/2014/main" id="{C7A36982-A69C-791A-F60F-1704AC73A6A2}"/>
+              </a:ext>
+            </a:extLst>
+          </p:cNvPr>
+          <p:cNvSpPr>
+            <a:spLocks noGrp="1"/>
+          </p:cNvSpPr>
+          <p:nvPr>
+            <p:ph type="sldNum" sz="quarter" idx="12"/>
+          </p:nvPr>
+        </p:nvSpPr>
+        <p:spPr/>
+        <p:txBody>
+          <a:bodyPr/>
+          <a:lstStyle/>
+          <a:p>
+            <a:fld id="{B568D961-7C42-4AF1-A1CA-E4683A0210D6}" type="slidenum">
+              <a:rPr lang="en-US" smtClean="0"/>
+              <a:t>2</a:t>
+            </a:fld>
+            <a:endParaRPr lang="en-US" dirty="0"/>
+          </a:p>
+        </p:txBody>
+      </p:sp>
+    </p:spTree>
+    <p:extLst>
+      <p:ext uri="{BB962C8B-B14F-4D97-AF65-F5344CB8AC3E}">
+        <p14:creationId xmlns:p14="http://schemas.microsoft.com/office/powerpoint/2010/main" val="2086481365"/>
+      </p:ext>
+    </p:extLst>
+  </p:cSld>
+  <p:clrMapOvr>
+    <a:masterClrMapping/>
+  </p:clrMapOvr>
+  <mc:AlternateContent xmlns:mc="http://schemas.openxmlformats.org/markup-compatibility/2006">
+    <mc:Choice xmlns:p14="http://schemas.microsoft.com/office/powerpoint/2010/main" Requires="p14">
+      <p:transition spd="med" p14:dur="700">
+        <p:fade/>
+      </p:transition>
+    </mc:Choice>
+    <mc:Fallback>
+      <p:transition spd="med">
+        <p:fade/>
+      </p:transition>
+    </mc:Fallback>
+  </mc:AlternateContent>
+</p:sld>
+</file>
+
+<file path=ppt/slides/slide20.xml><?xml version="1.0" encoding="utf-8"?>
+<p:sld xmlns:a="http://schemas.openxmlformats.org/drawingml/2006/main" xmlns:r="http://schemas.openxmlformats.org/officeDocument/2006/relationships" xmlns:p="http://schemas.openxmlformats.org/presentationml/2006/main" show="0">
+  <p:cSld>
+    <p:spTree>
+      <p:nvGrpSpPr>
+        <p:cNvPr id="1" name=""/>
+        <p:cNvGrpSpPr/>
+        <p:nvPr/>
+      </p:nvGrpSpPr>
+      <p:grpSpPr>
+        <a:xfrm>
+          <a:off x="0" y="0"/>
+          <a:ext cx="0" cy="0"/>
+          <a:chOff x="0" y="0"/>
+          <a:chExt cx="0" cy="0"/>
+        </a:xfrm>
+      </p:grpSpPr>
+      <p:sp>
+        <p:nvSpPr>
+          <p:cNvPr id="2" name="Title 1">
+            <a:extLst>
+              <a:ext uri="{FF2B5EF4-FFF2-40B4-BE49-F238E27FC236}">
+                <a16:creationId xmlns:a16="http://schemas.microsoft.com/office/drawing/2014/main" id="{87210804-0DD0-252C-B03A-53FA92A6E432}"/>
+              </a:ext>
+            </a:extLst>
+          </p:cNvPr>
+          <p:cNvSpPr>
+            <a:spLocks noGrp="1"/>
+          </p:cNvSpPr>
+          <p:nvPr>
+            <p:ph type="title"/>
+          </p:nvPr>
+        </p:nvSpPr>
+        <p:spPr/>
+        <p:txBody>
+          <a:bodyPr/>
+          <a:lstStyle/>
+          <a:p>
+            <a:r>
+              <a:rPr lang="en-US" dirty="0"/>
+              <a:t>Chaos Expander</a:t>
+            </a:r>
+          </a:p>
+        </p:txBody>
+      </p:sp>
+      <p:sp>
+        <p:nvSpPr>
+          <p:cNvPr id="3" name="Content Placeholder 2">
+            <a:extLst>
+              <a:ext uri="{FF2B5EF4-FFF2-40B4-BE49-F238E27FC236}">
+                <a16:creationId xmlns:a16="http://schemas.microsoft.com/office/drawing/2014/main" id="{A9C4BA39-0DC7-D64C-3AAB-4C0A8D6D3586}"/>
+              </a:ext>
+            </a:extLst>
+          </p:cNvPr>
+          <p:cNvSpPr>
+            <a:spLocks noGrp="1"/>
+          </p:cNvSpPr>
+          <p:nvPr>
+            <p:ph idx="1"/>
+          </p:nvPr>
+        </p:nvSpPr>
+        <p:spPr/>
+        <p:txBody>
+          <a:bodyPr/>
+          <a:lstStyle/>
+          <a:p>
+            <a:r>
+              <a:rPr lang="en-US" dirty="0"/>
+              <a:t>For an SF32 message, we need 32 chips for each bit.</a:t>
+            </a:r>
+          </a:p>
+          <a:p>
+            <a:pPr lvl="1"/>
+            <a:r>
+              <a:rPr lang="en-US" dirty="0"/>
+              <a:t>A total of 1 Kbit.</a:t>
+            </a:r>
+          </a:p>
+          <a:p>
+            <a:pPr lvl="1"/>
+            <a:r>
+              <a:rPr lang="en-US" dirty="0"/>
+              <a:t>Half of which are chaos bits.</a:t>
+            </a:r>
+          </a:p>
+          <a:p>
+            <a:r>
+              <a:rPr lang="en-US" dirty="0"/>
+              <a:t>Using the sequence generator to generate the whole 512 bits is not area or power efficient.</a:t>
+            </a:r>
+          </a:p>
+          <a:p>
+            <a:r>
+              <a:rPr lang="en-US" dirty="0"/>
+              <a:t>Solution, generate 16 bits of chaos, then expand them into 256 bits.</a:t>
+            </a:r>
+          </a:p>
+          <a:p>
+            <a:pPr lvl="1"/>
+            <a:r>
+              <a:rPr lang="en-US" dirty="0"/>
+              <a:t>We propose a simple algorithm that uses only multiplexers and inverters.</a:t>
+            </a:r>
+          </a:p>
+          <a:p>
+            <a:pPr lvl="1"/>
+            <a:r>
+              <a:rPr lang="en-US" dirty="0"/>
+              <a:t>More performance-friendly than generating 256 bits of chaos.</a:t>
+            </a:r>
+          </a:p>
+          <a:p>
+            <a:pPr lvl="1"/>
+            <a:r>
+              <a:rPr lang="en-US" dirty="0"/>
+              <a:t>Saves power (generate chaos bits less frequently).</a:t>
+            </a:r>
+          </a:p>
+          <a:p>
+            <a:pPr lvl="1"/>
+            <a:endParaRPr lang="en-US" dirty="0"/>
+          </a:p>
+        </p:txBody>
+      </p:sp>
+      <p:sp>
+        <p:nvSpPr>
+          <p:cNvPr id="4" name="Date Placeholder 3">
+            <a:extLst>
+              <a:ext uri="{FF2B5EF4-FFF2-40B4-BE49-F238E27FC236}">
+                <a16:creationId xmlns:a16="http://schemas.microsoft.com/office/drawing/2014/main" id="{03B3101D-E91D-4999-CDB1-4709261E485F}"/>
+              </a:ext>
+            </a:extLst>
+          </p:cNvPr>
+          <p:cNvSpPr>
+            <a:spLocks noGrp="1"/>
+          </p:cNvSpPr>
+          <p:nvPr>
+            <p:ph type="dt" sz="half" idx="10"/>
+          </p:nvPr>
+        </p:nvSpPr>
+        <p:spPr/>
+        <p:txBody>
+          <a:bodyPr/>
+          <a:lstStyle/>
+          <a:p>
+            <a:fld id="{2E0A924C-AD13-426B-B733-260F40BBDFA9}" type="datetime1">
+              <a:rPr lang="en-US" smtClean="0"/>
+              <a:t>12/15/2023</a:t>
+            </a:fld>
+            <a:endParaRPr lang="en-US"/>
+          </a:p>
+        </p:txBody>
+      </p:sp>
+      <p:sp>
+        <p:nvSpPr>
+          <p:cNvPr id="5" name="Footer Placeholder 4">
+            <a:extLst>
+              <a:ext uri="{FF2B5EF4-FFF2-40B4-BE49-F238E27FC236}">
+                <a16:creationId xmlns:a16="http://schemas.microsoft.com/office/drawing/2014/main" id="{5E8330C3-04CB-CE03-F22C-60A8DDDFCEB6}"/>
+              </a:ext>
+            </a:extLst>
+          </p:cNvPr>
+          <p:cNvSpPr>
+            <a:spLocks noGrp="1"/>
+          </p:cNvSpPr>
+          <p:nvPr>
+            <p:ph type="ftr" sz="quarter" idx="11"/>
+          </p:nvPr>
+        </p:nvSpPr>
+        <p:spPr/>
+        <p:txBody>
+          <a:bodyPr/>
+          <a:lstStyle/>
+          <a:p>
+            <a:r>
+              <a:rPr lang="en-US" dirty="0"/>
+              <a:t>Omar Amer</a:t>
+            </a:r>
+          </a:p>
+        </p:txBody>
+      </p:sp>
+      <p:sp>
+        <p:nvSpPr>
+          <p:cNvPr id="6" name="Slide Number Placeholder 5">
+            <a:extLst>
+              <a:ext uri="{FF2B5EF4-FFF2-40B4-BE49-F238E27FC236}">
+                <a16:creationId xmlns:a16="http://schemas.microsoft.com/office/drawing/2014/main" id="{A3E0AD07-4744-81B6-D179-88B3E8D797CA}"/>
+              </a:ext>
+            </a:extLst>
+          </p:cNvPr>
+          <p:cNvSpPr>
+            <a:spLocks noGrp="1"/>
+          </p:cNvSpPr>
+          <p:nvPr>
+            <p:ph type="sldNum" sz="quarter" idx="12"/>
+          </p:nvPr>
+        </p:nvSpPr>
+        <p:spPr/>
+        <p:txBody>
+          <a:bodyPr/>
+          <a:lstStyle/>
+          <a:p>
+            <a:fld id="{B568D961-7C42-4AF1-A1CA-E4683A0210D6}" type="slidenum">
+              <a:rPr lang="en-US" smtClean="0"/>
+              <a:t>20</a:t>
+            </a:fld>
+            <a:endParaRPr lang="en-US" dirty="0"/>
+          </a:p>
+        </p:txBody>
+      </p:sp>
+    </p:spTree>
+    <p:extLst>
+      <p:ext uri="{BB962C8B-B14F-4D97-AF65-F5344CB8AC3E}">
+        <p14:creationId xmlns:p14="http://schemas.microsoft.com/office/powerpoint/2010/main" val="1973889492"/>
+      </p:ext>
+    </p:extLst>
+  </p:cSld>
+  <p:clrMapOvr>
+    <a:masterClrMapping/>
+  </p:clrMapOvr>
+  <mc:AlternateContent xmlns:mc="http://schemas.openxmlformats.org/markup-compatibility/2006">
+    <mc:Choice xmlns:p14="http://schemas.microsoft.com/office/powerpoint/2010/main" Requires="p14">
+      <p:transition spd="med" p14:dur="700">
+        <p:fade/>
+      </p:transition>
+    </mc:Choice>
+    <mc:Fallback>
+      <p:transition spd="med">
+        <p:fade/>
+      </p:transition>
+    </mc:Fallback>
+  </mc:AlternateContent>
+</p:sld>
+</file>
+
+<file path=ppt/slides/slide21.xml><?xml version="1.0" encoding="utf-8"?>
+<p:sld xmlns:a="http://schemas.openxmlformats.org/drawingml/2006/main" xmlns:r="http://schemas.openxmlformats.org/officeDocument/2006/relationships" xmlns:p="http://schemas.openxmlformats.org/presentationml/2006/main">
+  <p:cSld>
+    <p:spTree>
+      <p:nvGrpSpPr>
+        <p:cNvPr id="1" name=""/>
+        <p:cNvGrpSpPr/>
+        <p:nvPr/>
+      </p:nvGrpSpPr>
+      <p:grpSpPr>
+        <a:xfrm>
+          <a:off x="0" y="0"/>
+          <a:ext cx="0" cy="0"/>
+          <a:chOff x="0" y="0"/>
+          <a:chExt cx="0" cy="0"/>
+        </a:xfrm>
+      </p:grpSpPr>
+      <p:sp>
+        <p:nvSpPr>
+          <p:cNvPr id="2" name="Title 1">
+            <a:extLst>
+              <a:ext uri="{FF2B5EF4-FFF2-40B4-BE49-F238E27FC236}">
+                <a16:creationId xmlns:a16="http://schemas.microsoft.com/office/drawing/2014/main" id="{583649DA-78EB-5D86-555D-817D412FBB92}"/>
+              </a:ext>
+            </a:extLst>
+          </p:cNvPr>
+          <p:cNvSpPr>
+            <a:spLocks noGrp="1"/>
+          </p:cNvSpPr>
+          <p:nvPr>
+            <p:ph type="title"/>
+          </p:nvPr>
+        </p:nvSpPr>
+        <p:spPr/>
+        <p:txBody>
+          <a:bodyPr/>
+          <a:lstStyle/>
+          <a:p>
+            <a:r>
+              <a:rPr lang="en-US" dirty="0"/>
+              <a:t>Chaos Expander</a:t>
+            </a:r>
+          </a:p>
+        </p:txBody>
+      </p:sp>
+      <p:sp>
+        <p:nvSpPr>
+          <p:cNvPr id="3" name="Content Placeholder 2">
+            <a:extLst>
+              <a:ext uri="{FF2B5EF4-FFF2-40B4-BE49-F238E27FC236}">
+                <a16:creationId xmlns:a16="http://schemas.microsoft.com/office/drawing/2014/main" id="{D6A9774C-7751-77C3-3E65-7332C1323500}"/>
+              </a:ext>
+            </a:extLst>
+          </p:cNvPr>
+          <p:cNvSpPr>
+            <a:spLocks noGrp="1"/>
+          </p:cNvSpPr>
+          <p:nvPr>
+            <p:ph idx="1"/>
+          </p:nvPr>
+        </p:nvSpPr>
+        <p:spPr/>
+        <p:txBody>
+          <a:bodyPr/>
+          <a:lstStyle/>
+          <a:p>
+            <a:r>
+              <a:rPr lang="en-US" dirty="0"/>
+              <a:t>The algorithm is inspired by the DCSK, with an added shuffling stage.</a:t>
+            </a:r>
+          </a:p>
+          <a:p>
+            <a:r>
+              <a:rPr lang="en-US" dirty="0"/>
+              <a:t>For each bit of the input chaos sequence:</a:t>
+            </a:r>
+          </a:p>
+          <a:p>
+            <a:pPr lvl="1"/>
+            <a:r>
+              <a:rPr lang="en-US" dirty="0"/>
+              <a:t>If the bit is </a:t>
+            </a:r>
+            <a:r>
+              <a:rPr lang="en-US" i="1" dirty="0"/>
+              <a:t>“1” </a:t>
+            </a:r>
+            <a:r>
+              <a:rPr lang="en-US" dirty="0"/>
+              <a:t>copy the chaotic sequence unchanged.</a:t>
+            </a:r>
+          </a:p>
+          <a:p>
+            <a:pPr lvl="1"/>
+            <a:r>
+              <a:rPr lang="en-US" dirty="0"/>
+              <a:t>If the bit is </a:t>
+            </a:r>
+            <a:r>
+              <a:rPr lang="en-US" i="1" dirty="0"/>
+              <a:t>“0” </a:t>
+            </a:r>
+            <a:r>
+              <a:rPr lang="en-US" dirty="0"/>
+              <a:t>copy the one’s complement of the chaotic sequence.</a:t>
+            </a:r>
+          </a:p>
+          <a:p>
+            <a:r>
+              <a:rPr lang="en-US" dirty="0"/>
+              <a:t>To remove correlation between the expanded bits and the input sequence:</a:t>
+            </a:r>
+          </a:p>
+          <a:p>
+            <a:pPr lvl="1"/>
+            <a:r>
+              <a:rPr lang="en-US" dirty="0"/>
+              <a:t>We shuffle the output wires of the module.</a:t>
+            </a:r>
+          </a:p>
+          <a:p>
+            <a:pPr lvl="1"/>
+            <a:r>
+              <a:rPr lang="en-US" dirty="0"/>
+              <a:t>256 random number were generated using </a:t>
+            </a:r>
+            <a:r>
+              <a:rPr lang="en-US" i="1" dirty="0"/>
+              <a:t>randperm</a:t>
+            </a:r>
+            <a:r>
+              <a:rPr lang="en-US" dirty="0"/>
+              <a:t> from MATLAB.</a:t>
+            </a:r>
+          </a:p>
+          <a:p>
+            <a:pPr lvl="1"/>
+            <a:r>
+              <a:rPr lang="en-US" dirty="0"/>
+              <a:t>Reorder the expanded bits based on the random MATLAB-obtained locations.</a:t>
+            </a:r>
+          </a:p>
+        </p:txBody>
+      </p:sp>
+      <p:sp>
+        <p:nvSpPr>
+          <p:cNvPr id="4" name="Date Placeholder 3">
+            <a:extLst>
+              <a:ext uri="{FF2B5EF4-FFF2-40B4-BE49-F238E27FC236}">
+                <a16:creationId xmlns:a16="http://schemas.microsoft.com/office/drawing/2014/main" id="{5423419F-1D6B-793D-9D0E-4896FCF78C4F}"/>
+              </a:ext>
+            </a:extLst>
+          </p:cNvPr>
+          <p:cNvSpPr>
+            <a:spLocks noGrp="1"/>
+          </p:cNvSpPr>
+          <p:nvPr>
+            <p:ph type="dt" sz="half" idx="10"/>
+          </p:nvPr>
+        </p:nvSpPr>
+        <p:spPr/>
+        <p:txBody>
+          <a:bodyPr/>
+          <a:lstStyle/>
+          <a:p>
+            <a:fld id="{BB7D02DB-AD18-429F-B332-8486B599A19A}" type="datetime1">
+              <a:rPr lang="en-US" smtClean="0"/>
+              <a:t>12/15/2023</a:t>
+            </a:fld>
+            <a:endParaRPr lang="en-US"/>
+          </a:p>
+        </p:txBody>
+      </p:sp>
+      <p:sp>
+        <p:nvSpPr>
+          <p:cNvPr id="5" name="Footer Placeholder 4">
+            <a:extLst>
+              <a:ext uri="{FF2B5EF4-FFF2-40B4-BE49-F238E27FC236}">
+                <a16:creationId xmlns:a16="http://schemas.microsoft.com/office/drawing/2014/main" id="{D455849B-A636-C99B-D815-37E19DDEA31B}"/>
+              </a:ext>
+            </a:extLst>
+          </p:cNvPr>
+          <p:cNvSpPr>
+            <a:spLocks noGrp="1"/>
+          </p:cNvSpPr>
+          <p:nvPr>
+            <p:ph type="ftr" sz="quarter" idx="11"/>
+          </p:nvPr>
+        </p:nvSpPr>
+        <p:spPr/>
+        <p:txBody>
+          <a:bodyPr/>
+          <a:lstStyle/>
+          <a:p>
+            <a:r>
+              <a:rPr lang="en-US" dirty="0"/>
+              <a:t>Omar Amer</a:t>
+            </a:r>
+          </a:p>
+        </p:txBody>
+      </p:sp>
+      <p:sp>
+        <p:nvSpPr>
+          <p:cNvPr id="6" name="Slide Number Placeholder 5">
+            <a:extLst>
+              <a:ext uri="{FF2B5EF4-FFF2-40B4-BE49-F238E27FC236}">
+                <a16:creationId xmlns:a16="http://schemas.microsoft.com/office/drawing/2014/main" id="{B3FB3DCB-E7AE-1E67-F0AB-730238C2867E}"/>
+              </a:ext>
+            </a:extLst>
+          </p:cNvPr>
+          <p:cNvSpPr>
+            <a:spLocks noGrp="1"/>
+          </p:cNvSpPr>
+          <p:nvPr>
+            <p:ph type="sldNum" sz="quarter" idx="12"/>
+          </p:nvPr>
+        </p:nvSpPr>
+        <p:spPr/>
+        <p:txBody>
+          <a:bodyPr/>
+          <a:lstStyle/>
+          <a:p>
+            <a:fld id="{B568D961-7C42-4AF1-A1CA-E4683A0210D6}" type="slidenum">
+              <a:rPr lang="en-US" smtClean="0"/>
+              <a:t>21</a:t>
+            </a:fld>
+            <a:endParaRPr lang="en-US" dirty="0"/>
+          </a:p>
+        </p:txBody>
+      </p:sp>
+    </p:spTree>
+    <p:extLst>
+      <p:ext uri="{BB962C8B-B14F-4D97-AF65-F5344CB8AC3E}">
+        <p14:creationId xmlns:p14="http://schemas.microsoft.com/office/powerpoint/2010/main" val="299946702"/>
+      </p:ext>
+    </p:extLst>
+  </p:cSld>
+  <p:clrMapOvr>
+    <a:masterClrMapping/>
+  </p:clrMapOvr>
+  <mc:AlternateContent xmlns:mc="http://schemas.openxmlformats.org/markup-compatibility/2006">
+    <mc:Choice xmlns:p14="http://schemas.microsoft.com/office/powerpoint/2010/main" Requires="p14">
+      <p:transition spd="med" p14:dur="700">
+        <p:fade/>
+      </p:transition>
+    </mc:Choice>
+    <mc:Fallback>
+      <p:transition spd="med">
+        <p:fade/>
+      </p:transition>
+    </mc:Fallback>
+  </mc:AlternateContent>
+</p:sld>
+</file>
+
+<file path=ppt/slides/slide22.xml><?xml version="1.0" encoding="utf-8"?>
+<p:sld xmlns:a="http://schemas.openxmlformats.org/drawingml/2006/main" xmlns:r="http://schemas.openxmlformats.org/officeDocument/2006/relationships" xmlns:p="http://schemas.openxmlformats.org/presentationml/2006/main">
+  <p:cSld>
+    <p:spTree>
+      <p:nvGrpSpPr>
+        <p:cNvPr id="1" name=""/>
+        <p:cNvGrpSpPr/>
+        <p:nvPr/>
+      </p:nvGrpSpPr>
+      <p:grpSpPr>
+        <a:xfrm>
+          <a:off x="0" y="0"/>
+          <a:ext cx="0" cy="0"/>
+          <a:chOff x="0" y="0"/>
+          <a:chExt cx="0" cy="0"/>
+        </a:xfrm>
+      </p:grpSpPr>
+      <p:sp>
+        <p:nvSpPr>
+          <p:cNvPr id="2" name="Title 1">
+            <a:extLst>
+              <a:ext uri="{FF2B5EF4-FFF2-40B4-BE49-F238E27FC236}">
+                <a16:creationId xmlns:a16="http://schemas.microsoft.com/office/drawing/2014/main" id="{1DE38D17-FBF2-C70D-CAEF-5D65FF651043}"/>
+              </a:ext>
+            </a:extLst>
+          </p:cNvPr>
+          <p:cNvSpPr>
+            <a:spLocks noGrp="1"/>
+          </p:cNvSpPr>
+          <p:nvPr>
+            <p:ph type="title"/>
+          </p:nvPr>
+        </p:nvSpPr>
+        <p:spPr/>
+        <p:txBody>
+          <a:bodyPr/>
+          <a:lstStyle/>
+          <a:p>
+            <a:r>
+              <a:rPr lang="en-US" dirty="0"/>
+              <a:t>Chaos Expander</a:t>
+            </a:r>
+          </a:p>
+        </p:txBody>
+      </p:sp>
+      <p:sp>
+        <p:nvSpPr>
+          <p:cNvPr id="3" name="Content Placeholder 2">
+            <a:extLst>
+              <a:ext uri="{FF2B5EF4-FFF2-40B4-BE49-F238E27FC236}">
+                <a16:creationId xmlns:a16="http://schemas.microsoft.com/office/drawing/2014/main" id="{CBE71C59-7B76-098E-65EB-499E87D68A29}"/>
+              </a:ext>
+            </a:extLst>
+          </p:cNvPr>
+          <p:cNvSpPr>
+            <a:spLocks noGrp="1"/>
+          </p:cNvSpPr>
+          <p:nvPr>
+            <p:ph idx="1"/>
+          </p:nvPr>
+        </p:nvSpPr>
+        <p:spPr/>
+        <p:txBody>
+          <a:bodyPr/>
+          <a:lstStyle/>
+          <a:p>
+            <a:r>
+              <a:rPr lang="en-US" dirty="0"/>
+              <a:t>We need to make sure the expanded sequence is still chaotic.</a:t>
+            </a:r>
+          </a:p>
+          <a:p>
+            <a:r>
+              <a:rPr lang="en-US" dirty="0"/>
+              <a:t>Run the 0-1 Test.</a:t>
+            </a:r>
+          </a:p>
+          <a:p>
+            <a:pPr lvl="1"/>
+            <a:r>
+              <a:rPr lang="en-US" dirty="0"/>
+              <a:t>This test takes a bit sequence as input, then performs mathematic operations, and outputs a value.</a:t>
+            </a:r>
+          </a:p>
+          <a:p>
+            <a:pPr lvl="1"/>
+            <a:endParaRPr lang="en-US" dirty="0"/>
+          </a:p>
+          <a:p>
+            <a:pPr lvl="2"/>
+            <a:r>
+              <a:rPr lang="en-US" dirty="0"/>
+              <a:t>Values close to zero are not chaotic.</a:t>
+            </a:r>
+          </a:p>
+          <a:p>
+            <a:pPr lvl="2"/>
+            <a:r>
+              <a:rPr lang="en-US" dirty="0"/>
+              <a:t>Values close to one however, are.</a:t>
+            </a:r>
+          </a:p>
+        </p:txBody>
+      </p:sp>
+      <p:sp>
+        <p:nvSpPr>
+          <p:cNvPr id="4" name="Date Placeholder 3">
+            <a:extLst>
+              <a:ext uri="{FF2B5EF4-FFF2-40B4-BE49-F238E27FC236}">
+                <a16:creationId xmlns:a16="http://schemas.microsoft.com/office/drawing/2014/main" id="{63D2E311-7F25-AA60-223E-36531760B577}"/>
+              </a:ext>
+            </a:extLst>
+          </p:cNvPr>
+          <p:cNvSpPr>
+            <a:spLocks noGrp="1"/>
+          </p:cNvSpPr>
+          <p:nvPr>
+            <p:ph type="dt" sz="half" idx="10"/>
+          </p:nvPr>
+        </p:nvSpPr>
+        <p:spPr/>
+        <p:txBody>
+          <a:bodyPr/>
+          <a:lstStyle/>
+          <a:p>
+            <a:fld id="{18D3FF95-6363-4042-9104-6A7447A69C8B}" type="datetime1">
+              <a:rPr lang="en-US" smtClean="0"/>
+              <a:t>12/15/2023</a:t>
+            </a:fld>
+            <a:endParaRPr lang="en-US"/>
+          </a:p>
+        </p:txBody>
+      </p:sp>
+      <p:sp>
+        <p:nvSpPr>
+          <p:cNvPr id="5" name="Footer Placeholder 4">
+            <a:extLst>
+              <a:ext uri="{FF2B5EF4-FFF2-40B4-BE49-F238E27FC236}">
+                <a16:creationId xmlns:a16="http://schemas.microsoft.com/office/drawing/2014/main" id="{42DC932E-01CC-3F9D-476A-98AE36B69BA1}"/>
+              </a:ext>
+            </a:extLst>
+          </p:cNvPr>
+          <p:cNvSpPr>
+            <a:spLocks noGrp="1"/>
+          </p:cNvSpPr>
+          <p:nvPr>
+            <p:ph type="ftr" sz="quarter" idx="11"/>
+          </p:nvPr>
+        </p:nvSpPr>
+        <p:spPr/>
+        <p:txBody>
+          <a:bodyPr/>
+          <a:lstStyle/>
+          <a:p>
+            <a:r>
+              <a:rPr lang="en-US" dirty="0"/>
+              <a:t>Omar Amer</a:t>
+            </a:r>
+          </a:p>
+        </p:txBody>
+      </p:sp>
+      <p:sp>
+        <p:nvSpPr>
+          <p:cNvPr id="6" name="Slide Number Placeholder 5">
+            <a:extLst>
+              <a:ext uri="{FF2B5EF4-FFF2-40B4-BE49-F238E27FC236}">
+                <a16:creationId xmlns:a16="http://schemas.microsoft.com/office/drawing/2014/main" id="{D794CCC7-07A6-7F24-7C17-5BEAEB3C7F09}"/>
+              </a:ext>
+            </a:extLst>
+          </p:cNvPr>
+          <p:cNvSpPr>
+            <a:spLocks noGrp="1"/>
+          </p:cNvSpPr>
+          <p:nvPr>
+            <p:ph type="sldNum" sz="quarter" idx="12"/>
+          </p:nvPr>
+        </p:nvSpPr>
+        <p:spPr/>
+        <p:txBody>
+          <a:bodyPr/>
+          <a:lstStyle/>
+          <a:p>
+            <a:fld id="{B568D961-7C42-4AF1-A1CA-E4683A0210D6}" type="slidenum">
+              <a:rPr lang="en-US" smtClean="0"/>
+              <a:t>22</a:t>
+            </a:fld>
+            <a:endParaRPr lang="en-US" dirty="0"/>
+          </a:p>
+        </p:txBody>
+      </p:sp>
+      <p:pic>
+        <p:nvPicPr>
+          <p:cNvPr id="8" name="Picture 7">
+            <a:extLst>
+              <a:ext uri="{FF2B5EF4-FFF2-40B4-BE49-F238E27FC236}">
+                <a16:creationId xmlns:a16="http://schemas.microsoft.com/office/drawing/2014/main" id="{A4A5565F-2AFB-D7CD-690A-01666A052E26}"/>
+              </a:ext>
+            </a:extLst>
+          </p:cNvPr>
+          <p:cNvPicPr>
+            <a:picLocks noChangeAspect="1"/>
+          </p:cNvPicPr>
+          <p:nvPr/>
+        </p:nvPicPr>
+        <p:blipFill>
+          <a:blip r:embed="rId2"/>
+          <a:stretch>
+            <a:fillRect/>
+          </a:stretch>
+        </p:blipFill>
+        <p:spPr>
+          <a:xfrm>
+            <a:off x="6192448" y="3553792"/>
+            <a:ext cx="4836304" cy="1891362"/>
+          </a:xfrm>
+          <a:prstGeom prst="rect">
+            <a:avLst/>
+          </a:prstGeom>
+        </p:spPr>
+      </p:pic>
+    </p:spTree>
+    <p:extLst>
+      <p:ext uri="{BB962C8B-B14F-4D97-AF65-F5344CB8AC3E}">
+        <p14:creationId xmlns:p14="http://schemas.microsoft.com/office/powerpoint/2010/main" val="2581328482"/>
+      </p:ext>
+    </p:extLst>
+  </p:cSld>
+  <p:clrMapOvr>
+    <a:masterClrMapping/>
+  </p:clrMapOvr>
+  <mc:AlternateContent xmlns:mc="http://schemas.openxmlformats.org/markup-compatibility/2006">
+    <mc:Choice xmlns:p14="http://schemas.microsoft.com/office/powerpoint/2010/main" Requires="p14">
+      <p:transition spd="med" p14:dur="700">
+        <p:fade/>
+      </p:transition>
+    </mc:Choice>
+    <mc:Fallback>
+      <p:transition spd="med">
+        <p:fade/>
+      </p:transition>
+    </mc:Fallback>
+  </mc:AlternateContent>
+</p:sld>
+</file>
+
+<file path=ppt/slides/slide23.xml><?xml version="1.0" encoding="utf-8"?>
+<p:sld xmlns:a="http://schemas.openxmlformats.org/drawingml/2006/main" xmlns:r="http://schemas.openxmlformats.org/officeDocument/2006/relationships" xmlns:p="http://schemas.openxmlformats.org/presentationml/2006/main" show="0">
+  <p:cSld>
+    <p:spTree>
+      <p:nvGrpSpPr>
+        <p:cNvPr id="1" name=""/>
+        <p:cNvGrpSpPr/>
+        <p:nvPr/>
+      </p:nvGrpSpPr>
+      <p:grpSpPr>
+        <a:xfrm>
+          <a:off x="0" y="0"/>
+          <a:ext cx="0" cy="0"/>
+          <a:chOff x="0" y="0"/>
+          <a:chExt cx="0" cy="0"/>
+        </a:xfrm>
+      </p:grpSpPr>
+      <p:sp>
+        <p:nvSpPr>
+          <p:cNvPr id="2" name="Title 1">
+            <a:extLst>
+              <a:ext uri="{FF2B5EF4-FFF2-40B4-BE49-F238E27FC236}">
+                <a16:creationId xmlns:a16="http://schemas.microsoft.com/office/drawing/2014/main" id="{B25D7F5A-AB81-6747-E5E7-209C5344FCD7}"/>
+              </a:ext>
+            </a:extLst>
+          </p:cNvPr>
+          <p:cNvSpPr>
+            <a:spLocks noGrp="1"/>
+          </p:cNvSpPr>
+          <p:nvPr>
+            <p:ph type="title"/>
+          </p:nvPr>
+        </p:nvSpPr>
+        <p:spPr/>
+        <p:txBody>
+          <a:bodyPr/>
+          <a:lstStyle/>
+          <a:p>
+            <a:r>
+              <a:rPr lang="en-US" dirty="0"/>
+              <a:t>FSM</a:t>
+            </a:r>
+          </a:p>
+        </p:txBody>
+      </p:sp>
+      <p:sp>
+        <p:nvSpPr>
+          <p:cNvPr id="3" name="Content Placeholder 2">
+            <a:extLst>
+              <a:ext uri="{FF2B5EF4-FFF2-40B4-BE49-F238E27FC236}">
+                <a16:creationId xmlns:a16="http://schemas.microsoft.com/office/drawing/2014/main" id="{37EC3157-756B-6961-AAB1-7429B3906B43}"/>
+              </a:ext>
+            </a:extLst>
+          </p:cNvPr>
+          <p:cNvSpPr>
+            <a:spLocks noGrp="1"/>
+          </p:cNvSpPr>
+          <p:nvPr>
+            <p:ph idx="1"/>
+          </p:nvPr>
+        </p:nvSpPr>
+        <p:spPr/>
+        <p:txBody>
+          <a:bodyPr/>
+          <a:lstStyle/>
+          <a:p>
+            <a:r>
+              <a:rPr lang="en-US" dirty="0"/>
+              <a:t>Single FF FSM.</a:t>
+            </a:r>
+          </a:p>
+          <a:p>
+            <a:pPr lvl="1"/>
+            <a:r>
+              <a:rPr lang="en-US" dirty="0"/>
+              <a:t>Two states: </a:t>
+            </a:r>
+            <a:r>
+              <a:rPr lang="en-US" b="1" i="1" dirty="0"/>
+              <a:t>IDLE</a:t>
+            </a:r>
+            <a:r>
+              <a:rPr lang="en-US" dirty="0"/>
+              <a:t>, and </a:t>
+            </a:r>
+            <a:r>
+              <a:rPr lang="en-US" b="1" i="1" dirty="0"/>
+              <a:t>SEND</a:t>
+            </a:r>
+            <a:r>
+              <a:rPr lang="en-US" dirty="0"/>
+              <a:t>.</a:t>
+            </a:r>
+          </a:p>
+          <a:p>
+            <a:pPr lvl="1"/>
+            <a:r>
+              <a:rPr lang="en-US" dirty="0"/>
+              <a:t>Controls when to load the message/chaos into their respective buffers.</a:t>
+            </a:r>
+          </a:p>
+          <a:p>
+            <a:pPr lvl="1"/>
+            <a:r>
+              <a:rPr lang="en-US" dirty="0"/>
+              <a:t>Enables/disables the Chip/Bit Counter.</a:t>
+            </a:r>
+          </a:p>
+          <a:p>
+            <a:pPr lvl="1"/>
+            <a:r>
+              <a:rPr lang="en-US" dirty="0"/>
+              <a:t>Outputs chaos/message bits from their respective buffers</a:t>
+            </a:r>
+          </a:p>
+        </p:txBody>
+      </p:sp>
+      <p:sp>
+        <p:nvSpPr>
+          <p:cNvPr id="4" name="Date Placeholder 3">
+            <a:extLst>
+              <a:ext uri="{FF2B5EF4-FFF2-40B4-BE49-F238E27FC236}">
+                <a16:creationId xmlns:a16="http://schemas.microsoft.com/office/drawing/2014/main" id="{570036E0-2D74-6A1D-5504-F7AC015DDC41}"/>
+              </a:ext>
+            </a:extLst>
+          </p:cNvPr>
+          <p:cNvSpPr>
+            <a:spLocks noGrp="1"/>
+          </p:cNvSpPr>
+          <p:nvPr>
+            <p:ph type="dt" sz="half" idx="10"/>
+          </p:nvPr>
+        </p:nvSpPr>
+        <p:spPr/>
+        <p:txBody>
+          <a:bodyPr/>
+          <a:lstStyle/>
+          <a:p>
+            <a:fld id="{784B6403-72E5-4C81-BBE2-901D5C7CD968}" type="datetime1">
+              <a:rPr lang="en-US" smtClean="0"/>
+              <a:t>12/15/2023</a:t>
+            </a:fld>
+            <a:endParaRPr lang="en-US"/>
+          </a:p>
+        </p:txBody>
+      </p:sp>
+      <p:sp>
+        <p:nvSpPr>
+          <p:cNvPr id="5" name="Footer Placeholder 4">
+            <a:extLst>
+              <a:ext uri="{FF2B5EF4-FFF2-40B4-BE49-F238E27FC236}">
+                <a16:creationId xmlns:a16="http://schemas.microsoft.com/office/drawing/2014/main" id="{72C5274E-628B-876A-4C32-53DDA7668E05}"/>
+              </a:ext>
+            </a:extLst>
+          </p:cNvPr>
+          <p:cNvSpPr>
+            <a:spLocks noGrp="1"/>
+          </p:cNvSpPr>
+          <p:nvPr>
+            <p:ph type="ftr" sz="quarter" idx="11"/>
+          </p:nvPr>
+        </p:nvSpPr>
+        <p:spPr/>
+        <p:txBody>
+          <a:bodyPr/>
+          <a:lstStyle/>
+          <a:p>
+            <a:r>
+              <a:rPr lang="en-US" dirty="0"/>
+              <a:t>Omar Amer</a:t>
+            </a:r>
+          </a:p>
+        </p:txBody>
+      </p:sp>
+      <p:sp>
+        <p:nvSpPr>
+          <p:cNvPr id="6" name="Slide Number Placeholder 5">
+            <a:extLst>
+              <a:ext uri="{FF2B5EF4-FFF2-40B4-BE49-F238E27FC236}">
+                <a16:creationId xmlns:a16="http://schemas.microsoft.com/office/drawing/2014/main" id="{DE1C4504-2957-D27E-F43D-FAF1CD50242F}"/>
+              </a:ext>
+            </a:extLst>
+          </p:cNvPr>
+          <p:cNvSpPr>
+            <a:spLocks noGrp="1"/>
+          </p:cNvSpPr>
+          <p:nvPr>
+            <p:ph type="sldNum" sz="quarter" idx="12"/>
+          </p:nvPr>
+        </p:nvSpPr>
+        <p:spPr/>
+        <p:txBody>
+          <a:bodyPr/>
+          <a:lstStyle/>
+          <a:p>
+            <a:fld id="{B568D961-7C42-4AF1-A1CA-E4683A0210D6}" type="slidenum">
+              <a:rPr lang="en-US" smtClean="0"/>
+              <a:t>23</a:t>
+            </a:fld>
+            <a:endParaRPr lang="en-US" dirty="0"/>
+          </a:p>
+        </p:txBody>
+      </p:sp>
+    </p:spTree>
+    <p:extLst>
+      <p:ext uri="{BB962C8B-B14F-4D97-AF65-F5344CB8AC3E}">
+        <p14:creationId xmlns:p14="http://schemas.microsoft.com/office/powerpoint/2010/main" val="2428559803"/>
+      </p:ext>
+    </p:extLst>
+  </p:cSld>
+  <p:clrMapOvr>
+    <a:masterClrMapping/>
+  </p:clrMapOvr>
+  <mc:AlternateContent xmlns:mc="http://schemas.openxmlformats.org/markup-compatibility/2006">
+    <mc:Choice xmlns:p14="http://schemas.microsoft.com/office/powerpoint/2010/main" Requires="p14">
+      <p:transition spd="med" p14:dur="700">
+        <p:fade/>
+      </p:transition>
+    </mc:Choice>
+    <mc:Fallback>
+      <p:transition spd="med">
+        <p:fade/>
+      </p:transition>
+    </mc:Fallback>
+  </mc:AlternateContent>
+</p:sld>
+</file>
+
+<file path=ppt/slides/slide24.xml><?xml version="1.0" encoding="utf-8"?>
+<p:sld xmlns:a="http://schemas.openxmlformats.org/drawingml/2006/main" xmlns:r="http://schemas.openxmlformats.org/officeDocument/2006/relationships" xmlns:p="http://schemas.openxmlformats.org/presentationml/2006/main">
+  <p:cSld>
+    <p:spTree>
+      <p:nvGrpSpPr>
+        <p:cNvPr id="1" name=""/>
+        <p:cNvGrpSpPr/>
+        <p:nvPr/>
+      </p:nvGrpSpPr>
+      <p:grpSpPr>
+        <a:xfrm>
+          <a:off x="0" y="0"/>
+          <a:ext cx="0" cy="0"/>
+          <a:chOff x="0" y="0"/>
+          <a:chExt cx="0" cy="0"/>
+        </a:xfrm>
+      </p:grpSpPr>
+      <p:sp>
+        <p:nvSpPr>
+          <p:cNvPr id="2" name="Title 1">
+            <a:extLst>
+              <a:ext uri="{FF2B5EF4-FFF2-40B4-BE49-F238E27FC236}">
+                <a16:creationId xmlns:a16="http://schemas.microsoft.com/office/drawing/2014/main" id="{391E5194-60CA-4690-D444-057DB7360240}"/>
+              </a:ext>
+            </a:extLst>
+          </p:cNvPr>
+          <p:cNvSpPr>
+            <a:spLocks noGrp="1"/>
+          </p:cNvSpPr>
+          <p:nvPr>
+            <p:ph type="title"/>
+          </p:nvPr>
+        </p:nvSpPr>
+        <p:spPr/>
+        <p:txBody>
+          <a:bodyPr/>
+          <a:lstStyle/>
+          <a:p>
+            <a:r>
+              <a:rPr lang="en-US" dirty="0"/>
+              <a:t>Modulator</a:t>
+            </a:r>
+          </a:p>
+        </p:txBody>
+      </p:sp>
+      <p:sp>
+        <p:nvSpPr>
+          <p:cNvPr id="4" name="Date Placeholder 3">
+            <a:extLst>
+              <a:ext uri="{FF2B5EF4-FFF2-40B4-BE49-F238E27FC236}">
+                <a16:creationId xmlns:a16="http://schemas.microsoft.com/office/drawing/2014/main" id="{13CDCBEE-6BC5-DEE0-8FF1-268F3CB3F8B0}"/>
+              </a:ext>
+            </a:extLst>
+          </p:cNvPr>
+          <p:cNvSpPr>
+            <a:spLocks noGrp="1"/>
+          </p:cNvSpPr>
+          <p:nvPr>
+            <p:ph type="dt" sz="half" idx="10"/>
+          </p:nvPr>
+        </p:nvSpPr>
+        <p:spPr/>
+        <p:txBody>
+          <a:bodyPr/>
+          <a:lstStyle/>
+          <a:p>
+            <a:fld id="{D7FBBE81-0C03-4C66-814D-7E969E7EF9FB}" type="datetime1">
+              <a:rPr lang="en-US" smtClean="0"/>
+              <a:t>12/15/2023</a:t>
+            </a:fld>
+            <a:endParaRPr lang="en-US"/>
+          </a:p>
+        </p:txBody>
+      </p:sp>
+      <p:sp>
+        <p:nvSpPr>
+          <p:cNvPr id="5" name="Footer Placeholder 4">
+            <a:extLst>
+              <a:ext uri="{FF2B5EF4-FFF2-40B4-BE49-F238E27FC236}">
+                <a16:creationId xmlns:a16="http://schemas.microsoft.com/office/drawing/2014/main" id="{0C41E427-7A16-6F57-A7E2-4C33F2372CC9}"/>
+              </a:ext>
+            </a:extLst>
+          </p:cNvPr>
+          <p:cNvSpPr>
+            <a:spLocks noGrp="1"/>
+          </p:cNvSpPr>
+          <p:nvPr>
+            <p:ph type="ftr" sz="quarter" idx="11"/>
+          </p:nvPr>
+        </p:nvSpPr>
+        <p:spPr/>
+        <p:txBody>
+          <a:bodyPr/>
+          <a:lstStyle/>
+          <a:p>
+            <a:r>
+              <a:rPr lang="en-US" dirty="0"/>
+              <a:t>Omar Amer</a:t>
+            </a:r>
+          </a:p>
+        </p:txBody>
+      </p:sp>
+      <p:sp>
+        <p:nvSpPr>
+          <p:cNvPr id="6" name="Slide Number Placeholder 5">
+            <a:extLst>
+              <a:ext uri="{FF2B5EF4-FFF2-40B4-BE49-F238E27FC236}">
+                <a16:creationId xmlns:a16="http://schemas.microsoft.com/office/drawing/2014/main" id="{19DC9A80-1A2F-AD7C-68A5-FDC39DB86280}"/>
+              </a:ext>
+            </a:extLst>
+          </p:cNvPr>
+          <p:cNvSpPr>
+            <a:spLocks noGrp="1"/>
+          </p:cNvSpPr>
+          <p:nvPr>
+            <p:ph type="sldNum" sz="quarter" idx="12"/>
+          </p:nvPr>
+        </p:nvSpPr>
+        <p:spPr/>
+        <p:txBody>
+          <a:bodyPr/>
+          <a:lstStyle/>
+          <a:p>
+            <a:fld id="{B568D961-7C42-4AF1-A1CA-E4683A0210D6}" type="slidenum">
+              <a:rPr lang="en-US" smtClean="0"/>
+              <a:t>24</a:t>
             </a:fld>
             <a:endParaRPr lang="en-US" dirty="0"/>
           </a:p>
@@ -7638,1777 +9607,18 @@
   <p:clrMapOvr>
     <a:masterClrMapping/>
   </p:clrMapOvr>
-</p:sld>
-</file>
-
-<file path=ppt/slides/slide18.xml><?xml version="1.0" encoding="utf-8"?>
-<p:sld xmlns:a="http://schemas.openxmlformats.org/drawingml/2006/main" xmlns:r="http://schemas.openxmlformats.org/officeDocument/2006/relationships" xmlns:p="http://schemas.openxmlformats.org/presentationml/2006/main">
-  <p:cSld>
-    <p:spTree>
-      <p:nvGrpSpPr>
-        <p:cNvPr id="1" name=""/>
-        <p:cNvGrpSpPr/>
-        <p:nvPr/>
-      </p:nvGrpSpPr>
-      <p:grpSpPr>
-        <a:xfrm>
-          <a:off x="0" y="0"/>
-          <a:ext cx="0" cy="0"/>
-          <a:chOff x="0" y="0"/>
-          <a:chExt cx="0" cy="0"/>
-        </a:xfrm>
-      </p:grpSpPr>
-      <p:sp>
-        <p:nvSpPr>
-          <p:cNvPr id="2" name="Title 1">
-            <a:extLst>
-              <a:ext uri="{FF2B5EF4-FFF2-40B4-BE49-F238E27FC236}">
-                <a16:creationId xmlns:a16="http://schemas.microsoft.com/office/drawing/2014/main" id="{568CDA5D-0AAA-AE5C-C233-ECF1E91392D7}"/>
-              </a:ext>
-            </a:extLst>
-          </p:cNvPr>
-          <p:cNvSpPr>
-            <a:spLocks noGrp="1"/>
-          </p:cNvSpPr>
-          <p:nvPr>
-            <p:ph type="title"/>
-          </p:nvPr>
-        </p:nvSpPr>
-        <p:spPr/>
-        <p:txBody>
-          <a:bodyPr/>
-          <a:lstStyle/>
-          <a:p>
-            <a:r>
-              <a:rPr lang="en-US" dirty="0"/>
-              <a:t>Chaos Generator</a:t>
-            </a:r>
-          </a:p>
-        </p:txBody>
-      </p:sp>
-      <p:sp>
-        <p:nvSpPr>
-          <p:cNvPr id="3" name="Content Placeholder 2">
-            <a:extLst>
-              <a:ext uri="{FF2B5EF4-FFF2-40B4-BE49-F238E27FC236}">
-                <a16:creationId xmlns:a16="http://schemas.microsoft.com/office/drawing/2014/main" id="{69CF16D8-1951-2E42-12D6-73D0CB1E0AF0}"/>
-              </a:ext>
-            </a:extLst>
-          </p:cNvPr>
-          <p:cNvSpPr>
-            <a:spLocks noGrp="1"/>
-          </p:cNvSpPr>
-          <p:nvPr>
-            <p:ph idx="1"/>
-          </p:nvPr>
-        </p:nvSpPr>
-        <p:spPr/>
-        <p:txBody>
-          <a:bodyPr/>
-          <a:lstStyle/>
-          <a:p>
-            <a:r>
-              <a:rPr lang="en-US" dirty="0"/>
-              <a:t>This module generates the required chaos bits for modulation.</a:t>
-            </a:r>
-          </a:p>
-          <a:p>
-            <a:r>
-              <a:rPr lang="en-US" dirty="0"/>
-              <a:t>It consists of three main parts:</a:t>
-            </a:r>
-          </a:p>
-          <a:p>
-            <a:pPr lvl="1"/>
-            <a:r>
-              <a:rPr lang="en-US" dirty="0"/>
-              <a:t>16-bit chaotic sequence generator.</a:t>
-            </a:r>
-          </a:p>
-          <a:p>
-            <a:pPr lvl="1"/>
-            <a:r>
-              <a:rPr lang="en-US" dirty="0"/>
-              <a:t>16-bit to 256-bit chaos expander.</a:t>
-            </a:r>
-          </a:p>
-          <a:p>
-            <a:pPr lvl="1"/>
-            <a:r>
-              <a:rPr lang="en-US" dirty="0"/>
-              <a:t>Chaos PISO.</a:t>
-            </a:r>
-          </a:p>
-        </p:txBody>
-      </p:sp>
-      <p:sp>
-        <p:nvSpPr>
-          <p:cNvPr id="4" name="Date Placeholder 3">
-            <a:extLst>
-              <a:ext uri="{FF2B5EF4-FFF2-40B4-BE49-F238E27FC236}">
-                <a16:creationId xmlns:a16="http://schemas.microsoft.com/office/drawing/2014/main" id="{FDB66CFD-8EF0-6D84-8983-36DA750C1695}"/>
-              </a:ext>
-            </a:extLst>
-          </p:cNvPr>
-          <p:cNvSpPr>
-            <a:spLocks noGrp="1"/>
-          </p:cNvSpPr>
-          <p:nvPr>
-            <p:ph type="dt" sz="half" idx="10"/>
-          </p:nvPr>
-        </p:nvSpPr>
-        <p:spPr/>
-        <p:txBody>
-          <a:bodyPr/>
-          <a:lstStyle/>
-          <a:p>
-            <a:fld id="{9D97ECED-A131-4A00-9931-67021DF151E1}" type="datetime1">
-              <a:rPr lang="en-US" smtClean="0"/>
-              <a:t>12/15/2023</a:t>
-            </a:fld>
-            <a:endParaRPr lang="en-US"/>
-          </a:p>
-        </p:txBody>
-      </p:sp>
-      <p:sp>
-        <p:nvSpPr>
-          <p:cNvPr id="5" name="Footer Placeholder 4">
-            <a:extLst>
-              <a:ext uri="{FF2B5EF4-FFF2-40B4-BE49-F238E27FC236}">
-                <a16:creationId xmlns:a16="http://schemas.microsoft.com/office/drawing/2014/main" id="{933D3539-10E5-15C6-0761-C01FFA7F754E}"/>
-              </a:ext>
-            </a:extLst>
-          </p:cNvPr>
-          <p:cNvSpPr>
-            <a:spLocks noGrp="1"/>
-          </p:cNvSpPr>
-          <p:nvPr>
-            <p:ph type="ftr" sz="quarter" idx="11"/>
-          </p:nvPr>
-        </p:nvSpPr>
-        <p:spPr/>
-        <p:txBody>
-          <a:bodyPr/>
-          <a:lstStyle/>
-          <a:p>
-            <a:r>
-              <a:rPr lang="en-US" dirty="0"/>
-              <a:t>Omar Amer</a:t>
-            </a:r>
-          </a:p>
-        </p:txBody>
-      </p:sp>
-      <p:sp>
-        <p:nvSpPr>
-          <p:cNvPr id="6" name="Slide Number Placeholder 5">
-            <a:extLst>
-              <a:ext uri="{FF2B5EF4-FFF2-40B4-BE49-F238E27FC236}">
-                <a16:creationId xmlns:a16="http://schemas.microsoft.com/office/drawing/2014/main" id="{843998B4-2CA2-A961-47A0-FF4166C5F64E}"/>
-              </a:ext>
-            </a:extLst>
-          </p:cNvPr>
-          <p:cNvSpPr>
-            <a:spLocks noGrp="1"/>
-          </p:cNvSpPr>
-          <p:nvPr>
-            <p:ph type="sldNum" sz="quarter" idx="12"/>
-          </p:nvPr>
-        </p:nvSpPr>
-        <p:spPr/>
-        <p:txBody>
-          <a:bodyPr/>
-          <a:lstStyle/>
-          <a:p>
-            <a:fld id="{B568D961-7C42-4AF1-A1CA-E4683A0210D6}" type="slidenum">
-              <a:rPr lang="en-US" smtClean="0"/>
-              <a:t>18</a:t>
-            </a:fld>
-            <a:endParaRPr lang="en-US" dirty="0"/>
-          </a:p>
-        </p:txBody>
-      </p:sp>
-    </p:spTree>
-    <p:extLst>
-      <p:ext uri="{BB962C8B-B14F-4D97-AF65-F5344CB8AC3E}">
-        <p14:creationId xmlns:p14="http://schemas.microsoft.com/office/powerpoint/2010/main" val="535700942"/>
-      </p:ext>
-    </p:extLst>
-  </p:cSld>
-  <p:clrMapOvr>
-    <a:masterClrMapping/>
-  </p:clrMapOvr>
-</p:sld>
-</file>
-
-<file path=ppt/slides/slide19.xml><?xml version="1.0" encoding="utf-8"?>
-<p:sld xmlns:a="http://schemas.openxmlformats.org/drawingml/2006/main" xmlns:r="http://schemas.openxmlformats.org/officeDocument/2006/relationships" xmlns:p="http://schemas.openxmlformats.org/presentationml/2006/main">
-  <p:cSld>
-    <p:spTree>
-      <p:nvGrpSpPr>
-        <p:cNvPr id="1" name=""/>
-        <p:cNvGrpSpPr/>
-        <p:nvPr/>
-      </p:nvGrpSpPr>
-      <p:grpSpPr>
-        <a:xfrm>
-          <a:off x="0" y="0"/>
-          <a:ext cx="0" cy="0"/>
-          <a:chOff x="0" y="0"/>
-          <a:chExt cx="0" cy="0"/>
-        </a:xfrm>
-      </p:grpSpPr>
-      <p:sp>
-        <p:nvSpPr>
-          <p:cNvPr id="2" name="Title 1">
-            <a:extLst>
-              <a:ext uri="{FF2B5EF4-FFF2-40B4-BE49-F238E27FC236}">
-                <a16:creationId xmlns:a16="http://schemas.microsoft.com/office/drawing/2014/main" id="{6C75114B-D463-C2E0-4C81-21FFB61B606F}"/>
-              </a:ext>
-            </a:extLst>
-          </p:cNvPr>
-          <p:cNvSpPr>
-            <a:spLocks noGrp="1"/>
-          </p:cNvSpPr>
-          <p:nvPr>
-            <p:ph type="title"/>
-          </p:nvPr>
-        </p:nvSpPr>
-        <p:spPr/>
-        <p:txBody>
-          <a:bodyPr/>
-          <a:lstStyle/>
-          <a:p>
-            <a:r>
-              <a:rPr lang="en-US" dirty="0"/>
-              <a:t>Sequence Generator</a:t>
-            </a:r>
-          </a:p>
-        </p:txBody>
-      </p:sp>
-      <mc:AlternateContent xmlns:mc="http://schemas.openxmlformats.org/markup-compatibility/2006" xmlns:a14="http://schemas.microsoft.com/office/drawing/2010/main">
-        <mc:Choice Requires="a14">
-          <p:sp>
-            <p:nvSpPr>
-              <p:cNvPr id="3" name="Content Placeholder 2">
-                <a:extLst>
-                  <a:ext uri="{FF2B5EF4-FFF2-40B4-BE49-F238E27FC236}">
-                    <a16:creationId xmlns:a16="http://schemas.microsoft.com/office/drawing/2014/main" id="{64637142-D330-05FC-D31E-2A651ACF3CFD}"/>
-                  </a:ext>
-                </a:extLst>
-              </p:cNvPr>
-              <p:cNvSpPr>
-                <a:spLocks noGrp="1"/>
-              </p:cNvSpPr>
-              <p:nvPr>
-                <p:ph idx="1"/>
-              </p:nvPr>
-            </p:nvSpPr>
-            <p:spPr/>
-            <p:txBody>
-              <a:bodyPr/>
-              <a:lstStyle/>
-              <a:p>
-                <a:r>
-                  <a:rPr lang="en-US" dirty="0"/>
-                  <a:t>The sequence generator is built on a fixed-point model of the logistic map.</a:t>
-                </a:r>
-              </a:p>
-              <a:p>
-                <a:pPr lvl="1"/>
-                <a:r>
-                  <a:rPr lang="en-US" dirty="0"/>
-                  <a:t>The input is Q0.8. The output is Q0.16. </a:t>
-                </a:r>
-              </a:p>
-              <a:p>
-                <a:r>
-                  <a:rPr lang="en-US" dirty="0"/>
-                  <a:t>The growth value, </a:t>
-                </a:r>
-                <a14:m>
-                  <m:oMath xmlns:m="http://schemas.openxmlformats.org/officeDocument/2006/math">
-                    <m:r>
-                      <a:rPr lang="en-US" b="0" i="1" smtClean="0">
-                        <a:latin typeface="Cambria Math" panose="02040503050406030204" pitchFamily="18" charset="0"/>
-                      </a:rPr>
-                      <m:t>𝑟</m:t>
-                    </m:r>
-                  </m:oMath>
-                </a14:m>
-                <a:r>
-                  <a:rPr lang="en-US" dirty="0"/>
-                  <a:t>, is chosen to be four.</a:t>
-                </a:r>
-              </a:p>
-              <a:p>
-                <a:pPr lvl="1"/>
-                <a:r>
-                  <a:rPr lang="en-US" dirty="0"/>
-                  <a:t>This means that we now multiply by a power of two.</a:t>
-                </a:r>
-              </a:p>
-              <a:p>
-                <a:pPr lvl="1"/>
-                <a:r>
-                  <a:rPr lang="en-US" dirty="0"/>
-                  <a:t>We can use two logical left shifts instead. This saves power, area, and performance.</a:t>
-                </a:r>
-              </a:p>
-              <a:p>
-                <a:r>
-                  <a:rPr lang="en-US" dirty="0"/>
-                  <a:t>Multiplication is performed using a </a:t>
-                </a:r>
-                <a:r>
-                  <a:rPr lang="en-US" i="1" dirty="0"/>
-                  <a:t>Radix-4 Booth Multiplier</a:t>
-                </a:r>
-                <a:r>
-                  <a:rPr lang="en-US" dirty="0"/>
-                  <a:t>.</a:t>
-                </a:r>
-              </a:p>
-              <a:p>
-                <a:pPr lvl="1"/>
-                <a:r>
-                  <a:rPr lang="en-US" dirty="0"/>
-                  <a:t>Reduces the number of partial products to four. Saves area and performance.</a:t>
-                </a:r>
-              </a:p>
-              <a:p>
-                <a:pPr marL="0" indent="0">
-                  <a:buNone/>
-                </a:pPr>
-                <a:endParaRPr lang="en-US" dirty="0"/>
-              </a:p>
-            </p:txBody>
-          </p:sp>
-        </mc:Choice>
-        <mc:Fallback xmlns="">
-          <p:sp>
-            <p:nvSpPr>
-              <p:cNvPr id="3" name="Content Placeholder 2">
-                <a:extLst>
-                  <a:ext uri="{FF2B5EF4-FFF2-40B4-BE49-F238E27FC236}">
-                    <a16:creationId xmlns:a16="http://schemas.microsoft.com/office/drawing/2014/main" id="{64637142-D330-05FC-D31E-2A651ACF3CFD}"/>
-                  </a:ext>
-                </a:extLst>
-              </p:cNvPr>
-              <p:cNvSpPr>
-                <a:spLocks noGrp="1" noRot="1" noChangeAspect="1" noMove="1" noResize="1" noEditPoints="1" noAdjustHandles="1" noChangeArrowheads="1" noChangeShapeType="1" noTextEdit="1"/>
-              </p:cNvSpPr>
-              <p:nvPr>
-                <p:ph idx="1"/>
-              </p:nvPr>
-            </p:nvSpPr>
-            <p:spPr>
-              <a:blipFill>
-                <a:blip r:embed="rId2"/>
-                <a:stretch>
-                  <a:fillRect l="-1043" t="-2241" r="-58"/>
-                </a:stretch>
-              </a:blipFill>
-            </p:spPr>
-            <p:txBody>
-              <a:bodyPr/>
-              <a:lstStyle/>
-              <a:p>
-                <a:r>
-                  <a:rPr lang="en-US">
-                    <a:noFill/>
-                  </a:rPr>
-                  <a:t> </a:t>
-                </a:r>
-              </a:p>
-            </p:txBody>
-          </p:sp>
-        </mc:Fallback>
-      </mc:AlternateContent>
-      <p:sp>
-        <p:nvSpPr>
-          <p:cNvPr id="4" name="Date Placeholder 3">
-            <a:extLst>
-              <a:ext uri="{FF2B5EF4-FFF2-40B4-BE49-F238E27FC236}">
-                <a16:creationId xmlns:a16="http://schemas.microsoft.com/office/drawing/2014/main" id="{FC1D0109-5483-1D2D-0725-E710EE1C579F}"/>
-              </a:ext>
-            </a:extLst>
-          </p:cNvPr>
-          <p:cNvSpPr>
-            <a:spLocks noGrp="1"/>
-          </p:cNvSpPr>
-          <p:nvPr>
-            <p:ph type="dt" sz="half" idx="10"/>
-          </p:nvPr>
-        </p:nvSpPr>
-        <p:spPr/>
-        <p:txBody>
-          <a:bodyPr/>
-          <a:lstStyle/>
-          <a:p>
-            <a:fld id="{C68961F1-6E5A-4A22-ACD6-679AD5D492F5}" type="datetime1">
-              <a:rPr lang="en-US" smtClean="0"/>
-              <a:t>12/15/2023</a:t>
-            </a:fld>
-            <a:endParaRPr lang="en-US"/>
-          </a:p>
-        </p:txBody>
-      </p:sp>
-      <p:sp>
-        <p:nvSpPr>
-          <p:cNvPr id="5" name="Footer Placeholder 4">
-            <a:extLst>
-              <a:ext uri="{FF2B5EF4-FFF2-40B4-BE49-F238E27FC236}">
-                <a16:creationId xmlns:a16="http://schemas.microsoft.com/office/drawing/2014/main" id="{9776685D-1295-8D58-AD6D-A26DC4AB0361}"/>
-              </a:ext>
-            </a:extLst>
-          </p:cNvPr>
-          <p:cNvSpPr>
-            <a:spLocks noGrp="1"/>
-          </p:cNvSpPr>
-          <p:nvPr>
-            <p:ph type="ftr" sz="quarter" idx="11"/>
-          </p:nvPr>
-        </p:nvSpPr>
-        <p:spPr/>
-        <p:txBody>
-          <a:bodyPr/>
-          <a:lstStyle/>
-          <a:p>
-            <a:r>
-              <a:rPr lang="en-US" dirty="0"/>
-              <a:t>Omar Amer</a:t>
-            </a:r>
-          </a:p>
-        </p:txBody>
-      </p:sp>
-      <p:sp>
-        <p:nvSpPr>
-          <p:cNvPr id="6" name="Slide Number Placeholder 5">
-            <a:extLst>
-              <a:ext uri="{FF2B5EF4-FFF2-40B4-BE49-F238E27FC236}">
-                <a16:creationId xmlns:a16="http://schemas.microsoft.com/office/drawing/2014/main" id="{BE6CC078-7DBA-2A57-AD3A-41F5BAC6EF45}"/>
-              </a:ext>
-            </a:extLst>
-          </p:cNvPr>
-          <p:cNvSpPr>
-            <a:spLocks noGrp="1"/>
-          </p:cNvSpPr>
-          <p:nvPr>
-            <p:ph type="sldNum" sz="quarter" idx="12"/>
-          </p:nvPr>
-        </p:nvSpPr>
-        <p:spPr/>
-        <p:txBody>
-          <a:bodyPr/>
-          <a:lstStyle/>
-          <a:p>
-            <a:fld id="{B568D961-7C42-4AF1-A1CA-E4683A0210D6}" type="slidenum">
-              <a:rPr lang="en-US" smtClean="0"/>
-              <a:t>19</a:t>
-            </a:fld>
-            <a:endParaRPr lang="en-US" dirty="0"/>
-          </a:p>
-        </p:txBody>
-      </p:sp>
-    </p:spTree>
-    <p:extLst>
-      <p:ext uri="{BB962C8B-B14F-4D97-AF65-F5344CB8AC3E}">
-        <p14:creationId xmlns:p14="http://schemas.microsoft.com/office/powerpoint/2010/main" val="4214586525"/>
-      </p:ext>
-    </p:extLst>
-  </p:cSld>
-  <p:clrMapOvr>
-    <a:masterClrMapping/>
-  </p:clrMapOvr>
-</p:sld>
-</file>
-
-<file path=ppt/slides/slide2.xml><?xml version="1.0" encoding="utf-8"?>
-<p:sld xmlns:a="http://schemas.openxmlformats.org/drawingml/2006/main" xmlns:r="http://schemas.openxmlformats.org/officeDocument/2006/relationships" xmlns:p="http://schemas.openxmlformats.org/presentationml/2006/main">
-  <p:cSld>
-    <p:spTree>
-      <p:nvGrpSpPr>
-        <p:cNvPr id="1" name=""/>
-        <p:cNvGrpSpPr/>
-        <p:nvPr/>
-      </p:nvGrpSpPr>
-      <p:grpSpPr>
-        <a:xfrm>
-          <a:off x="0" y="0"/>
-          <a:ext cx="0" cy="0"/>
-          <a:chOff x="0" y="0"/>
-          <a:chExt cx="0" cy="0"/>
-        </a:xfrm>
-      </p:grpSpPr>
-      <p:sp>
-        <p:nvSpPr>
-          <p:cNvPr id="2" name="Title 1">
-            <a:extLst>
-              <a:ext uri="{FF2B5EF4-FFF2-40B4-BE49-F238E27FC236}">
-                <a16:creationId xmlns:a16="http://schemas.microsoft.com/office/drawing/2014/main" id="{377D7670-6E4D-07EC-9EAC-3D133083B4C8}"/>
-              </a:ext>
-            </a:extLst>
-          </p:cNvPr>
-          <p:cNvSpPr>
-            <a:spLocks noGrp="1"/>
-          </p:cNvSpPr>
-          <p:nvPr>
-            <p:ph type="title"/>
-          </p:nvPr>
-        </p:nvSpPr>
-        <p:spPr/>
-        <p:txBody>
-          <a:bodyPr/>
-          <a:lstStyle/>
-          <a:p>
-            <a:r>
-              <a:rPr lang="en-US" dirty="0"/>
-              <a:t>Agenda</a:t>
-            </a:r>
-          </a:p>
-        </p:txBody>
-      </p:sp>
-      <p:sp>
-        <p:nvSpPr>
-          <p:cNvPr id="3" name="Content Placeholder 2">
-            <a:extLst>
-              <a:ext uri="{FF2B5EF4-FFF2-40B4-BE49-F238E27FC236}">
-                <a16:creationId xmlns:a16="http://schemas.microsoft.com/office/drawing/2014/main" id="{49CD3A4F-A931-D247-C805-AA27770CC549}"/>
-              </a:ext>
-            </a:extLst>
-          </p:cNvPr>
-          <p:cNvSpPr>
-            <a:spLocks noGrp="1"/>
-          </p:cNvSpPr>
-          <p:nvPr>
-            <p:ph idx="1"/>
-          </p:nvPr>
-        </p:nvSpPr>
-        <p:spPr/>
-        <p:txBody>
-          <a:bodyPr/>
-          <a:lstStyle/>
-          <a:p>
-            <a:r>
-              <a:rPr lang="en-US" dirty="0"/>
-              <a:t>Introduction to DCSK.</a:t>
-            </a:r>
-          </a:p>
-          <a:p>
-            <a:r>
-              <a:rPr lang="en-US" dirty="0"/>
-              <a:t>Proposed Architecture.</a:t>
-            </a:r>
-          </a:p>
-          <a:p>
-            <a:r>
-              <a:rPr lang="en-US" dirty="0"/>
-              <a:t>Testing Environment.</a:t>
-            </a:r>
-          </a:p>
-          <a:p>
-            <a:r>
-              <a:rPr lang="en-US" dirty="0"/>
-              <a:t>Synthesis Results.</a:t>
-            </a:r>
-          </a:p>
-          <a:p>
-            <a:endParaRPr lang="en-US" dirty="0"/>
-          </a:p>
-        </p:txBody>
-      </p:sp>
-      <p:sp>
-        <p:nvSpPr>
-          <p:cNvPr id="4" name="Date Placeholder 3">
-            <a:extLst>
-              <a:ext uri="{FF2B5EF4-FFF2-40B4-BE49-F238E27FC236}">
-                <a16:creationId xmlns:a16="http://schemas.microsoft.com/office/drawing/2014/main" id="{6575B8A1-0929-AF33-9F1A-1A4A0EBA5DA2}"/>
-              </a:ext>
-            </a:extLst>
-          </p:cNvPr>
-          <p:cNvSpPr>
-            <a:spLocks noGrp="1"/>
-          </p:cNvSpPr>
-          <p:nvPr>
-            <p:ph type="dt" sz="half" idx="10"/>
-          </p:nvPr>
-        </p:nvSpPr>
-        <p:spPr/>
-        <p:txBody>
-          <a:bodyPr/>
-          <a:lstStyle/>
-          <a:p>
-            <a:fld id="{163111BD-33F6-452A-93C7-A858D111CC08}" type="datetime1">
-              <a:rPr lang="en-US" smtClean="0"/>
-              <a:t>12/15/2023</a:t>
-            </a:fld>
-            <a:endParaRPr lang="en-US"/>
-          </a:p>
-        </p:txBody>
-      </p:sp>
-      <p:sp>
-        <p:nvSpPr>
-          <p:cNvPr id="5" name="Footer Placeholder 4">
-            <a:extLst>
-              <a:ext uri="{FF2B5EF4-FFF2-40B4-BE49-F238E27FC236}">
-                <a16:creationId xmlns:a16="http://schemas.microsoft.com/office/drawing/2014/main" id="{86F1B574-EB45-8734-8867-A6F566D443F7}"/>
-              </a:ext>
-            </a:extLst>
-          </p:cNvPr>
-          <p:cNvSpPr>
-            <a:spLocks noGrp="1"/>
-          </p:cNvSpPr>
-          <p:nvPr>
-            <p:ph type="ftr" sz="quarter" idx="11"/>
-          </p:nvPr>
-        </p:nvSpPr>
-        <p:spPr/>
-        <p:txBody>
-          <a:bodyPr/>
-          <a:lstStyle/>
-          <a:p>
-            <a:endParaRPr lang="en-US" dirty="0"/>
-          </a:p>
-        </p:txBody>
-      </p:sp>
-      <p:sp>
-        <p:nvSpPr>
-          <p:cNvPr id="6" name="Slide Number Placeholder 5">
-            <a:extLst>
-              <a:ext uri="{FF2B5EF4-FFF2-40B4-BE49-F238E27FC236}">
-                <a16:creationId xmlns:a16="http://schemas.microsoft.com/office/drawing/2014/main" id="{C7A36982-A69C-791A-F60F-1704AC73A6A2}"/>
-              </a:ext>
-            </a:extLst>
-          </p:cNvPr>
-          <p:cNvSpPr>
-            <a:spLocks noGrp="1"/>
-          </p:cNvSpPr>
-          <p:nvPr>
-            <p:ph type="sldNum" sz="quarter" idx="12"/>
-          </p:nvPr>
-        </p:nvSpPr>
-        <p:spPr/>
-        <p:txBody>
-          <a:bodyPr/>
-          <a:lstStyle/>
-          <a:p>
-            <a:fld id="{B568D961-7C42-4AF1-A1CA-E4683A0210D6}" type="slidenum">
-              <a:rPr lang="en-US" smtClean="0"/>
-              <a:t>2</a:t>
-            </a:fld>
-            <a:endParaRPr lang="en-US" dirty="0"/>
-          </a:p>
-        </p:txBody>
-      </p:sp>
-    </p:spTree>
-    <p:extLst>
-      <p:ext uri="{BB962C8B-B14F-4D97-AF65-F5344CB8AC3E}">
-        <p14:creationId xmlns:p14="http://schemas.microsoft.com/office/powerpoint/2010/main" val="2086481365"/>
-      </p:ext>
-    </p:extLst>
-  </p:cSld>
-  <p:clrMapOvr>
-    <a:masterClrMapping/>
-  </p:clrMapOvr>
-</p:sld>
-</file>
-
-<file path=ppt/slides/slide20.xml><?xml version="1.0" encoding="utf-8"?>
-<p:sld xmlns:a="http://schemas.openxmlformats.org/drawingml/2006/main" xmlns:r="http://schemas.openxmlformats.org/officeDocument/2006/relationships" xmlns:p="http://schemas.openxmlformats.org/presentationml/2006/main">
-  <p:cSld>
-    <p:spTree>
-      <p:nvGrpSpPr>
-        <p:cNvPr id="1" name=""/>
-        <p:cNvGrpSpPr/>
-        <p:nvPr/>
-      </p:nvGrpSpPr>
-      <p:grpSpPr>
-        <a:xfrm>
-          <a:off x="0" y="0"/>
-          <a:ext cx="0" cy="0"/>
-          <a:chOff x="0" y="0"/>
-          <a:chExt cx="0" cy="0"/>
-        </a:xfrm>
-      </p:grpSpPr>
-      <p:sp>
-        <p:nvSpPr>
-          <p:cNvPr id="2" name="Title 1">
-            <a:extLst>
-              <a:ext uri="{FF2B5EF4-FFF2-40B4-BE49-F238E27FC236}">
-                <a16:creationId xmlns:a16="http://schemas.microsoft.com/office/drawing/2014/main" id="{9551C9D2-32AF-5AA3-CCE1-EF73D7E17A14}"/>
-              </a:ext>
-            </a:extLst>
-          </p:cNvPr>
-          <p:cNvSpPr>
-            <a:spLocks noGrp="1"/>
-          </p:cNvSpPr>
-          <p:nvPr>
-            <p:ph type="title"/>
-          </p:nvPr>
-        </p:nvSpPr>
-        <p:spPr/>
-        <p:txBody>
-          <a:bodyPr/>
-          <a:lstStyle/>
-          <a:p>
-            <a:r>
-              <a:rPr lang="en-US" dirty="0"/>
-              <a:t>Radix-4 Booth Multiplier</a:t>
-            </a:r>
-          </a:p>
-        </p:txBody>
-      </p:sp>
-      <p:pic>
-        <p:nvPicPr>
-          <p:cNvPr id="8" name="Content Placeholder 7">
-            <a:extLst>
-              <a:ext uri="{FF2B5EF4-FFF2-40B4-BE49-F238E27FC236}">
-                <a16:creationId xmlns:a16="http://schemas.microsoft.com/office/drawing/2014/main" id="{840F590B-AC60-4764-A490-28A2084EC2F4}"/>
-              </a:ext>
-            </a:extLst>
-          </p:cNvPr>
-          <p:cNvPicPr>
-            <a:picLocks noGrp="1" noChangeAspect="1"/>
-          </p:cNvPicPr>
-          <p:nvPr>
-            <p:ph idx="1"/>
-          </p:nvPr>
-        </p:nvPicPr>
-        <p:blipFill>
-          <a:blip r:embed="rId2">
-            <a:extLst>
-              <a:ext uri="{28A0092B-C50C-407E-A947-70E740481C1C}">
-                <a14:useLocalDpi xmlns:a14="http://schemas.microsoft.com/office/drawing/2010/main" val="0"/>
-              </a:ext>
-            </a:extLst>
-          </a:blip>
-          <a:stretch>
-            <a:fillRect/>
-          </a:stretch>
-        </p:blipFill>
-        <p:spPr>
-          <a:xfrm>
-            <a:off x="2977302" y="1825625"/>
-            <a:ext cx="6237396" cy="4351338"/>
-          </a:xfrm>
-        </p:spPr>
-      </p:pic>
-      <p:sp>
-        <p:nvSpPr>
-          <p:cNvPr id="4" name="Date Placeholder 3">
-            <a:extLst>
-              <a:ext uri="{FF2B5EF4-FFF2-40B4-BE49-F238E27FC236}">
-                <a16:creationId xmlns:a16="http://schemas.microsoft.com/office/drawing/2014/main" id="{157CCF8C-4043-FFC4-3D78-C55355490319}"/>
-              </a:ext>
-            </a:extLst>
-          </p:cNvPr>
-          <p:cNvSpPr>
-            <a:spLocks noGrp="1"/>
-          </p:cNvSpPr>
-          <p:nvPr>
-            <p:ph type="dt" sz="half" idx="10"/>
-          </p:nvPr>
-        </p:nvSpPr>
-        <p:spPr/>
-        <p:txBody>
-          <a:bodyPr/>
-          <a:lstStyle/>
-          <a:p>
-            <a:fld id="{C585F1C6-A3D3-4D04-99DD-A3220200AB6C}" type="datetime1">
-              <a:rPr lang="en-US" smtClean="0"/>
-              <a:t>12/15/2023</a:t>
-            </a:fld>
-            <a:endParaRPr lang="en-US"/>
-          </a:p>
-        </p:txBody>
-      </p:sp>
-      <p:sp>
-        <p:nvSpPr>
-          <p:cNvPr id="5" name="Footer Placeholder 4">
-            <a:extLst>
-              <a:ext uri="{FF2B5EF4-FFF2-40B4-BE49-F238E27FC236}">
-                <a16:creationId xmlns:a16="http://schemas.microsoft.com/office/drawing/2014/main" id="{E4F939EE-68DF-8F30-7A64-23A682CEC828}"/>
-              </a:ext>
-            </a:extLst>
-          </p:cNvPr>
-          <p:cNvSpPr>
-            <a:spLocks noGrp="1"/>
-          </p:cNvSpPr>
-          <p:nvPr>
-            <p:ph type="ftr" sz="quarter" idx="11"/>
-          </p:nvPr>
-        </p:nvSpPr>
-        <p:spPr>
-          <a:xfrm>
-            <a:off x="4038600" y="6356350"/>
-            <a:ext cx="4114800" cy="365125"/>
-          </a:xfrm>
-        </p:spPr>
-        <p:txBody>
-          <a:bodyPr/>
-          <a:lstStyle/>
-          <a:p>
-            <a:r>
-              <a:rPr lang="en-US" dirty="0"/>
-              <a:t>Omar Amer</a:t>
-            </a:r>
-          </a:p>
-        </p:txBody>
-      </p:sp>
-      <p:sp>
-        <p:nvSpPr>
-          <p:cNvPr id="6" name="Slide Number Placeholder 5">
-            <a:extLst>
-              <a:ext uri="{FF2B5EF4-FFF2-40B4-BE49-F238E27FC236}">
-                <a16:creationId xmlns:a16="http://schemas.microsoft.com/office/drawing/2014/main" id="{229645FC-79E4-3BA5-68CC-54870C08F2E9}"/>
-              </a:ext>
-            </a:extLst>
-          </p:cNvPr>
-          <p:cNvSpPr>
-            <a:spLocks noGrp="1"/>
-          </p:cNvSpPr>
-          <p:nvPr>
-            <p:ph type="sldNum" sz="quarter" idx="12"/>
-          </p:nvPr>
-        </p:nvSpPr>
-        <p:spPr/>
-        <p:txBody>
-          <a:bodyPr/>
-          <a:lstStyle/>
-          <a:p>
-            <a:fld id="{B568D961-7C42-4AF1-A1CA-E4683A0210D6}" type="slidenum">
-              <a:rPr lang="en-US" smtClean="0"/>
-              <a:t>20</a:t>
-            </a:fld>
-            <a:endParaRPr lang="en-US" dirty="0"/>
-          </a:p>
-        </p:txBody>
-      </p:sp>
-    </p:spTree>
-    <p:extLst>
-      <p:ext uri="{BB962C8B-B14F-4D97-AF65-F5344CB8AC3E}">
-        <p14:creationId xmlns:p14="http://schemas.microsoft.com/office/powerpoint/2010/main" val="1955068161"/>
-      </p:ext>
-    </p:extLst>
-  </p:cSld>
-  <p:clrMapOvr>
-    <a:masterClrMapping/>
-  </p:clrMapOvr>
-</p:sld>
-</file>
-
-<file path=ppt/slides/slide21.xml><?xml version="1.0" encoding="utf-8"?>
-<p:sld xmlns:a="http://schemas.openxmlformats.org/drawingml/2006/main" xmlns:r="http://schemas.openxmlformats.org/officeDocument/2006/relationships" xmlns:p="http://schemas.openxmlformats.org/presentationml/2006/main">
-  <p:cSld>
-    <p:spTree>
-      <p:nvGrpSpPr>
-        <p:cNvPr id="1" name=""/>
-        <p:cNvGrpSpPr/>
-        <p:nvPr/>
-      </p:nvGrpSpPr>
-      <p:grpSpPr>
-        <a:xfrm>
-          <a:off x="0" y="0"/>
-          <a:ext cx="0" cy="0"/>
-          <a:chOff x="0" y="0"/>
-          <a:chExt cx="0" cy="0"/>
-        </a:xfrm>
-      </p:grpSpPr>
-      <p:sp>
-        <p:nvSpPr>
-          <p:cNvPr id="2" name="Title 1">
-            <a:extLst>
-              <a:ext uri="{FF2B5EF4-FFF2-40B4-BE49-F238E27FC236}">
-                <a16:creationId xmlns:a16="http://schemas.microsoft.com/office/drawing/2014/main" id="{87210804-0DD0-252C-B03A-53FA92A6E432}"/>
-              </a:ext>
-            </a:extLst>
-          </p:cNvPr>
-          <p:cNvSpPr>
-            <a:spLocks noGrp="1"/>
-          </p:cNvSpPr>
-          <p:nvPr>
-            <p:ph type="title"/>
-          </p:nvPr>
-        </p:nvSpPr>
-        <p:spPr/>
-        <p:txBody>
-          <a:bodyPr/>
-          <a:lstStyle/>
-          <a:p>
-            <a:r>
-              <a:rPr lang="en-US" dirty="0"/>
-              <a:t>Chaos Expander</a:t>
-            </a:r>
-          </a:p>
-        </p:txBody>
-      </p:sp>
-      <p:sp>
-        <p:nvSpPr>
-          <p:cNvPr id="3" name="Content Placeholder 2">
-            <a:extLst>
-              <a:ext uri="{FF2B5EF4-FFF2-40B4-BE49-F238E27FC236}">
-                <a16:creationId xmlns:a16="http://schemas.microsoft.com/office/drawing/2014/main" id="{A9C4BA39-0DC7-D64C-3AAB-4C0A8D6D3586}"/>
-              </a:ext>
-            </a:extLst>
-          </p:cNvPr>
-          <p:cNvSpPr>
-            <a:spLocks noGrp="1"/>
-          </p:cNvSpPr>
-          <p:nvPr>
-            <p:ph idx="1"/>
-          </p:nvPr>
-        </p:nvSpPr>
-        <p:spPr/>
-        <p:txBody>
-          <a:bodyPr/>
-          <a:lstStyle/>
-          <a:p>
-            <a:r>
-              <a:rPr lang="en-US" dirty="0"/>
-              <a:t>For an SF32 message, we need 32 chips for each bit.</a:t>
-            </a:r>
-          </a:p>
-          <a:p>
-            <a:pPr lvl="1"/>
-            <a:r>
-              <a:rPr lang="en-US" dirty="0"/>
-              <a:t>A total of 1 Kbit.</a:t>
-            </a:r>
-          </a:p>
-          <a:p>
-            <a:pPr lvl="1"/>
-            <a:r>
-              <a:rPr lang="en-US" dirty="0"/>
-              <a:t>Half of which are chaos bits.</a:t>
-            </a:r>
-          </a:p>
-          <a:p>
-            <a:r>
-              <a:rPr lang="en-US" dirty="0"/>
-              <a:t>Using the sequence generator to generate the whole 512 bits is not area or power efficient.</a:t>
-            </a:r>
-          </a:p>
-          <a:p>
-            <a:r>
-              <a:rPr lang="en-US" dirty="0"/>
-              <a:t>Solution, generate 16 bits of chaos, then expand them into 256 bits.</a:t>
-            </a:r>
-          </a:p>
-          <a:p>
-            <a:pPr lvl="1"/>
-            <a:r>
-              <a:rPr lang="en-US" dirty="0"/>
-              <a:t>We propose a simple algorithm that uses only multiplexers and inverters.</a:t>
-            </a:r>
-          </a:p>
-          <a:p>
-            <a:pPr lvl="1"/>
-            <a:r>
-              <a:rPr lang="en-US" dirty="0"/>
-              <a:t>More performance-friendly than generating 256 bits of chaos.</a:t>
-            </a:r>
-          </a:p>
-          <a:p>
-            <a:pPr lvl="1"/>
-            <a:r>
-              <a:rPr lang="en-US" dirty="0"/>
-              <a:t>Saves power (generate chaos bits less frequently).</a:t>
-            </a:r>
-          </a:p>
-          <a:p>
-            <a:pPr lvl="1"/>
-            <a:endParaRPr lang="en-US" dirty="0"/>
-          </a:p>
-        </p:txBody>
-      </p:sp>
-      <p:sp>
-        <p:nvSpPr>
-          <p:cNvPr id="4" name="Date Placeholder 3">
-            <a:extLst>
-              <a:ext uri="{FF2B5EF4-FFF2-40B4-BE49-F238E27FC236}">
-                <a16:creationId xmlns:a16="http://schemas.microsoft.com/office/drawing/2014/main" id="{03B3101D-E91D-4999-CDB1-4709261E485F}"/>
-              </a:ext>
-            </a:extLst>
-          </p:cNvPr>
-          <p:cNvSpPr>
-            <a:spLocks noGrp="1"/>
-          </p:cNvSpPr>
-          <p:nvPr>
-            <p:ph type="dt" sz="half" idx="10"/>
-          </p:nvPr>
-        </p:nvSpPr>
-        <p:spPr/>
-        <p:txBody>
-          <a:bodyPr/>
-          <a:lstStyle/>
-          <a:p>
-            <a:fld id="{2E0A924C-AD13-426B-B733-260F40BBDFA9}" type="datetime1">
-              <a:rPr lang="en-US" smtClean="0"/>
-              <a:t>12/15/2023</a:t>
-            </a:fld>
-            <a:endParaRPr lang="en-US"/>
-          </a:p>
-        </p:txBody>
-      </p:sp>
-      <p:sp>
-        <p:nvSpPr>
-          <p:cNvPr id="5" name="Footer Placeholder 4">
-            <a:extLst>
-              <a:ext uri="{FF2B5EF4-FFF2-40B4-BE49-F238E27FC236}">
-                <a16:creationId xmlns:a16="http://schemas.microsoft.com/office/drawing/2014/main" id="{5E8330C3-04CB-CE03-F22C-60A8DDDFCEB6}"/>
-              </a:ext>
-            </a:extLst>
-          </p:cNvPr>
-          <p:cNvSpPr>
-            <a:spLocks noGrp="1"/>
-          </p:cNvSpPr>
-          <p:nvPr>
-            <p:ph type="ftr" sz="quarter" idx="11"/>
-          </p:nvPr>
-        </p:nvSpPr>
-        <p:spPr/>
-        <p:txBody>
-          <a:bodyPr/>
-          <a:lstStyle/>
-          <a:p>
-            <a:r>
-              <a:rPr lang="en-US" dirty="0"/>
-              <a:t>Omar Amer</a:t>
-            </a:r>
-          </a:p>
-        </p:txBody>
-      </p:sp>
-      <p:sp>
-        <p:nvSpPr>
-          <p:cNvPr id="6" name="Slide Number Placeholder 5">
-            <a:extLst>
-              <a:ext uri="{FF2B5EF4-FFF2-40B4-BE49-F238E27FC236}">
-                <a16:creationId xmlns:a16="http://schemas.microsoft.com/office/drawing/2014/main" id="{A3E0AD07-4744-81B6-D179-88B3E8D797CA}"/>
-              </a:ext>
-            </a:extLst>
-          </p:cNvPr>
-          <p:cNvSpPr>
-            <a:spLocks noGrp="1"/>
-          </p:cNvSpPr>
-          <p:nvPr>
-            <p:ph type="sldNum" sz="quarter" idx="12"/>
-          </p:nvPr>
-        </p:nvSpPr>
-        <p:spPr/>
-        <p:txBody>
-          <a:bodyPr/>
-          <a:lstStyle/>
-          <a:p>
-            <a:fld id="{B568D961-7C42-4AF1-A1CA-E4683A0210D6}" type="slidenum">
-              <a:rPr lang="en-US" smtClean="0"/>
-              <a:t>21</a:t>
-            </a:fld>
-            <a:endParaRPr lang="en-US" dirty="0"/>
-          </a:p>
-        </p:txBody>
-      </p:sp>
-    </p:spTree>
-    <p:extLst>
-      <p:ext uri="{BB962C8B-B14F-4D97-AF65-F5344CB8AC3E}">
-        <p14:creationId xmlns:p14="http://schemas.microsoft.com/office/powerpoint/2010/main" val="1973889492"/>
-      </p:ext>
-    </p:extLst>
-  </p:cSld>
-  <p:clrMapOvr>
-    <a:masterClrMapping/>
-  </p:clrMapOvr>
-</p:sld>
-</file>
-
-<file path=ppt/slides/slide22.xml><?xml version="1.0" encoding="utf-8"?>
-<p:sld xmlns:a="http://schemas.openxmlformats.org/drawingml/2006/main" xmlns:r="http://schemas.openxmlformats.org/officeDocument/2006/relationships" xmlns:p="http://schemas.openxmlformats.org/presentationml/2006/main">
-  <p:cSld>
-    <p:spTree>
-      <p:nvGrpSpPr>
-        <p:cNvPr id="1" name=""/>
-        <p:cNvGrpSpPr/>
-        <p:nvPr/>
-      </p:nvGrpSpPr>
-      <p:grpSpPr>
-        <a:xfrm>
-          <a:off x="0" y="0"/>
-          <a:ext cx="0" cy="0"/>
-          <a:chOff x="0" y="0"/>
-          <a:chExt cx="0" cy="0"/>
-        </a:xfrm>
-      </p:grpSpPr>
-      <p:sp>
-        <p:nvSpPr>
-          <p:cNvPr id="2" name="Title 1">
-            <a:extLst>
-              <a:ext uri="{FF2B5EF4-FFF2-40B4-BE49-F238E27FC236}">
-                <a16:creationId xmlns:a16="http://schemas.microsoft.com/office/drawing/2014/main" id="{583649DA-78EB-5D86-555D-817D412FBB92}"/>
-              </a:ext>
-            </a:extLst>
-          </p:cNvPr>
-          <p:cNvSpPr>
-            <a:spLocks noGrp="1"/>
-          </p:cNvSpPr>
-          <p:nvPr>
-            <p:ph type="title"/>
-          </p:nvPr>
-        </p:nvSpPr>
-        <p:spPr/>
-        <p:txBody>
-          <a:bodyPr/>
-          <a:lstStyle/>
-          <a:p>
-            <a:r>
-              <a:rPr lang="en-US" dirty="0"/>
-              <a:t>Chaos Expander</a:t>
-            </a:r>
-          </a:p>
-        </p:txBody>
-      </p:sp>
-      <p:sp>
-        <p:nvSpPr>
-          <p:cNvPr id="3" name="Content Placeholder 2">
-            <a:extLst>
-              <a:ext uri="{FF2B5EF4-FFF2-40B4-BE49-F238E27FC236}">
-                <a16:creationId xmlns:a16="http://schemas.microsoft.com/office/drawing/2014/main" id="{D6A9774C-7751-77C3-3E65-7332C1323500}"/>
-              </a:ext>
-            </a:extLst>
-          </p:cNvPr>
-          <p:cNvSpPr>
-            <a:spLocks noGrp="1"/>
-          </p:cNvSpPr>
-          <p:nvPr>
-            <p:ph idx="1"/>
-          </p:nvPr>
-        </p:nvSpPr>
-        <p:spPr/>
-        <p:txBody>
-          <a:bodyPr/>
-          <a:lstStyle/>
-          <a:p>
-            <a:r>
-              <a:rPr lang="en-US" dirty="0"/>
-              <a:t>The algorithm is inspired by the DCSK, with an added shuffling stage.</a:t>
-            </a:r>
-          </a:p>
-          <a:p>
-            <a:r>
-              <a:rPr lang="en-US" dirty="0"/>
-              <a:t>For each bit of the input chaos sequence:</a:t>
-            </a:r>
-          </a:p>
-          <a:p>
-            <a:pPr lvl="1"/>
-            <a:r>
-              <a:rPr lang="en-US" dirty="0"/>
-              <a:t>If the bit is </a:t>
-            </a:r>
-            <a:r>
-              <a:rPr lang="en-US" i="1" dirty="0"/>
-              <a:t>“1” </a:t>
-            </a:r>
-            <a:r>
-              <a:rPr lang="en-US" dirty="0"/>
-              <a:t>copy the chaotic sequence unchanged.</a:t>
-            </a:r>
-          </a:p>
-          <a:p>
-            <a:pPr lvl="1"/>
-            <a:r>
-              <a:rPr lang="en-US" dirty="0"/>
-              <a:t>If the bit is </a:t>
-            </a:r>
-            <a:r>
-              <a:rPr lang="en-US" i="1" dirty="0"/>
-              <a:t>“0” </a:t>
-            </a:r>
-            <a:r>
-              <a:rPr lang="en-US" dirty="0"/>
-              <a:t>copy the one’s complement of the chaotic sequence.</a:t>
-            </a:r>
-          </a:p>
-          <a:p>
-            <a:r>
-              <a:rPr lang="en-US" dirty="0"/>
-              <a:t>To remove correlation between the expanded bits and the input sequence:</a:t>
-            </a:r>
-          </a:p>
-          <a:p>
-            <a:pPr lvl="1"/>
-            <a:r>
-              <a:rPr lang="en-US" dirty="0"/>
-              <a:t>We shuffle the output wires of the module.</a:t>
-            </a:r>
-          </a:p>
-          <a:p>
-            <a:pPr lvl="1"/>
-            <a:r>
-              <a:rPr lang="en-US" dirty="0"/>
-              <a:t>256 random number were generated using </a:t>
-            </a:r>
-            <a:r>
-              <a:rPr lang="en-US" i="1" dirty="0"/>
-              <a:t>randperm</a:t>
-            </a:r>
-            <a:r>
-              <a:rPr lang="en-US" dirty="0"/>
-              <a:t> from MATLAB.</a:t>
-            </a:r>
-          </a:p>
-          <a:p>
-            <a:pPr lvl="1"/>
-            <a:r>
-              <a:rPr lang="en-US" dirty="0"/>
-              <a:t>Reorder the expanded bits based on the random MATLAB-obtained locations.</a:t>
-            </a:r>
-          </a:p>
-        </p:txBody>
-      </p:sp>
-      <p:sp>
-        <p:nvSpPr>
-          <p:cNvPr id="4" name="Date Placeholder 3">
-            <a:extLst>
-              <a:ext uri="{FF2B5EF4-FFF2-40B4-BE49-F238E27FC236}">
-                <a16:creationId xmlns:a16="http://schemas.microsoft.com/office/drawing/2014/main" id="{5423419F-1D6B-793D-9D0E-4896FCF78C4F}"/>
-              </a:ext>
-            </a:extLst>
-          </p:cNvPr>
-          <p:cNvSpPr>
-            <a:spLocks noGrp="1"/>
-          </p:cNvSpPr>
-          <p:nvPr>
-            <p:ph type="dt" sz="half" idx="10"/>
-          </p:nvPr>
-        </p:nvSpPr>
-        <p:spPr/>
-        <p:txBody>
-          <a:bodyPr/>
-          <a:lstStyle/>
-          <a:p>
-            <a:fld id="{BB7D02DB-AD18-429F-B332-8486B599A19A}" type="datetime1">
-              <a:rPr lang="en-US" smtClean="0"/>
-              <a:t>12/15/2023</a:t>
-            </a:fld>
-            <a:endParaRPr lang="en-US"/>
-          </a:p>
-        </p:txBody>
-      </p:sp>
-      <p:sp>
-        <p:nvSpPr>
-          <p:cNvPr id="5" name="Footer Placeholder 4">
-            <a:extLst>
-              <a:ext uri="{FF2B5EF4-FFF2-40B4-BE49-F238E27FC236}">
-                <a16:creationId xmlns:a16="http://schemas.microsoft.com/office/drawing/2014/main" id="{D455849B-A636-C99B-D815-37E19DDEA31B}"/>
-              </a:ext>
-            </a:extLst>
-          </p:cNvPr>
-          <p:cNvSpPr>
-            <a:spLocks noGrp="1"/>
-          </p:cNvSpPr>
-          <p:nvPr>
-            <p:ph type="ftr" sz="quarter" idx="11"/>
-          </p:nvPr>
-        </p:nvSpPr>
-        <p:spPr/>
-        <p:txBody>
-          <a:bodyPr/>
-          <a:lstStyle/>
-          <a:p>
-            <a:r>
-              <a:rPr lang="en-US" dirty="0"/>
-              <a:t>Omar Amer</a:t>
-            </a:r>
-          </a:p>
-        </p:txBody>
-      </p:sp>
-      <p:sp>
-        <p:nvSpPr>
-          <p:cNvPr id="6" name="Slide Number Placeholder 5">
-            <a:extLst>
-              <a:ext uri="{FF2B5EF4-FFF2-40B4-BE49-F238E27FC236}">
-                <a16:creationId xmlns:a16="http://schemas.microsoft.com/office/drawing/2014/main" id="{B3FB3DCB-E7AE-1E67-F0AB-730238C2867E}"/>
-              </a:ext>
-            </a:extLst>
-          </p:cNvPr>
-          <p:cNvSpPr>
-            <a:spLocks noGrp="1"/>
-          </p:cNvSpPr>
-          <p:nvPr>
-            <p:ph type="sldNum" sz="quarter" idx="12"/>
-          </p:nvPr>
-        </p:nvSpPr>
-        <p:spPr/>
-        <p:txBody>
-          <a:bodyPr/>
-          <a:lstStyle/>
-          <a:p>
-            <a:fld id="{B568D961-7C42-4AF1-A1CA-E4683A0210D6}" type="slidenum">
-              <a:rPr lang="en-US" smtClean="0"/>
-              <a:t>22</a:t>
-            </a:fld>
-            <a:endParaRPr lang="en-US" dirty="0"/>
-          </a:p>
-        </p:txBody>
-      </p:sp>
-    </p:spTree>
-    <p:extLst>
-      <p:ext uri="{BB962C8B-B14F-4D97-AF65-F5344CB8AC3E}">
-        <p14:creationId xmlns:p14="http://schemas.microsoft.com/office/powerpoint/2010/main" val="299946702"/>
-      </p:ext>
-    </p:extLst>
-  </p:cSld>
-  <p:clrMapOvr>
-    <a:masterClrMapping/>
-  </p:clrMapOvr>
-</p:sld>
-</file>
-
-<file path=ppt/slides/slide23.xml><?xml version="1.0" encoding="utf-8"?>
-<p:sld xmlns:a="http://schemas.openxmlformats.org/drawingml/2006/main" xmlns:r="http://schemas.openxmlformats.org/officeDocument/2006/relationships" xmlns:p="http://schemas.openxmlformats.org/presentationml/2006/main">
-  <p:cSld>
-    <p:spTree>
-      <p:nvGrpSpPr>
-        <p:cNvPr id="1" name=""/>
-        <p:cNvGrpSpPr/>
-        <p:nvPr/>
-      </p:nvGrpSpPr>
-      <p:grpSpPr>
-        <a:xfrm>
-          <a:off x="0" y="0"/>
-          <a:ext cx="0" cy="0"/>
-          <a:chOff x="0" y="0"/>
-          <a:chExt cx="0" cy="0"/>
-        </a:xfrm>
-      </p:grpSpPr>
-      <p:sp>
-        <p:nvSpPr>
-          <p:cNvPr id="2" name="Title 1">
-            <a:extLst>
-              <a:ext uri="{FF2B5EF4-FFF2-40B4-BE49-F238E27FC236}">
-                <a16:creationId xmlns:a16="http://schemas.microsoft.com/office/drawing/2014/main" id="{1DE38D17-FBF2-C70D-CAEF-5D65FF651043}"/>
-              </a:ext>
-            </a:extLst>
-          </p:cNvPr>
-          <p:cNvSpPr>
-            <a:spLocks noGrp="1"/>
-          </p:cNvSpPr>
-          <p:nvPr>
-            <p:ph type="title"/>
-          </p:nvPr>
-        </p:nvSpPr>
-        <p:spPr/>
-        <p:txBody>
-          <a:bodyPr/>
-          <a:lstStyle/>
-          <a:p>
-            <a:r>
-              <a:rPr lang="en-US" dirty="0"/>
-              <a:t>Chaos Expander</a:t>
-            </a:r>
-          </a:p>
-        </p:txBody>
-      </p:sp>
-      <p:sp>
-        <p:nvSpPr>
-          <p:cNvPr id="3" name="Content Placeholder 2">
-            <a:extLst>
-              <a:ext uri="{FF2B5EF4-FFF2-40B4-BE49-F238E27FC236}">
-                <a16:creationId xmlns:a16="http://schemas.microsoft.com/office/drawing/2014/main" id="{CBE71C59-7B76-098E-65EB-499E87D68A29}"/>
-              </a:ext>
-            </a:extLst>
-          </p:cNvPr>
-          <p:cNvSpPr>
-            <a:spLocks noGrp="1"/>
-          </p:cNvSpPr>
-          <p:nvPr>
-            <p:ph idx="1"/>
-          </p:nvPr>
-        </p:nvSpPr>
-        <p:spPr/>
-        <p:txBody>
-          <a:bodyPr/>
-          <a:lstStyle/>
-          <a:p>
-            <a:r>
-              <a:rPr lang="en-US" dirty="0"/>
-              <a:t>We need to make sure the expanded sequence is still chaotic.</a:t>
-            </a:r>
-          </a:p>
-          <a:p>
-            <a:r>
-              <a:rPr lang="en-US" dirty="0"/>
-              <a:t>Run the 0-1 Test.</a:t>
-            </a:r>
-          </a:p>
-          <a:p>
-            <a:pPr lvl="1"/>
-            <a:r>
-              <a:rPr lang="en-US" dirty="0"/>
-              <a:t>This test takes a bit sequence as input, then performs mathematic operations, and outputs a value.</a:t>
-            </a:r>
-          </a:p>
-          <a:p>
-            <a:pPr lvl="1"/>
-            <a:endParaRPr lang="en-US" dirty="0"/>
-          </a:p>
-          <a:p>
-            <a:pPr lvl="2"/>
-            <a:r>
-              <a:rPr lang="en-US" dirty="0"/>
-              <a:t>Values close to zero are not chaotic.</a:t>
-            </a:r>
-          </a:p>
-          <a:p>
-            <a:pPr lvl="2"/>
-            <a:r>
-              <a:rPr lang="en-US" dirty="0"/>
-              <a:t>Values close to one however, are.</a:t>
-            </a:r>
-          </a:p>
-        </p:txBody>
-      </p:sp>
-      <p:sp>
-        <p:nvSpPr>
-          <p:cNvPr id="4" name="Date Placeholder 3">
-            <a:extLst>
-              <a:ext uri="{FF2B5EF4-FFF2-40B4-BE49-F238E27FC236}">
-                <a16:creationId xmlns:a16="http://schemas.microsoft.com/office/drawing/2014/main" id="{63D2E311-7F25-AA60-223E-36531760B577}"/>
-              </a:ext>
-            </a:extLst>
-          </p:cNvPr>
-          <p:cNvSpPr>
-            <a:spLocks noGrp="1"/>
-          </p:cNvSpPr>
-          <p:nvPr>
-            <p:ph type="dt" sz="half" idx="10"/>
-          </p:nvPr>
-        </p:nvSpPr>
-        <p:spPr/>
-        <p:txBody>
-          <a:bodyPr/>
-          <a:lstStyle/>
-          <a:p>
-            <a:fld id="{18D3FF95-6363-4042-9104-6A7447A69C8B}" type="datetime1">
-              <a:rPr lang="en-US" smtClean="0"/>
-              <a:t>12/15/2023</a:t>
-            </a:fld>
-            <a:endParaRPr lang="en-US"/>
-          </a:p>
-        </p:txBody>
-      </p:sp>
-      <p:sp>
-        <p:nvSpPr>
-          <p:cNvPr id="5" name="Footer Placeholder 4">
-            <a:extLst>
-              <a:ext uri="{FF2B5EF4-FFF2-40B4-BE49-F238E27FC236}">
-                <a16:creationId xmlns:a16="http://schemas.microsoft.com/office/drawing/2014/main" id="{42DC932E-01CC-3F9D-476A-98AE36B69BA1}"/>
-              </a:ext>
-            </a:extLst>
-          </p:cNvPr>
-          <p:cNvSpPr>
-            <a:spLocks noGrp="1"/>
-          </p:cNvSpPr>
-          <p:nvPr>
-            <p:ph type="ftr" sz="quarter" idx="11"/>
-          </p:nvPr>
-        </p:nvSpPr>
-        <p:spPr/>
-        <p:txBody>
-          <a:bodyPr/>
-          <a:lstStyle/>
-          <a:p>
-            <a:r>
-              <a:rPr lang="en-US" dirty="0"/>
-              <a:t>Omar Amer</a:t>
-            </a:r>
-          </a:p>
-        </p:txBody>
-      </p:sp>
-      <p:sp>
-        <p:nvSpPr>
-          <p:cNvPr id="6" name="Slide Number Placeholder 5">
-            <a:extLst>
-              <a:ext uri="{FF2B5EF4-FFF2-40B4-BE49-F238E27FC236}">
-                <a16:creationId xmlns:a16="http://schemas.microsoft.com/office/drawing/2014/main" id="{D794CCC7-07A6-7F24-7C17-5BEAEB3C7F09}"/>
-              </a:ext>
-            </a:extLst>
-          </p:cNvPr>
-          <p:cNvSpPr>
-            <a:spLocks noGrp="1"/>
-          </p:cNvSpPr>
-          <p:nvPr>
-            <p:ph type="sldNum" sz="quarter" idx="12"/>
-          </p:nvPr>
-        </p:nvSpPr>
-        <p:spPr/>
-        <p:txBody>
-          <a:bodyPr/>
-          <a:lstStyle/>
-          <a:p>
-            <a:fld id="{B568D961-7C42-4AF1-A1CA-E4683A0210D6}" type="slidenum">
-              <a:rPr lang="en-US" smtClean="0"/>
-              <a:t>23</a:t>
-            </a:fld>
-            <a:endParaRPr lang="en-US" dirty="0"/>
-          </a:p>
-        </p:txBody>
-      </p:sp>
-      <p:pic>
-        <p:nvPicPr>
-          <p:cNvPr id="8" name="Picture 7">
-            <a:extLst>
-              <a:ext uri="{FF2B5EF4-FFF2-40B4-BE49-F238E27FC236}">
-                <a16:creationId xmlns:a16="http://schemas.microsoft.com/office/drawing/2014/main" id="{A4A5565F-2AFB-D7CD-690A-01666A052E26}"/>
-              </a:ext>
-            </a:extLst>
-          </p:cNvPr>
-          <p:cNvPicPr>
-            <a:picLocks noChangeAspect="1"/>
-          </p:cNvPicPr>
-          <p:nvPr/>
-        </p:nvPicPr>
-        <p:blipFill>
-          <a:blip r:embed="rId2"/>
-          <a:stretch>
-            <a:fillRect/>
-          </a:stretch>
-        </p:blipFill>
-        <p:spPr>
-          <a:xfrm>
-            <a:off x="6192448" y="3553792"/>
-            <a:ext cx="4836304" cy="1891362"/>
-          </a:xfrm>
-          <a:prstGeom prst="rect">
-            <a:avLst/>
-          </a:prstGeom>
-        </p:spPr>
-      </p:pic>
-    </p:spTree>
-    <p:extLst>
-      <p:ext uri="{BB962C8B-B14F-4D97-AF65-F5344CB8AC3E}">
-        <p14:creationId xmlns:p14="http://schemas.microsoft.com/office/powerpoint/2010/main" val="2581328482"/>
-      </p:ext>
-    </p:extLst>
-  </p:cSld>
-  <p:clrMapOvr>
-    <a:masterClrMapping/>
-  </p:clrMapOvr>
-</p:sld>
-</file>
-
-<file path=ppt/slides/slide24.xml><?xml version="1.0" encoding="utf-8"?>
-<p:sld xmlns:a="http://schemas.openxmlformats.org/drawingml/2006/main" xmlns:r="http://schemas.openxmlformats.org/officeDocument/2006/relationships" xmlns:p="http://schemas.openxmlformats.org/presentationml/2006/main">
-  <p:cSld>
-    <p:spTree>
-      <p:nvGrpSpPr>
-        <p:cNvPr id="1" name=""/>
-        <p:cNvGrpSpPr/>
-        <p:nvPr/>
-      </p:nvGrpSpPr>
-      <p:grpSpPr>
-        <a:xfrm>
-          <a:off x="0" y="0"/>
-          <a:ext cx="0" cy="0"/>
-          <a:chOff x="0" y="0"/>
-          <a:chExt cx="0" cy="0"/>
-        </a:xfrm>
-      </p:grpSpPr>
-      <p:sp>
-        <p:nvSpPr>
-          <p:cNvPr id="2" name="Title 1">
-            <a:extLst>
-              <a:ext uri="{FF2B5EF4-FFF2-40B4-BE49-F238E27FC236}">
-                <a16:creationId xmlns:a16="http://schemas.microsoft.com/office/drawing/2014/main" id="{B25D7F5A-AB81-6747-E5E7-209C5344FCD7}"/>
-              </a:ext>
-            </a:extLst>
-          </p:cNvPr>
-          <p:cNvSpPr>
-            <a:spLocks noGrp="1"/>
-          </p:cNvSpPr>
-          <p:nvPr>
-            <p:ph type="title"/>
-          </p:nvPr>
-        </p:nvSpPr>
-        <p:spPr/>
-        <p:txBody>
-          <a:bodyPr/>
-          <a:lstStyle/>
-          <a:p>
-            <a:r>
-              <a:rPr lang="en-US" dirty="0"/>
-              <a:t>FSM</a:t>
-            </a:r>
-          </a:p>
-        </p:txBody>
-      </p:sp>
-      <p:sp>
-        <p:nvSpPr>
-          <p:cNvPr id="3" name="Content Placeholder 2">
-            <a:extLst>
-              <a:ext uri="{FF2B5EF4-FFF2-40B4-BE49-F238E27FC236}">
-                <a16:creationId xmlns:a16="http://schemas.microsoft.com/office/drawing/2014/main" id="{37EC3157-756B-6961-AAB1-7429B3906B43}"/>
-              </a:ext>
-            </a:extLst>
-          </p:cNvPr>
-          <p:cNvSpPr>
-            <a:spLocks noGrp="1"/>
-          </p:cNvSpPr>
-          <p:nvPr>
-            <p:ph idx="1"/>
-          </p:nvPr>
-        </p:nvSpPr>
-        <p:spPr/>
-        <p:txBody>
-          <a:bodyPr/>
-          <a:lstStyle/>
-          <a:p>
-            <a:r>
-              <a:rPr lang="en-US" dirty="0"/>
-              <a:t>Single FF FSM.</a:t>
-            </a:r>
-          </a:p>
-          <a:p>
-            <a:pPr lvl="1"/>
-            <a:r>
-              <a:rPr lang="en-US" dirty="0"/>
-              <a:t>Two states: </a:t>
-            </a:r>
-            <a:r>
-              <a:rPr lang="en-US" b="1" i="1" dirty="0"/>
-              <a:t>IDLE</a:t>
-            </a:r>
-            <a:r>
-              <a:rPr lang="en-US" dirty="0"/>
-              <a:t>, and </a:t>
-            </a:r>
-            <a:r>
-              <a:rPr lang="en-US" b="1" i="1" dirty="0"/>
-              <a:t>SEND</a:t>
-            </a:r>
-            <a:r>
-              <a:rPr lang="en-US" dirty="0"/>
-              <a:t>.</a:t>
-            </a:r>
-          </a:p>
-          <a:p>
-            <a:pPr lvl="1"/>
-            <a:r>
-              <a:rPr lang="en-US" dirty="0"/>
-              <a:t>Controls when to load the message/chaos into their respective buffers.</a:t>
-            </a:r>
-          </a:p>
-          <a:p>
-            <a:pPr lvl="1"/>
-            <a:r>
-              <a:rPr lang="en-US" dirty="0"/>
-              <a:t>Enables/disables the Chip/Bit Counter.</a:t>
-            </a:r>
-          </a:p>
-          <a:p>
-            <a:pPr lvl="1"/>
-            <a:r>
-              <a:rPr lang="en-US" dirty="0"/>
-              <a:t>Outputs chaos/message bits from their respective buffers</a:t>
-            </a:r>
-          </a:p>
-        </p:txBody>
-      </p:sp>
-      <p:sp>
-        <p:nvSpPr>
-          <p:cNvPr id="4" name="Date Placeholder 3">
-            <a:extLst>
-              <a:ext uri="{FF2B5EF4-FFF2-40B4-BE49-F238E27FC236}">
-                <a16:creationId xmlns:a16="http://schemas.microsoft.com/office/drawing/2014/main" id="{570036E0-2D74-6A1D-5504-F7AC015DDC41}"/>
-              </a:ext>
-            </a:extLst>
-          </p:cNvPr>
-          <p:cNvSpPr>
-            <a:spLocks noGrp="1"/>
-          </p:cNvSpPr>
-          <p:nvPr>
-            <p:ph type="dt" sz="half" idx="10"/>
-          </p:nvPr>
-        </p:nvSpPr>
-        <p:spPr/>
-        <p:txBody>
-          <a:bodyPr/>
-          <a:lstStyle/>
-          <a:p>
-            <a:fld id="{784B6403-72E5-4C81-BBE2-901D5C7CD968}" type="datetime1">
-              <a:rPr lang="en-US" smtClean="0"/>
-              <a:t>12/15/2023</a:t>
-            </a:fld>
-            <a:endParaRPr lang="en-US"/>
-          </a:p>
-        </p:txBody>
-      </p:sp>
-      <p:sp>
-        <p:nvSpPr>
-          <p:cNvPr id="5" name="Footer Placeholder 4">
-            <a:extLst>
-              <a:ext uri="{FF2B5EF4-FFF2-40B4-BE49-F238E27FC236}">
-                <a16:creationId xmlns:a16="http://schemas.microsoft.com/office/drawing/2014/main" id="{72C5274E-628B-876A-4C32-53DDA7668E05}"/>
-              </a:ext>
-            </a:extLst>
-          </p:cNvPr>
-          <p:cNvSpPr>
-            <a:spLocks noGrp="1"/>
-          </p:cNvSpPr>
-          <p:nvPr>
-            <p:ph type="ftr" sz="quarter" idx="11"/>
-          </p:nvPr>
-        </p:nvSpPr>
-        <p:spPr/>
-        <p:txBody>
-          <a:bodyPr/>
-          <a:lstStyle/>
-          <a:p>
-            <a:r>
-              <a:rPr lang="en-US" dirty="0"/>
-              <a:t>Omar Amer</a:t>
-            </a:r>
-          </a:p>
-        </p:txBody>
-      </p:sp>
-      <p:sp>
-        <p:nvSpPr>
-          <p:cNvPr id="6" name="Slide Number Placeholder 5">
-            <a:extLst>
-              <a:ext uri="{FF2B5EF4-FFF2-40B4-BE49-F238E27FC236}">
-                <a16:creationId xmlns:a16="http://schemas.microsoft.com/office/drawing/2014/main" id="{DE1C4504-2957-D27E-F43D-FAF1CD50242F}"/>
-              </a:ext>
-            </a:extLst>
-          </p:cNvPr>
-          <p:cNvSpPr>
-            <a:spLocks noGrp="1"/>
-          </p:cNvSpPr>
-          <p:nvPr>
-            <p:ph type="sldNum" sz="quarter" idx="12"/>
-          </p:nvPr>
-        </p:nvSpPr>
-        <p:spPr/>
-        <p:txBody>
-          <a:bodyPr/>
-          <a:lstStyle/>
-          <a:p>
-            <a:fld id="{B568D961-7C42-4AF1-A1CA-E4683A0210D6}" type="slidenum">
-              <a:rPr lang="en-US" smtClean="0"/>
-              <a:t>24</a:t>
-            </a:fld>
-            <a:endParaRPr lang="en-US" dirty="0"/>
-          </a:p>
-        </p:txBody>
-      </p:sp>
-    </p:spTree>
-    <p:extLst>
-      <p:ext uri="{BB962C8B-B14F-4D97-AF65-F5344CB8AC3E}">
-        <p14:creationId xmlns:p14="http://schemas.microsoft.com/office/powerpoint/2010/main" val="2428559803"/>
-      </p:ext>
-    </p:extLst>
-  </p:cSld>
-  <p:clrMapOvr>
-    <a:masterClrMapping/>
-  </p:clrMapOvr>
+  <mc:AlternateContent xmlns:mc="http://schemas.openxmlformats.org/markup-compatibility/2006">
+    <mc:Choice xmlns:p14="http://schemas.microsoft.com/office/powerpoint/2010/main" Requires="p14">
+      <p:transition spd="med" p14:dur="700">
+        <p:fade/>
+      </p:transition>
+    </mc:Choice>
+    <mc:Fallback>
+      <p:transition spd="med">
+        <p:fade/>
+      </p:transition>
+    </mc:Fallback>
+  </mc:AlternateContent>
 </p:sld>
 </file>
 
@@ -10494,6 +10704,18 @@
   <p:clrMapOvr>
     <a:masterClrMapping/>
   </p:clrMapOvr>
+  <mc:AlternateContent xmlns:mc="http://schemas.openxmlformats.org/markup-compatibility/2006">
+    <mc:Choice xmlns:p14="http://schemas.microsoft.com/office/powerpoint/2010/main" Requires="p14">
+      <p:transition spd="med" p14:dur="700">
+        <p:fade/>
+      </p:transition>
+    </mc:Choice>
+    <mc:Fallback>
+      <p:transition spd="med">
+        <p:fade/>
+      </p:transition>
+    </mc:Fallback>
+  </mc:AlternateContent>
   <p:timing>
     <p:tnLst>
       <p:par>
@@ -11794,6 +12016,18 @@
   <p:clrMapOvr>
     <a:masterClrMapping/>
   </p:clrMapOvr>
+  <mc:AlternateContent xmlns:mc="http://schemas.openxmlformats.org/markup-compatibility/2006">
+    <mc:Choice xmlns:p14="http://schemas.microsoft.com/office/powerpoint/2010/main" Requires="p14">
+      <p:transition spd="med" p14:dur="700">
+        <p:fade/>
+      </p:transition>
+    </mc:Choice>
+    <mc:Fallback>
+      <p:transition spd="med">
+        <p:fade/>
+      </p:transition>
+    </mc:Fallback>
+  </mc:AlternateContent>
   <p:timing>
     <p:tnLst>
       <p:par>
@@ -18837,6 +19071,18 @@
   <p:clrMapOvr>
     <a:masterClrMapping/>
   </p:clrMapOvr>
+  <mc:AlternateContent xmlns:mc="http://schemas.openxmlformats.org/markup-compatibility/2006">
+    <mc:Choice xmlns:p14="http://schemas.microsoft.com/office/powerpoint/2010/main" Requires="p14">
+      <p:transition spd="med" p14:dur="700">
+        <p:fade/>
+      </p:transition>
+    </mc:Choice>
+    <mc:Fallback>
+      <p:transition spd="med">
+        <p:fade/>
+      </p:transition>
+    </mc:Fallback>
+  </mc:AlternateContent>
   <p:timing>
     <p:tnLst>
       <p:par>
@@ -22240,6 +22486,18 @@
   <p:clrMapOvr>
     <a:masterClrMapping/>
   </p:clrMapOvr>
+  <mc:AlternateContent xmlns:mc="http://schemas.openxmlformats.org/markup-compatibility/2006">
+    <mc:Choice xmlns:p14="http://schemas.microsoft.com/office/powerpoint/2010/main" Requires="p14">
+      <p:transition spd="med" p14:dur="700">
+        <p:fade/>
+      </p:transition>
+    </mc:Choice>
+    <mc:Fallback>
+      <p:transition spd="med">
+        <p:fade/>
+      </p:transition>
+    </mc:Fallback>
+  </mc:AlternateContent>
 </p:sld>
 </file>
 
@@ -22460,6 +22718,18 @@
   <p:clrMapOvr>
     <a:masterClrMapping/>
   </p:clrMapOvr>
+  <mc:AlternateContent xmlns:mc="http://schemas.openxmlformats.org/markup-compatibility/2006">
+    <mc:Choice xmlns:p14="http://schemas.microsoft.com/office/powerpoint/2010/main" Requires="p14">
+      <p:transition spd="med" p14:dur="700">
+        <p:fade/>
+      </p:transition>
+    </mc:Choice>
+    <mc:Fallback>
+      <p:transition spd="med">
+        <p:fade/>
+      </p:transition>
+    </mc:Fallback>
+  </mc:AlternateContent>
 </p:sld>
 </file>
 
@@ -22646,6 +22916,18 @@
   <p:clrMapOvr>
     <a:masterClrMapping/>
   </p:clrMapOvr>
+  <mc:AlternateContent xmlns:mc="http://schemas.openxmlformats.org/markup-compatibility/2006">
+    <mc:Choice xmlns:p14="http://schemas.microsoft.com/office/powerpoint/2010/main" Requires="p14">
+      <p:transition spd="med" p14:dur="700">
+        <p:fade/>
+      </p:transition>
+    </mc:Choice>
+    <mc:Fallback>
+      <p:transition spd="med">
+        <p:fade/>
+      </p:transition>
+    </mc:Fallback>
+  </mc:AlternateContent>
 </p:sld>
 </file>
 
@@ -22924,6 +23206,18 @@
   <p:clrMapOvr>
     <a:masterClrMapping/>
   </p:clrMapOvr>
+  <mc:AlternateContent xmlns:mc="http://schemas.openxmlformats.org/markup-compatibility/2006">
+    <mc:Choice xmlns:p14="http://schemas.microsoft.com/office/powerpoint/2010/main" Requires="p14">
+      <p:transition spd="med" p14:dur="700">
+        <p:fade/>
+      </p:transition>
+    </mc:Choice>
+    <mc:Fallback>
+      <p:transition spd="med">
+        <p:fade/>
+      </p:transition>
+    </mc:Fallback>
+  </mc:AlternateContent>
 </p:sld>
 </file>
 
@@ -23128,6 +23422,18 @@
   <p:clrMapOvr>
     <a:masterClrMapping/>
   </p:clrMapOvr>
+  <mc:AlternateContent xmlns:mc="http://schemas.openxmlformats.org/markup-compatibility/2006">
+    <mc:Choice xmlns:p14="http://schemas.microsoft.com/office/powerpoint/2010/main" Requires="p14">
+      <p:transition spd="med" p14:dur="700">
+        <p:fade/>
+      </p:transition>
+    </mc:Choice>
+    <mc:Fallback>
+      <p:transition spd="med">
+        <p:fade/>
+      </p:transition>
+    </mc:Fallback>
+  </mc:AlternateContent>
 </p:sld>
 </file>
 
@@ -23197,7 +23503,7 @@
           <a:bodyPr/>
           <a:lstStyle/>
           <a:p>
-            <a:pPr marL="342900" indent="-342900">
+            <a:pPr marL="342900" indent="-342900" algn="ctr">
               <a:buFont typeface="Arial" panose="020B0604020202020204" pitchFamily="34" charset="0"/>
               <a:buChar char="•"/>
             </a:pPr>
@@ -23207,7 +23513,7 @@
             </a:r>
           </a:p>
           <a:p>
-            <a:pPr marL="342900" indent="-342900">
+            <a:pPr marL="342900" indent="-342900" algn="ctr">
               <a:buFont typeface="Arial" panose="020B0604020202020204" pitchFamily="34" charset="0"/>
               <a:buChar char="•"/>
             </a:pPr>
@@ -23217,7 +23523,7 @@
             </a:r>
           </a:p>
           <a:p>
-            <a:pPr marL="342900" indent="-342900">
+            <a:pPr marL="342900" indent="-342900" algn="ctr">
               <a:buFont typeface="Arial" panose="020B0604020202020204" pitchFamily="34" charset="0"/>
               <a:buChar char="•"/>
             </a:pPr>
@@ -23324,6 +23630,18 @@
   <p:clrMapOvr>
     <a:masterClrMapping/>
   </p:clrMapOvr>
+  <mc:AlternateContent xmlns:mc="http://schemas.openxmlformats.org/markup-compatibility/2006">
+    <mc:Choice xmlns:p14="http://schemas.microsoft.com/office/powerpoint/2010/main" Requires="p14">
+      <p:transition spd="med" p14:dur="700">
+        <p:fade/>
+      </p:transition>
+    </mc:Choice>
+    <mc:Fallback>
+      <p:transition spd="med">
+        <p:fade/>
+      </p:transition>
+    </mc:Fallback>
+  </mc:AlternateContent>
 </p:sld>
 </file>
 
@@ -23508,6 +23826,18 @@
   <p:clrMapOvr>
     <a:masterClrMapping/>
   </p:clrMapOvr>
+  <mc:AlternateContent xmlns:mc="http://schemas.openxmlformats.org/markup-compatibility/2006">
+    <mc:Choice xmlns:p14="http://schemas.microsoft.com/office/powerpoint/2010/main" Requires="p14">
+      <p:transition spd="med" p14:dur="700">
+        <p:fade/>
+      </p:transition>
+    </mc:Choice>
+    <mc:Fallback>
+      <p:transition spd="med">
+        <p:fade/>
+      </p:transition>
+    </mc:Fallback>
+  </mc:AlternateContent>
 </p:sld>
 </file>
 
@@ -23720,6 +24050,18 @@
   <p:clrMapOvr>
     <a:masterClrMapping/>
   </p:clrMapOvr>
+  <mc:AlternateContent xmlns:mc="http://schemas.openxmlformats.org/markup-compatibility/2006">
+    <mc:Choice xmlns:p14="http://schemas.microsoft.com/office/powerpoint/2010/main" Requires="p14">
+      <p:transition spd="med" p14:dur="700">
+        <p:fade/>
+      </p:transition>
+    </mc:Choice>
+    <mc:Fallback>
+      <p:transition spd="med">
+        <p:fade/>
+      </p:transition>
+    </mc:Fallback>
+  </mc:AlternateContent>
 </p:sld>
 </file>
 
@@ -24302,6 +24644,18 @@
   <p:clrMapOvr>
     <a:masterClrMapping/>
   </p:clrMapOvr>
+  <mc:AlternateContent xmlns:mc="http://schemas.openxmlformats.org/markup-compatibility/2006">
+    <mc:Choice xmlns:p14="http://schemas.microsoft.com/office/powerpoint/2010/main" Requires="p14">
+      <p:transition spd="med" p14:dur="700">
+        <p:fade/>
+      </p:transition>
+    </mc:Choice>
+    <mc:Fallback>
+      <p:transition spd="med">
+        <p:fade/>
+      </p:transition>
+    </mc:Fallback>
+  </mc:AlternateContent>
 </p:sld>
 </file>
 
@@ -25031,6 +25385,18 @@
   <p:clrMapOvr>
     <a:masterClrMapping/>
   </p:clrMapOvr>
+  <mc:AlternateContent xmlns:mc="http://schemas.openxmlformats.org/markup-compatibility/2006">
+    <mc:Choice xmlns:p14="http://schemas.microsoft.com/office/powerpoint/2010/main" Requires="p14">
+      <p:transition spd="med" p14:dur="700">
+        <p:fade/>
+      </p:transition>
+    </mc:Choice>
+    <mc:Fallback>
+      <p:transition spd="med">
+        <p:fade/>
+      </p:transition>
+    </mc:Fallback>
+  </mc:AlternateContent>
 </p:sld>
 </file>
 
@@ -25556,6 +25922,18 @@
   <p:clrMapOvr>
     <a:masterClrMapping/>
   </p:clrMapOvr>
+  <mc:AlternateContent xmlns:mc="http://schemas.openxmlformats.org/markup-compatibility/2006">
+    <mc:Choice xmlns:p14="http://schemas.microsoft.com/office/powerpoint/2010/main" Requires="p14">
+      <p:transition spd="med" p14:dur="700">
+        <p:fade/>
+      </p:transition>
+    </mc:Choice>
+    <mc:Fallback>
+      <p:transition spd="med">
+        <p:fade/>
+      </p:transition>
+    </mc:Fallback>
+  </mc:AlternateContent>
 </p:sld>
 </file>
 
@@ -25749,6 +26127,18 @@
   <p:clrMapOvr>
     <a:masterClrMapping/>
   </p:clrMapOvr>
+  <mc:AlternateContent xmlns:mc="http://schemas.openxmlformats.org/markup-compatibility/2006">
+    <mc:Choice xmlns:p14="http://schemas.microsoft.com/office/powerpoint/2010/main" Requires="p14">
+      <p:transition spd="med" p14:dur="700">
+        <p:fade/>
+      </p:transition>
+    </mc:Choice>
+    <mc:Fallback>
+      <p:transition spd="med">
+        <p:fade/>
+      </p:transition>
+    </mc:Fallback>
+  </mc:AlternateContent>
 </p:sld>
 </file>
 
@@ -25791,10 +26181,9 @@
           <a:lstStyle/>
           <a:p>
             <a:r>
-              <a:rPr lang="en-US" dirty="0" err="1"/>
-              <a:t>Disscussion</a:t>
-            </a:r>
-            <a:endParaRPr lang="en-US" dirty="0"/>
+              <a:rPr lang="en-US" dirty="0"/>
+              <a:t>Discussion</a:t>
+            </a:r>
           </a:p>
         </p:txBody>
       </p:sp>
@@ -25916,6 +26305,18 @@
   <p:clrMapOvr>
     <a:masterClrMapping/>
   </p:clrMapOvr>
+  <mc:AlternateContent xmlns:mc="http://schemas.openxmlformats.org/markup-compatibility/2006">
+    <mc:Choice xmlns:p14="http://schemas.microsoft.com/office/powerpoint/2010/main" Requires="p14">
+      <p:transition spd="med" p14:dur="700">
+        <p:fade/>
+      </p:transition>
+    </mc:Choice>
+    <mc:Fallback>
+      <p:transition spd="med">
+        <p:fade/>
+      </p:transition>
+    </mc:Fallback>
+  </mc:AlternateContent>
 </p:sld>
 </file>
 
@@ -26263,6 +26664,18 @@
   <p:clrMapOvr>
     <a:masterClrMapping/>
   </p:clrMapOvr>
+  <mc:AlternateContent xmlns:mc="http://schemas.openxmlformats.org/markup-compatibility/2006">
+    <mc:Choice xmlns:p14="http://schemas.microsoft.com/office/powerpoint/2010/main" Requires="p14">
+      <p:transition spd="med" p14:dur="700">
+        <p:fade/>
+      </p:transition>
+    </mc:Choice>
+    <mc:Fallback>
+      <p:transition spd="med">
+        <p:fade/>
+      </p:transition>
+    </mc:Fallback>
+  </mc:AlternateContent>
 </p:sld>
 </file>
 
@@ -26429,6 +26842,18 @@
   <p:clrMapOvr>
     <a:masterClrMapping/>
   </p:clrMapOvr>
+  <mc:AlternateContent xmlns:mc="http://schemas.openxmlformats.org/markup-compatibility/2006">
+    <mc:Choice xmlns:p14="http://schemas.microsoft.com/office/powerpoint/2010/main" Requires="p14">
+      <p:transition spd="med" p14:dur="700">
+        <p:fade/>
+      </p:transition>
+    </mc:Choice>
+    <mc:Fallback>
+      <p:transition spd="med">
+        <p:fade/>
+      </p:transition>
+    </mc:Fallback>
+  </mc:AlternateContent>
 </p:sld>
 </file>
 
@@ -26603,6 +27028,18 @@
   <p:clrMapOvr>
     <a:masterClrMapping/>
   </p:clrMapOvr>
+  <mc:AlternateContent xmlns:mc="http://schemas.openxmlformats.org/markup-compatibility/2006">
+    <mc:Choice xmlns:p14="http://schemas.microsoft.com/office/powerpoint/2010/main" Requires="p14">
+      <p:transition spd="med" p14:dur="700">
+        <p:fade/>
+      </p:transition>
+    </mc:Choice>
+    <mc:Fallback>
+      <p:transition spd="med">
+        <p:fade/>
+      </p:transition>
+    </mc:Fallback>
+  </mc:AlternateContent>
 </p:sld>
 </file>
 
@@ -27428,6 +27865,18 @@
   <p:clrMapOvr>
     <a:masterClrMapping/>
   </p:clrMapOvr>
+  <mc:AlternateContent xmlns:mc="http://schemas.openxmlformats.org/markup-compatibility/2006">
+    <mc:Choice xmlns:p14="http://schemas.microsoft.com/office/powerpoint/2010/main" Requires="p14">
+      <p:transition spd="med" p14:dur="700">
+        <p:fade/>
+      </p:transition>
+    </mc:Choice>
+    <mc:Fallback>
+      <p:transition spd="med">
+        <p:fade/>
+      </p:transition>
+    </mc:Fallback>
+  </mc:AlternateContent>
 </p:sld>
 </file>
 
@@ -28135,6 +28584,18 @@
   <p:clrMapOvr>
     <a:masterClrMapping/>
   </p:clrMapOvr>
+  <mc:AlternateContent xmlns:mc="http://schemas.openxmlformats.org/markup-compatibility/2006">
+    <mc:Choice xmlns:p14="http://schemas.microsoft.com/office/powerpoint/2010/main" Requires="p14">
+      <p:transition spd="med" p14:dur="700">
+        <p:fade/>
+      </p:transition>
+    </mc:Choice>
+    <mc:Fallback>
+      <p:transition spd="med">
+        <p:fade/>
+      </p:transition>
+    </mc:Fallback>
+  </mc:AlternateContent>
 </p:sld>
 </file>
 
@@ -28304,6 +28765,18 @@
   <p:clrMapOvr>
     <a:masterClrMapping/>
   </p:clrMapOvr>
+  <mc:AlternateContent xmlns:mc="http://schemas.openxmlformats.org/markup-compatibility/2006">
+    <mc:Choice xmlns:p14="http://schemas.microsoft.com/office/powerpoint/2010/main" Requires="p14">
+      <p:transition spd="med" p14:dur="700">
+        <p:fade/>
+      </p:transition>
+    </mc:Choice>
+    <mc:Fallback>
+      <p:transition spd="med">
+        <p:fade/>
+      </p:transition>
+    </mc:Fallback>
+  </mc:AlternateContent>
 </p:sld>
 </file>
 
@@ -28603,6 +29076,18 @@
   <p:clrMapOvr>
     <a:masterClrMapping/>
   </p:clrMapOvr>
+  <mc:AlternateContent xmlns:mc="http://schemas.openxmlformats.org/markup-compatibility/2006">
+    <mc:Choice xmlns:p14="http://schemas.microsoft.com/office/powerpoint/2010/main" Requires="p14">
+      <p:transition spd="med" p14:dur="700">
+        <p:fade/>
+      </p:transition>
+    </mc:Choice>
+    <mc:Fallback>
+      <p:transition spd="med">
+        <p:fade/>
+      </p:transition>
+    </mc:Fallback>
+  </mc:AlternateContent>
   <p:timing>
     <p:tnLst>
       <p:par>
